--- a/documentation/presentations/Horace4.1andUserExperience.pptx
+++ b/documentation/presentations/Horace4.1andUserExperience.pptx
@@ -7,6 +7,9 @@
   <p:sldIdLst>
     <p:sldId id="256" r:id="rId2"/>
     <p:sldId id="257" r:id="rId3"/>
+    <p:sldId id="258" r:id="rId4"/>
+    <p:sldId id="259" r:id="rId5"/>
+    <p:sldId id="260" r:id="rId6"/>
   </p:sldIdLst>
   <p:sldSz cx="12192000" cy="6858000"/>
   <p:notesSz cx="6858000" cy="9144000"/>
@@ -5169,6 +5172,1634 @@
     <p:extLst>
       <p:ext uri="{BB962C8B-B14F-4D97-AF65-F5344CB8AC3E}">
         <p14:creationId xmlns:p14="http://schemas.microsoft.com/office/powerpoint/2010/main" val="2587144761"/>
+      </p:ext>
+    </p:extLst>
+  </p:cSld>
+  <p:clrMapOvr>
+    <a:masterClrMapping/>
+  </p:clrMapOvr>
+</p:sld>
+</file>
+
+<file path=ppt/slides/slide3.xml><?xml version="1.0" encoding="utf-8"?>
+<p:sld xmlns:a="http://schemas.openxmlformats.org/drawingml/2006/main" xmlns:r="http://schemas.openxmlformats.org/officeDocument/2006/relationships" xmlns:p="http://schemas.openxmlformats.org/presentationml/2006/main">
+  <p:cSld>
+    <p:spTree>
+      <p:nvGrpSpPr>
+        <p:cNvPr id="1" name="">
+          <a:extLst>
+            <a:ext uri="{FF2B5EF4-FFF2-40B4-BE49-F238E27FC236}">
+              <a16:creationId xmlns:a16="http://schemas.microsoft.com/office/drawing/2014/main" id="{D04A1010-F173-CE70-2B14-6C42B040F185}"/>
+            </a:ext>
+          </a:extLst>
+        </p:cNvPr>
+        <p:cNvGrpSpPr/>
+        <p:nvPr/>
+      </p:nvGrpSpPr>
+      <p:grpSpPr>
+        <a:xfrm>
+          <a:off x="0" y="0"/>
+          <a:ext cx="0" cy="0"/>
+          <a:chOff x="0" y="0"/>
+          <a:chExt cx="0" cy="0"/>
+        </a:xfrm>
+      </p:grpSpPr>
+      <p:pic>
+        <p:nvPicPr>
+          <p:cNvPr id="24" name="Picture 23">
+            <a:extLst>
+              <a:ext uri="{FF2B5EF4-FFF2-40B4-BE49-F238E27FC236}">
+                <a16:creationId xmlns:a16="http://schemas.microsoft.com/office/drawing/2014/main" id="{1DC4329C-02E0-626B-98ED-2A5E25AF4351}"/>
+              </a:ext>
+            </a:extLst>
+          </p:cNvPr>
+          <p:cNvPicPr>
+            <a:picLocks noChangeAspect="1"/>
+          </p:cNvPicPr>
+          <p:nvPr/>
+        </p:nvPicPr>
+        <p:blipFill>
+          <a:blip r:embed="rId2"/>
+          <a:stretch>
+            <a:fillRect/>
+          </a:stretch>
+        </p:blipFill>
+        <p:spPr>
+          <a:xfrm>
+            <a:off x="6884563" y="2772529"/>
+            <a:ext cx="4166102" cy="3124577"/>
+          </a:xfrm>
+          <a:prstGeom prst="rect">
+            <a:avLst/>
+          </a:prstGeom>
+        </p:spPr>
+      </p:pic>
+      <p:sp>
+        <p:nvSpPr>
+          <p:cNvPr id="3" name="Subtitle 2">
+            <a:extLst>
+              <a:ext uri="{FF2B5EF4-FFF2-40B4-BE49-F238E27FC236}">
+                <a16:creationId xmlns:a16="http://schemas.microsoft.com/office/drawing/2014/main" id="{468C8C39-213C-68D9-9DF9-B583DDC9F5B6}"/>
+              </a:ext>
+            </a:extLst>
+          </p:cNvPr>
+          <p:cNvSpPr>
+            <a:spLocks noGrp="1"/>
+          </p:cNvSpPr>
+          <p:nvPr>
+            <p:ph type="subTitle" idx="1"/>
+          </p:nvPr>
+        </p:nvSpPr>
+        <p:spPr>
+          <a:xfrm>
+            <a:off x="624874" y="119847"/>
+            <a:ext cx="10290313" cy="757927"/>
+          </a:xfrm>
+        </p:spPr>
+        <p:txBody>
+          <a:bodyPr>
+            <a:noAutofit/>
+          </a:bodyPr>
+          <a:lstStyle/>
+          <a:p>
+            <a:r>
+              <a:rPr lang="en-GB" sz="2800" dirty="0"/>
+              <a:t>Horace 4 issues from user experience and Horace 4.1 highlights</a:t>
+            </a:r>
+          </a:p>
+        </p:txBody>
+      </p:sp>
+      <p:sp>
+        <p:nvSpPr>
+          <p:cNvPr id="4" name="Subtitle 2">
+            <a:extLst>
+              <a:ext uri="{FF2B5EF4-FFF2-40B4-BE49-F238E27FC236}">
+                <a16:creationId xmlns:a16="http://schemas.microsoft.com/office/drawing/2014/main" id="{8FD02A69-D62A-824E-EBA8-51201EB39F5B}"/>
+              </a:ext>
+            </a:extLst>
+          </p:cNvPr>
+          <p:cNvSpPr txBox="1">
+            <a:spLocks/>
+          </p:cNvSpPr>
+          <p:nvPr/>
+        </p:nvSpPr>
+        <p:spPr>
+          <a:xfrm>
+            <a:off x="490329" y="759324"/>
+            <a:ext cx="10290313" cy="516835"/>
+          </a:xfrm>
+          <a:prstGeom prst="rect">
+            <a:avLst/>
+          </a:prstGeom>
+        </p:spPr>
+        <p:txBody>
+          <a:bodyPr vert="horz" lIns="91440" tIns="45720" rIns="91440" bIns="45720" rtlCol="0">
+            <a:noAutofit/>
+          </a:bodyPr>
+          <a:lstStyle>
+            <a:lvl1pPr marL="0" indent="0" algn="ctr" defTabSz="914400" rtl="0" eaLnBrk="1" latinLnBrk="0" hangingPunct="1">
+              <a:lnSpc>
+                <a:spcPct val="90000"/>
+              </a:lnSpc>
+              <a:spcBef>
+                <a:spcPts val="1000"/>
+              </a:spcBef>
+              <a:buFont typeface="Arial" panose="020B0604020202020204" pitchFamily="34" charset="0"/>
+              <a:buNone/>
+              <a:defRPr sz="2400" kern="1200">
+                <a:solidFill>
+                  <a:schemeClr val="tx1"/>
+                </a:solidFill>
+                <a:latin typeface="+mn-lt"/>
+                <a:ea typeface="+mn-ea"/>
+                <a:cs typeface="+mn-cs"/>
+              </a:defRPr>
+            </a:lvl1pPr>
+            <a:lvl2pPr marL="457200" indent="0" algn="ctr" defTabSz="914400" rtl="0" eaLnBrk="1" latinLnBrk="0" hangingPunct="1">
+              <a:lnSpc>
+                <a:spcPct val="90000"/>
+              </a:lnSpc>
+              <a:spcBef>
+                <a:spcPts val="500"/>
+              </a:spcBef>
+              <a:buFont typeface="Arial" panose="020B0604020202020204" pitchFamily="34" charset="0"/>
+              <a:buNone/>
+              <a:defRPr sz="2000" kern="1200">
+                <a:solidFill>
+                  <a:schemeClr val="tx1"/>
+                </a:solidFill>
+                <a:latin typeface="+mn-lt"/>
+                <a:ea typeface="+mn-ea"/>
+                <a:cs typeface="+mn-cs"/>
+              </a:defRPr>
+            </a:lvl2pPr>
+            <a:lvl3pPr marL="914400" indent="0" algn="ctr" defTabSz="914400" rtl="0" eaLnBrk="1" latinLnBrk="0" hangingPunct="1">
+              <a:lnSpc>
+                <a:spcPct val="90000"/>
+              </a:lnSpc>
+              <a:spcBef>
+                <a:spcPts val="500"/>
+              </a:spcBef>
+              <a:buFont typeface="Arial" panose="020B0604020202020204" pitchFamily="34" charset="0"/>
+              <a:buNone/>
+              <a:defRPr sz="1800" kern="1200">
+                <a:solidFill>
+                  <a:schemeClr val="tx1"/>
+                </a:solidFill>
+                <a:latin typeface="+mn-lt"/>
+                <a:ea typeface="+mn-ea"/>
+                <a:cs typeface="+mn-cs"/>
+              </a:defRPr>
+            </a:lvl3pPr>
+            <a:lvl4pPr marL="1371600" indent="0" algn="ctr" defTabSz="914400" rtl="0" eaLnBrk="1" latinLnBrk="0" hangingPunct="1">
+              <a:lnSpc>
+                <a:spcPct val="90000"/>
+              </a:lnSpc>
+              <a:spcBef>
+                <a:spcPts val="500"/>
+              </a:spcBef>
+              <a:buFont typeface="Arial" panose="020B0604020202020204" pitchFamily="34" charset="0"/>
+              <a:buNone/>
+              <a:defRPr sz="1600" kern="1200">
+                <a:solidFill>
+                  <a:schemeClr val="tx1"/>
+                </a:solidFill>
+                <a:latin typeface="+mn-lt"/>
+                <a:ea typeface="+mn-ea"/>
+                <a:cs typeface="+mn-cs"/>
+              </a:defRPr>
+            </a:lvl4pPr>
+            <a:lvl5pPr marL="1828800" indent="0" algn="ctr" defTabSz="914400" rtl="0" eaLnBrk="1" latinLnBrk="0" hangingPunct="1">
+              <a:lnSpc>
+                <a:spcPct val="90000"/>
+              </a:lnSpc>
+              <a:spcBef>
+                <a:spcPts val="500"/>
+              </a:spcBef>
+              <a:buFont typeface="Arial" panose="020B0604020202020204" pitchFamily="34" charset="0"/>
+              <a:buNone/>
+              <a:defRPr sz="1600" kern="1200">
+                <a:solidFill>
+                  <a:schemeClr val="tx1"/>
+                </a:solidFill>
+                <a:latin typeface="+mn-lt"/>
+                <a:ea typeface="+mn-ea"/>
+                <a:cs typeface="+mn-cs"/>
+              </a:defRPr>
+            </a:lvl5pPr>
+            <a:lvl6pPr marL="2286000" indent="0" algn="ctr" defTabSz="914400" rtl="0" eaLnBrk="1" latinLnBrk="0" hangingPunct="1">
+              <a:lnSpc>
+                <a:spcPct val="90000"/>
+              </a:lnSpc>
+              <a:spcBef>
+                <a:spcPts val="500"/>
+              </a:spcBef>
+              <a:buFont typeface="Arial" panose="020B0604020202020204" pitchFamily="34" charset="0"/>
+              <a:buNone/>
+              <a:defRPr sz="1600" kern="1200">
+                <a:solidFill>
+                  <a:schemeClr val="tx1"/>
+                </a:solidFill>
+                <a:latin typeface="+mn-lt"/>
+                <a:ea typeface="+mn-ea"/>
+                <a:cs typeface="+mn-cs"/>
+              </a:defRPr>
+            </a:lvl6pPr>
+            <a:lvl7pPr marL="2743200" indent="0" algn="ctr" defTabSz="914400" rtl="0" eaLnBrk="1" latinLnBrk="0" hangingPunct="1">
+              <a:lnSpc>
+                <a:spcPct val="90000"/>
+              </a:lnSpc>
+              <a:spcBef>
+                <a:spcPts val="500"/>
+              </a:spcBef>
+              <a:buFont typeface="Arial" panose="020B0604020202020204" pitchFamily="34" charset="0"/>
+              <a:buNone/>
+              <a:defRPr sz="1600" kern="1200">
+                <a:solidFill>
+                  <a:schemeClr val="tx1"/>
+                </a:solidFill>
+                <a:latin typeface="+mn-lt"/>
+                <a:ea typeface="+mn-ea"/>
+                <a:cs typeface="+mn-cs"/>
+              </a:defRPr>
+            </a:lvl7pPr>
+            <a:lvl8pPr marL="3200400" indent="0" algn="ctr" defTabSz="914400" rtl="0" eaLnBrk="1" latinLnBrk="0" hangingPunct="1">
+              <a:lnSpc>
+                <a:spcPct val="90000"/>
+              </a:lnSpc>
+              <a:spcBef>
+                <a:spcPts val="500"/>
+              </a:spcBef>
+              <a:buFont typeface="Arial" panose="020B0604020202020204" pitchFamily="34" charset="0"/>
+              <a:buNone/>
+              <a:defRPr sz="1600" kern="1200">
+                <a:solidFill>
+                  <a:schemeClr val="tx1"/>
+                </a:solidFill>
+                <a:latin typeface="+mn-lt"/>
+                <a:ea typeface="+mn-ea"/>
+                <a:cs typeface="+mn-cs"/>
+              </a:defRPr>
+            </a:lvl8pPr>
+            <a:lvl9pPr marL="3657600" indent="0" algn="ctr" defTabSz="914400" rtl="0" eaLnBrk="1" latinLnBrk="0" hangingPunct="1">
+              <a:lnSpc>
+                <a:spcPct val="90000"/>
+              </a:lnSpc>
+              <a:spcBef>
+                <a:spcPts val="500"/>
+              </a:spcBef>
+              <a:buFont typeface="Arial" panose="020B0604020202020204" pitchFamily="34" charset="0"/>
+              <a:buNone/>
+              <a:defRPr sz="1600" kern="1200">
+                <a:solidFill>
+                  <a:schemeClr val="tx1"/>
+                </a:solidFill>
+                <a:latin typeface="+mn-lt"/>
+                <a:ea typeface="+mn-ea"/>
+                <a:cs typeface="+mn-cs"/>
+              </a:defRPr>
+            </a:lvl9pPr>
+          </a:lstStyle>
+          <a:p>
+            <a:pPr algn="l"/>
+            <a:r>
+              <a:rPr lang="en-GB" sz="2800" dirty="0">
+                <a:solidFill>
+                  <a:srgbClr val="0070C0"/>
+                </a:solidFill>
+              </a:rPr>
+              <a:t>Data Diagnostics: </a:t>
+            </a:r>
+            <a:r>
+              <a:rPr lang="en-GB" sz="2800" b="1" dirty="0"/>
+              <a:t>Instrument view cut</a:t>
+            </a:r>
+          </a:p>
+          <a:p>
+            <a:pPr algn="l"/>
+            <a:endParaRPr lang="en-GB" sz="2800" dirty="0">
+              <a:solidFill>
+                <a:srgbClr val="0070C0"/>
+              </a:solidFill>
+            </a:endParaRPr>
+          </a:p>
+        </p:txBody>
+      </p:sp>
+      <p:sp>
+        <p:nvSpPr>
+          <p:cNvPr id="9" name="Rectangle 1">
+            <a:extLst>
+              <a:ext uri="{FF2B5EF4-FFF2-40B4-BE49-F238E27FC236}">
+                <a16:creationId xmlns:a16="http://schemas.microsoft.com/office/drawing/2014/main" id="{4840AC4D-90C9-01FB-F49A-5014CAD6344C}"/>
+              </a:ext>
+            </a:extLst>
+          </p:cNvPr>
+          <p:cNvSpPr>
+            <a:spLocks noChangeArrowheads="1"/>
+          </p:cNvSpPr>
+          <p:nvPr/>
+        </p:nvSpPr>
+        <p:spPr bwMode="auto">
+          <a:xfrm>
+            <a:off x="375105" y="1390772"/>
+            <a:ext cx="137204173" cy="1477328"/>
+          </a:xfrm>
+          <a:prstGeom prst="rect">
+            <a:avLst/>
+          </a:prstGeom>
+          <a:noFill/>
+          <a:ln>
+            <a:noFill/>
+          </a:ln>
+          <a:effectLst/>
+          <a:extLst>
+            <a:ext uri="{909E8E84-426E-40DD-AFC4-6F175D3DCCD1}">
+              <a14:hiddenFill xmlns:a14="http://schemas.microsoft.com/office/drawing/2010/main">
+                <a:solidFill>
+                  <a:schemeClr val="accent1"/>
+                </a:solidFill>
+              </a14:hiddenFill>
+            </a:ext>
+            <a:ext uri="{91240B29-F687-4F45-9708-019B960494DF}">
+              <a14:hiddenLine xmlns:a14="http://schemas.microsoft.com/office/drawing/2010/main" w="9525">
+                <a:solidFill>
+                  <a:schemeClr val="tx1"/>
+                </a:solidFill>
+                <a:miter lim="800000"/>
+                <a:headEnd/>
+                <a:tailEnd/>
+              </a14:hiddenLine>
+            </a:ext>
+            <a:ext uri="{AF507438-7753-43E0-B8FC-AC1667EBCBE1}">
+              <a14:hiddenEffects xmlns:a14="http://schemas.microsoft.com/office/drawing/2010/main">
+                <a:effectLst>
+                  <a:outerShdw dist="35921" dir="2700000" algn="ctr" rotWithShape="0">
+                    <a:schemeClr val="bg2"/>
+                  </a:outerShdw>
+                </a:effectLst>
+              </a14:hiddenEffects>
+            </a:ext>
+          </a:extLst>
+        </p:spPr>
+        <p:txBody>
+          <a:bodyPr vert="horz" wrap="square" lIns="91440" tIns="45720" rIns="91440" bIns="45720" numCol="1" anchor="ctr" anchorCtr="0" compatLnSpc="1">
+            <a:prstTxWarp prst="textNoShape">
+              <a:avLst/>
+            </a:prstTxWarp>
+            <a:spAutoFit/>
+          </a:bodyPr>
+          <a:lstStyle/>
+          <a:p>
+            <a:pPr marL="0" marR="0" lvl="0" indent="0" algn="l" defTabSz="914400" rtl="0" eaLnBrk="0" fontAlgn="base" latinLnBrk="0" hangingPunct="0">
+              <a:lnSpc>
+                <a:spcPct val="100000"/>
+              </a:lnSpc>
+              <a:spcBef>
+                <a:spcPct val="0"/>
+              </a:spcBef>
+              <a:spcAft>
+                <a:spcPct val="0"/>
+              </a:spcAft>
+              <a:buClrTx/>
+              <a:buSzTx/>
+              <a:buFontTx/>
+              <a:buNone/>
+              <a:tabLst/>
+            </a:pPr>
+            <a:r>
+              <a:rPr kumimoji="0" lang="en-US" altLang="en-US" sz="1800" b="0" i="0" u="none" strike="noStrike" cap="none" normalizeH="0" baseline="0" dirty="0">
+                <a:ln>
+                  <a:noFill/>
+                </a:ln>
+                <a:solidFill>
+                  <a:schemeClr val="tx1"/>
+                </a:solidFill>
+                <a:effectLst/>
+                <a:latin typeface="Arial" panose="020B0604020202020204" pitchFamily="34" charset="0"/>
+              </a:rPr>
+              <a:t>Normally Horace works with scattering function build in reciprocal coordinate system related to a crystal.</a:t>
+            </a:r>
+          </a:p>
+          <a:p>
+            <a:pPr marL="0" marR="0" lvl="0" indent="0" algn="l" defTabSz="914400" rtl="0" eaLnBrk="0" fontAlgn="base" latinLnBrk="0" hangingPunct="0">
+              <a:lnSpc>
+                <a:spcPct val="100000"/>
+              </a:lnSpc>
+              <a:spcBef>
+                <a:spcPct val="0"/>
+              </a:spcBef>
+              <a:spcAft>
+                <a:spcPct val="0"/>
+              </a:spcAft>
+              <a:buClrTx/>
+              <a:buSzTx/>
+              <a:buFontTx/>
+              <a:buNone/>
+              <a:tabLst/>
+            </a:pPr>
+            <a:r>
+              <a:rPr kumimoji="0" lang="en-US" altLang="en-US" sz="1800" b="0" i="0" u="none" strike="noStrike" cap="none" normalizeH="0" baseline="0" dirty="0">
+                <a:ln>
+                  <a:noFill/>
+                </a:ln>
+                <a:solidFill>
+                  <a:schemeClr val="tx1"/>
+                </a:solidFill>
+                <a:effectLst/>
+                <a:latin typeface="Arial" panose="020B0604020202020204" pitchFamily="34" charset="0"/>
+              </a:rPr>
+              <a:t>If sample is not sufficiently large to allow neutrons thermalization or instrument have various problems with</a:t>
+            </a:r>
+          </a:p>
+          <a:p>
+            <a:pPr marL="0" marR="0" lvl="0" indent="0" algn="l" defTabSz="914400" rtl="0" eaLnBrk="0" fontAlgn="base" latinLnBrk="0" hangingPunct="0">
+              <a:lnSpc>
+                <a:spcPct val="100000"/>
+              </a:lnSpc>
+              <a:spcBef>
+                <a:spcPct val="0"/>
+              </a:spcBef>
+              <a:spcAft>
+                <a:spcPct val="0"/>
+              </a:spcAft>
+              <a:buClrTx/>
+              <a:buSzTx/>
+              <a:buFontTx/>
+              <a:buNone/>
+              <a:tabLst/>
+            </a:pPr>
+            <a:r>
+              <a:rPr kumimoji="0" lang="en-US" altLang="en-US" sz="1800" b="0" i="0" u="none" strike="noStrike" cap="none" normalizeH="0" baseline="0" dirty="0">
+                <a:ln>
+                  <a:noFill/>
+                </a:ln>
+                <a:solidFill>
+                  <a:schemeClr val="tx1"/>
+                </a:solidFill>
+                <a:effectLst/>
+                <a:latin typeface="Arial" panose="020B0604020202020204" pitchFamily="34" charset="0"/>
+              </a:rPr>
+              <a:t> its detectors or background scattering, some scattering artefacts may add noise or unrelated signals to</a:t>
+            </a:r>
+          </a:p>
+          <a:p>
+            <a:pPr marL="0" marR="0" lvl="0" indent="0" algn="l" defTabSz="914400" rtl="0" eaLnBrk="0" fontAlgn="base" latinLnBrk="0" hangingPunct="0">
+              <a:lnSpc>
+                <a:spcPct val="100000"/>
+              </a:lnSpc>
+              <a:spcBef>
+                <a:spcPct val="0"/>
+              </a:spcBef>
+              <a:spcAft>
+                <a:spcPct val="0"/>
+              </a:spcAft>
+              <a:buClrTx/>
+              <a:buSzTx/>
+              <a:buFontTx/>
+              <a:buNone/>
+              <a:tabLst/>
+            </a:pPr>
+            <a:r>
+              <a:rPr kumimoji="0" lang="en-US" altLang="en-US" sz="1800" b="0" i="0" u="none" strike="noStrike" cap="none" normalizeH="0" baseline="0" dirty="0">
+                <a:ln>
+                  <a:noFill/>
+                </a:ln>
+                <a:solidFill>
+                  <a:schemeClr val="tx1"/>
+                </a:solidFill>
+                <a:effectLst/>
+                <a:latin typeface="Arial" panose="020B0604020202020204" pitchFamily="34" charset="0"/>
+              </a:rPr>
+              <a:t>measured function. These artefacts will have spherical symmetry around the beam direction. </a:t>
+            </a:r>
+          </a:p>
+          <a:p>
+            <a:pPr marL="0" marR="0" lvl="0" indent="0" algn="l" defTabSz="914400" rtl="0" eaLnBrk="0" fontAlgn="base" latinLnBrk="0" hangingPunct="0">
+              <a:lnSpc>
+                <a:spcPct val="100000"/>
+              </a:lnSpc>
+              <a:spcBef>
+                <a:spcPct val="0"/>
+              </a:spcBef>
+              <a:spcAft>
+                <a:spcPct val="0"/>
+              </a:spcAft>
+              <a:buClrTx/>
+              <a:buSzTx/>
+              <a:buFontTx/>
+              <a:buNone/>
+              <a:tabLst/>
+            </a:pPr>
+            <a:r>
+              <a:rPr kumimoji="0" lang="en-US" altLang="en-US" sz="1800" b="0" i="0" u="none" strike="noStrike" cap="none" normalizeH="0" baseline="0" dirty="0">
+                <a:ln>
+                  <a:noFill/>
+                </a:ln>
+                <a:solidFill>
+                  <a:schemeClr val="tx1"/>
+                </a:solidFill>
+                <a:effectLst/>
+                <a:latin typeface="Arial" panose="020B0604020202020204" pitchFamily="34" charset="0"/>
+              </a:rPr>
+              <a:t>To clearly identify such artefacts one may use </a:t>
+            </a:r>
+            <a:r>
+              <a:rPr kumimoji="0" lang="en-US" altLang="en-US" sz="1800" b="1" i="0" u="none" strike="noStrike" cap="none" normalizeH="0" baseline="0" dirty="0" err="1">
+                <a:ln>
+                  <a:noFill/>
+                </a:ln>
+                <a:solidFill>
+                  <a:schemeClr val="tx1"/>
+                </a:solidFill>
+                <a:effectLst/>
+                <a:latin typeface="Arial" panose="020B0604020202020204" pitchFamily="34" charset="0"/>
+              </a:rPr>
+              <a:t>instrument_view_cut</a:t>
+            </a:r>
+            <a:endParaRPr kumimoji="0" lang="en-US" altLang="en-US" sz="1800" b="1" i="0" u="none" strike="noStrike" cap="none" normalizeH="0" baseline="0" dirty="0">
+              <a:ln>
+                <a:noFill/>
+              </a:ln>
+              <a:solidFill>
+                <a:schemeClr val="tx1"/>
+              </a:solidFill>
+              <a:effectLst/>
+              <a:latin typeface="Arial" panose="020B0604020202020204" pitchFamily="34" charset="0"/>
+            </a:endParaRPr>
+          </a:p>
+        </p:txBody>
+      </p:sp>
+      <p:pic>
+        <p:nvPicPr>
+          <p:cNvPr id="16" name="Content Placeholder 4" descr="A blue and green squares&#10;&#10;AI-generated content may be incorrect.">
+            <a:extLst>
+              <a:ext uri="{FF2B5EF4-FFF2-40B4-BE49-F238E27FC236}">
+                <a16:creationId xmlns:a16="http://schemas.microsoft.com/office/drawing/2014/main" id="{55A0A19C-EB8D-77CC-3CA7-221E61DB601D}"/>
+              </a:ext>
+            </a:extLst>
+          </p:cNvPr>
+          <p:cNvPicPr>
+            <a:picLocks noGrp="1" noChangeAspect="1"/>
+          </p:cNvPicPr>
+          <p:nvPr/>
+        </p:nvPicPr>
+        <p:blipFill>
+          <a:blip r:embed="rId3">
+            <a:extLst>
+              <a:ext uri="{28A0092B-C50C-407E-A947-70E740481C1C}">
+                <a14:useLocalDpi xmlns:a14="http://schemas.microsoft.com/office/drawing/2010/main" val="0"/>
+              </a:ext>
+            </a:extLst>
+          </a:blip>
+          <a:stretch>
+            <a:fillRect/>
+          </a:stretch>
+        </p:blipFill>
+        <p:spPr>
+          <a:xfrm>
+            <a:off x="375105" y="2294903"/>
+            <a:ext cx="5530804" cy="3989527"/>
+          </a:xfrm>
+          <a:prstGeom prst="rect">
+            <a:avLst/>
+          </a:prstGeom>
+        </p:spPr>
+      </p:pic>
+      <p:sp>
+        <p:nvSpPr>
+          <p:cNvPr id="23" name="Rectangle 22">
+            <a:extLst>
+              <a:ext uri="{FF2B5EF4-FFF2-40B4-BE49-F238E27FC236}">
+                <a16:creationId xmlns:a16="http://schemas.microsoft.com/office/drawing/2014/main" id="{F65B20A5-E9CB-B2FC-FFC0-7FE79700E99C}"/>
+              </a:ext>
+            </a:extLst>
+          </p:cNvPr>
+          <p:cNvSpPr/>
+          <p:nvPr/>
+        </p:nvSpPr>
+        <p:spPr>
+          <a:xfrm>
+            <a:off x="380906" y="5897106"/>
+            <a:ext cx="10778247" cy="776048"/>
+          </a:xfrm>
+          <a:prstGeom prst="rect">
+            <a:avLst/>
+          </a:prstGeom>
+          <a:solidFill>
+            <a:schemeClr val="bg1"/>
+          </a:solidFill>
+        </p:spPr>
+        <p:style>
+          <a:lnRef idx="2">
+            <a:schemeClr val="accent1">
+              <a:shade val="15000"/>
+            </a:schemeClr>
+          </a:lnRef>
+          <a:fillRef idx="1">
+            <a:schemeClr val="accent1"/>
+          </a:fillRef>
+          <a:effectRef idx="0">
+            <a:schemeClr val="accent1"/>
+          </a:effectRef>
+          <a:fontRef idx="minor">
+            <a:schemeClr val="lt1"/>
+          </a:fontRef>
+        </p:style>
+        <p:txBody>
+          <a:bodyPr rtlCol="0" anchor="ctr"/>
+          <a:lstStyle/>
+          <a:p>
+            <a:pPr algn="ctr"/>
+            <a:r>
+              <a:rPr lang="en-GB" u="sng" dirty="0">
+                <a:solidFill>
+                  <a:srgbClr val="0070C0"/>
+                </a:solidFill>
+              </a:rPr>
+              <a:t>https://abuts.github.io/Horace/v4.1.0/manual/Data_diagnostics.html#instrument-view-cut</a:t>
+            </a:r>
+          </a:p>
+        </p:txBody>
+      </p:sp>
+      <p:sp>
+        <p:nvSpPr>
+          <p:cNvPr id="25" name="Rectangle 24">
+            <a:extLst>
+              <a:ext uri="{FF2B5EF4-FFF2-40B4-BE49-F238E27FC236}">
+                <a16:creationId xmlns:a16="http://schemas.microsoft.com/office/drawing/2014/main" id="{194BBBC6-748A-8A9D-55B2-4C9EC383F1A3}"/>
+              </a:ext>
+            </a:extLst>
+          </p:cNvPr>
+          <p:cNvSpPr/>
+          <p:nvPr/>
+        </p:nvSpPr>
+        <p:spPr>
+          <a:xfrm>
+            <a:off x="3744205" y="5121058"/>
+            <a:ext cx="2896428" cy="776048"/>
+          </a:xfrm>
+          <a:prstGeom prst="rect">
+            <a:avLst/>
+          </a:prstGeom>
+          <a:solidFill>
+            <a:srgbClr val="F15B69"/>
+          </a:solidFill>
+        </p:spPr>
+        <p:style>
+          <a:lnRef idx="2">
+            <a:schemeClr val="accent1">
+              <a:shade val="15000"/>
+            </a:schemeClr>
+          </a:lnRef>
+          <a:fillRef idx="1">
+            <a:schemeClr val="accent1"/>
+          </a:fillRef>
+          <a:effectRef idx="0">
+            <a:schemeClr val="accent1"/>
+          </a:effectRef>
+          <a:fontRef idx="minor">
+            <a:schemeClr val="lt1"/>
+          </a:fontRef>
+        </p:style>
+        <p:txBody>
+          <a:bodyPr rtlCol="0" anchor="ctr"/>
+          <a:lstStyle/>
+          <a:p>
+            <a:pPr algn="ctr"/>
+            <a:r>
+              <a:rPr lang="en-GB" dirty="0">
+                <a:solidFill>
+                  <a:schemeClr val="tx1"/>
+                </a:solidFill>
+              </a:rPr>
+              <a:t>Full SQW object operation</a:t>
+            </a:r>
+          </a:p>
+        </p:txBody>
+      </p:sp>
+    </p:spTree>
+    <p:extLst>
+      <p:ext uri="{BB962C8B-B14F-4D97-AF65-F5344CB8AC3E}">
+        <p14:creationId xmlns:p14="http://schemas.microsoft.com/office/powerpoint/2010/main" val="2398857213"/>
+      </p:ext>
+    </p:extLst>
+  </p:cSld>
+  <p:clrMapOvr>
+    <a:masterClrMapping/>
+  </p:clrMapOvr>
+</p:sld>
+</file>
+
+<file path=ppt/slides/slide4.xml><?xml version="1.0" encoding="utf-8"?>
+<p:sld xmlns:a="http://schemas.openxmlformats.org/drawingml/2006/main" xmlns:r="http://schemas.openxmlformats.org/officeDocument/2006/relationships" xmlns:p="http://schemas.openxmlformats.org/presentationml/2006/main">
+  <p:cSld>
+    <p:spTree>
+      <p:nvGrpSpPr>
+        <p:cNvPr id="1" name="">
+          <a:extLst>
+            <a:ext uri="{FF2B5EF4-FFF2-40B4-BE49-F238E27FC236}">
+              <a16:creationId xmlns:a16="http://schemas.microsoft.com/office/drawing/2014/main" id="{58BFB0A4-F9A4-1E2D-6DAD-76CA0585C34D}"/>
+            </a:ext>
+          </a:extLst>
+        </p:cNvPr>
+        <p:cNvGrpSpPr/>
+        <p:nvPr/>
+      </p:nvGrpSpPr>
+      <p:grpSpPr>
+        <a:xfrm>
+          <a:off x="0" y="0"/>
+          <a:ext cx="0" cy="0"/>
+          <a:chOff x="0" y="0"/>
+          <a:chExt cx="0" cy="0"/>
+        </a:xfrm>
+      </p:grpSpPr>
+      <p:sp>
+        <p:nvSpPr>
+          <p:cNvPr id="3" name="Subtitle 2">
+            <a:extLst>
+              <a:ext uri="{FF2B5EF4-FFF2-40B4-BE49-F238E27FC236}">
+                <a16:creationId xmlns:a16="http://schemas.microsoft.com/office/drawing/2014/main" id="{E464A574-DBC2-9A3A-48C0-5F2F90F287E3}"/>
+              </a:ext>
+            </a:extLst>
+          </p:cNvPr>
+          <p:cNvSpPr>
+            <a:spLocks noGrp="1"/>
+          </p:cNvSpPr>
+          <p:nvPr>
+            <p:ph type="subTitle" idx="1"/>
+          </p:nvPr>
+        </p:nvSpPr>
+        <p:spPr>
+          <a:xfrm>
+            <a:off x="624874" y="119847"/>
+            <a:ext cx="10290313" cy="757927"/>
+          </a:xfrm>
+        </p:spPr>
+        <p:txBody>
+          <a:bodyPr>
+            <a:noAutofit/>
+          </a:bodyPr>
+          <a:lstStyle/>
+          <a:p>
+            <a:r>
+              <a:rPr lang="en-GB" sz="2800" dirty="0"/>
+              <a:t>Horace 4 issues from user experience and Horace 4.1 highlights</a:t>
+            </a:r>
+          </a:p>
+        </p:txBody>
+      </p:sp>
+      <p:sp>
+        <p:nvSpPr>
+          <p:cNvPr id="4" name="Subtitle 2">
+            <a:extLst>
+              <a:ext uri="{FF2B5EF4-FFF2-40B4-BE49-F238E27FC236}">
+                <a16:creationId xmlns:a16="http://schemas.microsoft.com/office/drawing/2014/main" id="{CCDA12CA-289F-CF94-0059-346AFE6207E0}"/>
+              </a:ext>
+            </a:extLst>
+          </p:cNvPr>
+          <p:cNvSpPr txBox="1">
+            <a:spLocks/>
+          </p:cNvSpPr>
+          <p:nvPr/>
+        </p:nvSpPr>
+        <p:spPr>
+          <a:xfrm>
+            <a:off x="490329" y="759324"/>
+            <a:ext cx="11427868" cy="516835"/>
+          </a:xfrm>
+          <a:prstGeom prst="rect">
+            <a:avLst/>
+          </a:prstGeom>
+        </p:spPr>
+        <p:txBody>
+          <a:bodyPr vert="horz" lIns="91440" tIns="45720" rIns="91440" bIns="45720" rtlCol="0">
+            <a:noAutofit/>
+          </a:bodyPr>
+          <a:lstStyle>
+            <a:lvl1pPr marL="0" indent="0" algn="ctr" defTabSz="914400" rtl="0" eaLnBrk="1" latinLnBrk="0" hangingPunct="1">
+              <a:lnSpc>
+                <a:spcPct val="90000"/>
+              </a:lnSpc>
+              <a:spcBef>
+                <a:spcPts val="1000"/>
+              </a:spcBef>
+              <a:buFont typeface="Arial" panose="020B0604020202020204" pitchFamily="34" charset="0"/>
+              <a:buNone/>
+              <a:defRPr sz="2400" kern="1200">
+                <a:solidFill>
+                  <a:schemeClr val="tx1"/>
+                </a:solidFill>
+                <a:latin typeface="+mn-lt"/>
+                <a:ea typeface="+mn-ea"/>
+                <a:cs typeface="+mn-cs"/>
+              </a:defRPr>
+            </a:lvl1pPr>
+            <a:lvl2pPr marL="457200" indent="0" algn="ctr" defTabSz="914400" rtl="0" eaLnBrk="1" latinLnBrk="0" hangingPunct="1">
+              <a:lnSpc>
+                <a:spcPct val="90000"/>
+              </a:lnSpc>
+              <a:spcBef>
+                <a:spcPts val="500"/>
+              </a:spcBef>
+              <a:buFont typeface="Arial" panose="020B0604020202020204" pitchFamily="34" charset="0"/>
+              <a:buNone/>
+              <a:defRPr sz="2000" kern="1200">
+                <a:solidFill>
+                  <a:schemeClr val="tx1"/>
+                </a:solidFill>
+                <a:latin typeface="+mn-lt"/>
+                <a:ea typeface="+mn-ea"/>
+                <a:cs typeface="+mn-cs"/>
+              </a:defRPr>
+            </a:lvl2pPr>
+            <a:lvl3pPr marL="914400" indent="0" algn="ctr" defTabSz="914400" rtl="0" eaLnBrk="1" latinLnBrk="0" hangingPunct="1">
+              <a:lnSpc>
+                <a:spcPct val="90000"/>
+              </a:lnSpc>
+              <a:spcBef>
+                <a:spcPts val="500"/>
+              </a:spcBef>
+              <a:buFont typeface="Arial" panose="020B0604020202020204" pitchFamily="34" charset="0"/>
+              <a:buNone/>
+              <a:defRPr sz="1800" kern="1200">
+                <a:solidFill>
+                  <a:schemeClr val="tx1"/>
+                </a:solidFill>
+                <a:latin typeface="+mn-lt"/>
+                <a:ea typeface="+mn-ea"/>
+                <a:cs typeface="+mn-cs"/>
+              </a:defRPr>
+            </a:lvl3pPr>
+            <a:lvl4pPr marL="1371600" indent="0" algn="ctr" defTabSz="914400" rtl="0" eaLnBrk="1" latinLnBrk="0" hangingPunct="1">
+              <a:lnSpc>
+                <a:spcPct val="90000"/>
+              </a:lnSpc>
+              <a:spcBef>
+                <a:spcPts val="500"/>
+              </a:spcBef>
+              <a:buFont typeface="Arial" panose="020B0604020202020204" pitchFamily="34" charset="0"/>
+              <a:buNone/>
+              <a:defRPr sz="1600" kern="1200">
+                <a:solidFill>
+                  <a:schemeClr val="tx1"/>
+                </a:solidFill>
+                <a:latin typeface="+mn-lt"/>
+                <a:ea typeface="+mn-ea"/>
+                <a:cs typeface="+mn-cs"/>
+              </a:defRPr>
+            </a:lvl4pPr>
+            <a:lvl5pPr marL="1828800" indent="0" algn="ctr" defTabSz="914400" rtl="0" eaLnBrk="1" latinLnBrk="0" hangingPunct="1">
+              <a:lnSpc>
+                <a:spcPct val="90000"/>
+              </a:lnSpc>
+              <a:spcBef>
+                <a:spcPts val="500"/>
+              </a:spcBef>
+              <a:buFont typeface="Arial" panose="020B0604020202020204" pitchFamily="34" charset="0"/>
+              <a:buNone/>
+              <a:defRPr sz="1600" kern="1200">
+                <a:solidFill>
+                  <a:schemeClr val="tx1"/>
+                </a:solidFill>
+                <a:latin typeface="+mn-lt"/>
+                <a:ea typeface="+mn-ea"/>
+                <a:cs typeface="+mn-cs"/>
+              </a:defRPr>
+            </a:lvl5pPr>
+            <a:lvl6pPr marL="2286000" indent="0" algn="ctr" defTabSz="914400" rtl="0" eaLnBrk="1" latinLnBrk="0" hangingPunct="1">
+              <a:lnSpc>
+                <a:spcPct val="90000"/>
+              </a:lnSpc>
+              <a:spcBef>
+                <a:spcPts val="500"/>
+              </a:spcBef>
+              <a:buFont typeface="Arial" panose="020B0604020202020204" pitchFamily="34" charset="0"/>
+              <a:buNone/>
+              <a:defRPr sz="1600" kern="1200">
+                <a:solidFill>
+                  <a:schemeClr val="tx1"/>
+                </a:solidFill>
+                <a:latin typeface="+mn-lt"/>
+                <a:ea typeface="+mn-ea"/>
+                <a:cs typeface="+mn-cs"/>
+              </a:defRPr>
+            </a:lvl6pPr>
+            <a:lvl7pPr marL="2743200" indent="0" algn="ctr" defTabSz="914400" rtl="0" eaLnBrk="1" latinLnBrk="0" hangingPunct="1">
+              <a:lnSpc>
+                <a:spcPct val="90000"/>
+              </a:lnSpc>
+              <a:spcBef>
+                <a:spcPts val="500"/>
+              </a:spcBef>
+              <a:buFont typeface="Arial" panose="020B0604020202020204" pitchFamily="34" charset="0"/>
+              <a:buNone/>
+              <a:defRPr sz="1600" kern="1200">
+                <a:solidFill>
+                  <a:schemeClr val="tx1"/>
+                </a:solidFill>
+                <a:latin typeface="+mn-lt"/>
+                <a:ea typeface="+mn-ea"/>
+                <a:cs typeface="+mn-cs"/>
+              </a:defRPr>
+            </a:lvl7pPr>
+            <a:lvl8pPr marL="3200400" indent="0" algn="ctr" defTabSz="914400" rtl="0" eaLnBrk="1" latinLnBrk="0" hangingPunct="1">
+              <a:lnSpc>
+                <a:spcPct val="90000"/>
+              </a:lnSpc>
+              <a:spcBef>
+                <a:spcPts val="500"/>
+              </a:spcBef>
+              <a:buFont typeface="Arial" panose="020B0604020202020204" pitchFamily="34" charset="0"/>
+              <a:buNone/>
+              <a:defRPr sz="1600" kern="1200">
+                <a:solidFill>
+                  <a:schemeClr val="tx1"/>
+                </a:solidFill>
+                <a:latin typeface="+mn-lt"/>
+                <a:ea typeface="+mn-ea"/>
+                <a:cs typeface="+mn-cs"/>
+              </a:defRPr>
+            </a:lvl8pPr>
+            <a:lvl9pPr marL="3657600" indent="0" algn="ctr" defTabSz="914400" rtl="0" eaLnBrk="1" latinLnBrk="0" hangingPunct="1">
+              <a:lnSpc>
+                <a:spcPct val="90000"/>
+              </a:lnSpc>
+              <a:spcBef>
+                <a:spcPts val="500"/>
+              </a:spcBef>
+              <a:buFont typeface="Arial" panose="020B0604020202020204" pitchFamily="34" charset="0"/>
+              <a:buNone/>
+              <a:defRPr sz="1600" kern="1200">
+                <a:solidFill>
+                  <a:schemeClr val="tx1"/>
+                </a:solidFill>
+                <a:latin typeface="+mn-lt"/>
+                <a:ea typeface="+mn-ea"/>
+                <a:cs typeface="+mn-cs"/>
+              </a:defRPr>
+            </a:lvl9pPr>
+          </a:lstStyle>
+          <a:p>
+            <a:pPr algn="l"/>
+            <a:r>
+              <a:rPr lang="en-GB" sz="2800" b="1" dirty="0"/>
+              <a:t>Horace Instrument view cut – Mantid instrument view with difference</a:t>
+            </a:r>
+          </a:p>
+          <a:p>
+            <a:pPr algn="l"/>
+            <a:endParaRPr lang="en-GB" sz="2800" dirty="0">
+              <a:solidFill>
+                <a:srgbClr val="0070C0"/>
+              </a:solidFill>
+            </a:endParaRPr>
+          </a:p>
+        </p:txBody>
+      </p:sp>
+      <p:sp>
+        <p:nvSpPr>
+          <p:cNvPr id="2" name="Rectangle 1">
+            <a:extLst>
+              <a:ext uri="{FF2B5EF4-FFF2-40B4-BE49-F238E27FC236}">
+                <a16:creationId xmlns:a16="http://schemas.microsoft.com/office/drawing/2014/main" id="{924F7C9F-6C85-6193-1CD2-2ED7D00099DC}"/>
+              </a:ext>
+            </a:extLst>
+          </p:cNvPr>
+          <p:cNvSpPr>
+            <a:spLocks noChangeArrowheads="1"/>
+          </p:cNvSpPr>
+          <p:nvPr/>
+        </p:nvSpPr>
+        <p:spPr bwMode="auto">
+          <a:xfrm>
+            <a:off x="549964" y="1517251"/>
+            <a:ext cx="11308597" cy="646331"/>
+          </a:xfrm>
+          <a:prstGeom prst="rect">
+            <a:avLst/>
+          </a:prstGeom>
+          <a:noFill/>
+          <a:ln>
+            <a:noFill/>
+          </a:ln>
+          <a:effectLst/>
+          <a:extLst>
+            <a:ext uri="{909E8E84-426E-40DD-AFC4-6F175D3DCCD1}">
+              <a14:hiddenFill xmlns:a14="http://schemas.microsoft.com/office/drawing/2010/main">
+                <a:solidFill>
+                  <a:schemeClr val="accent1"/>
+                </a:solidFill>
+              </a14:hiddenFill>
+            </a:ext>
+            <a:ext uri="{91240B29-F687-4F45-9708-019B960494DF}">
+              <a14:hiddenLine xmlns:a14="http://schemas.microsoft.com/office/drawing/2010/main" w="9525">
+                <a:solidFill>
+                  <a:schemeClr val="tx1"/>
+                </a:solidFill>
+                <a:miter lim="800000"/>
+                <a:headEnd/>
+                <a:tailEnd/>
+              </a14:hiddenLine>
+            </a:ext>
+            <a:ext uri="{AF507438-7753-43E0-B8FC-AC1667EBCBE1}">
+              <a14:hiddenEffects xmlns:a14="http://schemas.microsoft.com/office/drawing/2010/main">
+                <a:effectLst>
+                  <a:outerShdw dist="35921" dir="2700000" algn="ctr" rotWithShape="0">
+                    <a:schemeClr val="bg2"/>
+                  </a:outerShdw>
+                </a:effectLst>
+              </a14:hiddenEffects>
+            </a:ext>
+          </a:extLst>
+        </p:spPr>
+        <p:txBody>
+          <a:bodyPr vert="horz" wrap="square" lIns="91440" tIns="45720" rIns="91440" bIns="45720" numCol="1" anchor="ctr" anchorCtr="0" compatLnSpc="1">
+            <a:prstTxWarp prst="textNoShape">
+              <a:avLst/>
+            </a:prstTxWarp>
+            <a:spAutoFit/>
+          </a:bodyPr>
+          <a:lstStyle>
+            <a:lvl1pPr eaLnBrk="0" fontAlgn="base" hangingPunct="0">
+              <a:spcBef>
+                <a:spcPct val="30000"/>
+              </a:spcBef>
+              <a:spcAft>
+                <a:spcPct val="0"/>
+              </a:spcAft>
+              <a:defRPr sz="1200">
+                <a:solidFill>
+                  <a:schemeClr val="tx1"/>
+                </a:solidFill>
+                <a:latin typeface="Arial" panose="020B0604020202020204" pitchFamily="34" charset="0"/>
+              </a:defRPr>
+            </a:lvl1pPr>
+            <a:lvl2pPr eaLnBrk="0" fontAlgn="base" hangingPunct="0">
+              <a:spcBef>
+                <a:spcPct val="30000"/>
+              </a:spcBef>
+              <a:spcAft>
+                <a:spcPct val="0"/>
+              </a:spcAft>
+              <a:defRPr sz="1200">
+                <a:solidFill>
+                  <a:schemeClr val="tx1"/>
+                </a:solidFill>
+                <a:latin typeface="Arial" panose="020B0604020202020204" pitchFamily="34" charset="0"/>
+              </a:defRPr>
+            </a:lvl2pPr>
+            <a:lvl3pPr eaLnBrk="0" fontAlgn="base" hangingPunct="0">
+              <a:spcBef>
+                <a:spcPct val="30000"/>
+              </a:spcBef>
+              <a:spcAft>
+                <a:spcPct val="0"/>
+              </a:spcAft>
+              <a:defRPr sz="1200">
+                <a:solidFill>
+                  <a:schemeClr val="tx1"/>
+                </a:solidFill>
+                <a:latin typeface="Arial" panose="020B0604020202020204" pitchFamily="34" charset="0"/>
+              </a:defRPr>
+            </a:lvl3pPr>
+            <a:lvl4pPr eaLnBrk="0" fontAlgn="base" hangingPunct="0">
+              <a:spcBef>
+                <a:spcPct val="30000"/>
+              </a:spcBef>
+              <a:spcAft>
+                <a:spcPct val="0"/>
+              </a:spcAft>
+              <a:defRPr sz="1200">
+                <a:solidFill>
+                  <a:schemeClr val="tx1"/>
+                </a:solidFill>
+                <a:latin typeface="Arial" panose="020B0604020202020204" pitchFamily="34" charset="0"/>
+              </a:defRPr>
+            </a:lvl4pPr>
+            <a:lvl5pPr eaLnBrk="0" fontAlgn="base" hangingPunct="0">
+              <a:spcBef>
+                <a:spcPct val="30000"/>
+              </a:spcBef>
+              <a:spcAft>
+                <a:spcPct val="0"/>
+              </a:spcAft>
+              <a:defRPr sz="1200">
+                <a:solidFill>
+                  <a:schemeClr val="tx1"/>
+                </a:solidFill>
+                <a:latin typeface="Arial" panose="020B0604020202020204" pitchFamily="34" charset="0"/>
+              </a:defRPr>
+            </a:lvl5pPr>
+            <a:lvl6pPr eaLnBrk="0" fontAlgn="base" hangingPunct="0">
+              <a:spcBef>
+                <a:spcPct val="30000"/>
+              </a:spcBef>
+              <a:spcAft>
+                <a:spcPct val="0"/>
+              </a:spcAft>
+              <a:defRPr sz="1200">
+                <a:solidFill>
+                  <a:schemeClr val="tx1"/>
+                </a:solidFill>
+                <a:latin typeface="Arial" panose="020B0604020202020204" pitchFamily="34" charset="0"/>
+              </a:defRPr>
+            </a:lvl6pPr>
+            <a:lvl7pPr eaLnBrk="0" fontAlgn="base" hangingPunct="0">
+              <a:spcBef>
+                <a:spcPct val="30000"/>
+              </a:spcBef>
+              <a:spcAft>
+                <a:spcPct val="0"/>
+              </a:spcAft>
+              <a:defRPr sz="1200">
+                <a:solidFill>
+                  <a:schemeClr val="tx1"/>
+                </a:solidFill>
+                <a:latin typeface="Arial" panose="020B0604020202020204" pitchFamily="34" charset="0"/>
+              </a:defRPr>
+            </a:lvl7pPr>
+            <a:lvl8pPr eaLnBrk="0" fontAlgn="base" hangingPunct="0">
+              <a:spcBef>
+                <a:spcPct val="30000"/>
+              </a:spcBef>
+              <a:spcAft>
+                <a:spcPct val="0"/>
+              </a:spcAft>
+              <a:defRPr sz="1200">
+                <a:solidFill>
+                  <a:schemeClr val="tx1"/>
+                </a:solidFill>
+                <a:latin typeface="Arial" panose="020B0604020202020204" pitchFamily="34" charset="0"/>
+              </a:defRPr>
+            </a:lvl8pPr>
+            <a:lvl9pPr eaLnBrk="0" fontAlgn="base" hangingPunct="0">
+              <a:spcBef>
+                <a:spcPct val="30000"/>
+              </a:spcBef>
+              <a:spcAft>
+                <a:spcPct val="0"/>
+              </a:spcAft>
+              <a:defRPr sz="1200">
+                <a:solidFill>
+                  <a:schemeClr val="tx1"/>
+                </a:solidFill>
+                <a:latin typeface="Arial" panose="020B0604020202020204" pitchFamily="34" charset="0"/>
+              </a:defRPr>
+            </a:lvl9pPr>
+          </a:lstStyle>
+          <a:p>
+            <a:pPr marL="0" marR="0" lvl="0" indent="0" algn="l" defTabSz="914400" rtl="0" eaLnBrk="0" fontAlgn="base" latinLnBrk="0" hangingPunct="0">
+              <a:lnSpc>
+                <a:spcPct val="100000"/>
+              </a:lnSpc>
+              <a:spcBef>
+                <a:spcPct val="30000"/>
+              </a:spcBef>
+              <a:spcAft>
+                <a:spcPct val="0"/>
+              </a:spcAft>
+              <a:buClrTx/>
+              <a:buSzTx/>
+              <a:buFontTx/>
+              <a:buNone/>
+              <a:tabLst/>
+            </a:pPr>
+            <a:r>
+              <a:rPr kumimoji="0" lang="en-US" altLang="en-US" sz="1800" b="0" i="0" u="none" strike="noStrike" cap="none" normalizeH="0" baseline="0" dirty="0" err="1">
+                <a:ln>
+                  <a:noFill/>
+                </a:ln>
+                <a:solidFill>
+                  <a:schemeClr val="tx1"/>
+                </a:solidFill>
+                <a:effectLst/>
+                <a:latin typeface="Courier New" panose="02070309020205020404" pitchFamily="49" charset="0"/>
+                <a:cs typeface="Courier New" panose="02070309020205020404" pitchFamily="49" charset="0"/>
+              </a:rPr>
+              <a:t>wout</a:t>
+            </a:r>
+            <a:r>
+              <a:rPr kumimoji="0" lang="en-US" altLang="en-US" sz="1800" b="0" i="0" u="none" strike="noStrike" cap="none" normalizeH="0" baseline="0" dirty="0">
+                <a:ln>
+                  <a:noFill/>
+                </a:ln>
+                <a:solidFill>
+                  <a:schemeClr val="tx1"/>
+                </a:solidFill>
+                <a:effectLst/>
+                <a:latin typeface="Courier New" panose="02070309020205020404" pitchFamily="49" charset="0"/>
+                <a:cs typeface="Courier New" panose="02070309020205020404" pitchFamily="49" charset="0"/>
+              </a:rPr>
+              <a:t> = </a:t>
+            </a:r>
+            <a:r>
+              <a:rPr kumimoji="0" lang="en-US" altLang="en-US" sz="1800" b="0" i="0" u="none" strike="noStrike" cap="none" normalizeH="0" baseline="0" dirty="0" err="1">
+                <a:ln>
+                  <a:noFill/>
+                </a:ln>
+                <a:solidFill>
+                  <a:schemeClr val="accent3">
+                    <a:lumMod val="75000"/>
+                  </a:schemeClr>
+                </a:solidFill>
+                <a:effectLst/>
+                <a:latin typeface="Courier New" panose="02070309020205020404" pitchFamily="49" charset="0"/>
+                <a:cs typeface="Courier New" panose="02070309020205020404" pitchFamily="49" charset="0"/>
+              </a:rPr>
+              <a:t>instrument_view_cut</a:t>
+            </a:r>
+            <a:r>
+              <a:rPr kumimoji="0" lang="en-US" altLang="en-US" sz="1800" b="0" i="0" u="none" strike="noStrike" cap="none" normalizeH="0" baseline="0" dirty="0">
+                <a:ln>
+                  <a:noFill/>
+                </a:ln>
+                <a:solidFill>
+                  <a:schemeClr val="tx1"/>
+                </a:solidFill>
+                <a:effectLst/>
+                <a:latin typeface="Courier New" panose="02070309020205020404" pitchFamily="49" charset="0"/>
+                <a:cs typeface="Courier New" panose="02070309020205020404" pitchFamily="49" charset="0"/>
+              </a:rPr>
+              <a:t>(</a:t>
+            </a:r>
+            <a:r>
+              <a:rPr kumimoji="0" lang="en-US" altLang="en-US" sz="1800" b="0" i="0" u="none" strike="noStrike" cap="none" normalizeH="0" baseline="0" dirty="0" err="1">
+                <a:ln>
+                  <a:noFill/>
+                </a:ln>
+                <a:solidFill>
+                  <a:schemeClr val="tx1"/>
+                </a:solidFill>
+                <a:effectLst/>
+                <a:latin typeface="Courier New" panose="02070309020205020404" pitchFamily="49" charset="0"/>
+                <a:cs typeface="Courier New" panose="02070309020205020404" pitchFamily="49" charset="0"/>
+              </a:rPr>
+              <a:t>sqw_source</a:t>
+            </a:r>
+            <a:r>
+              <a:rPr kumimoji="0" lang="en-US" altLang="en-US" sz="1800" b="0" i="0" u="none" strike="noStrike" cap="none" normalizeH="0" baseline="0" dirty="0">
+                <a:ln>
+                  <a:noFill/>
+                </a:ln>
+                <a:solidFill>
+                  <a:schemeClr val="tx1"/>
+                </a:solidFill>
+                <a:effectLst/>
+                <a:latin typeface="Courier New" panose="02070309020205020404" pitchFamily="49" charset="0"/>
+                <a:cs typeface="Courier New" panose="02070309020205020404" pitchFamily="49" charset="0"/>
+              </a:rPr>
+              <a:t>,[0,theta_step,theta_max],[</a:t>
+            </a:r>
+            <a:r>
+              <a:rPr kumimoji="0" lang="en-US" altLang="en-US" sz="1800" b="0" i="0" u="none" strike="noStrike" cap="none" normalizeH="0" baseline="0" dirty="0" err="1">
+                <a:ln>
+                  <a:noFill/>
+                </a:ln>
+                <a:solidFill>
+                  <a:schemeClr val="tx1"/>
+                </a:solidFill>
+                <a:effectLst/>
+                <a:latin typeface="Courier New" panose="02070309020205020404" pitchFamily="49" charset="0"/>
+                <a:cs typeface="Courier New" panose="02070309020205020404" pitchFamily="49" charset="0"/>
+              </a:rPr>
+              <a:t>En_min,En_step,En_max</a:t>
+            </a:r>
+            <a:r>
+              <a:rPr kumimoji="0" lang="en-US" altLang="en-US" sz="1800" b="0" i="0" u="none" strike="noStrike" cap="none" normalizeH="0" baseline="0" dirty="0">
+                <a:ln>
+                  <a:noFill/>
+                </a:ln>
+                <a:solidFill>
+                  <a:schemeClr val="tx1"/>
+                </a:solidFill>
+                <a:effectLst/>
+                <a:latin typeface="Courier New" panose="02070309020205020404" pitchFamily="49" charset="0"/>
+                <a:cs typeface="Courier New" panose="02070309020205020404" pitchFamily="49" charset="0"/>
+              </a:rPr>
+              <a:t>]); </a:t>
+            </a:r>
+          </a:p>
+        </p:txBody>
+      </p:sp>
+      <p:pic>
+        <p:nvPicPr>
+          <p:cNvPr id="7" name="Picture 6" descr="A close-up of a graph">
+            <a:extLst>
+              <a:ext uri="{FF2B5EF4-FFF2-40B4-BE49-F238E27FC236}">
+                <a16:creationId xmlns:a16="http://schemas.microsoft.com/office/drawing/2014/main" id="{AC6466B4-B81C-4C96-D725-0714364D5B16}"/>
+              </a:ext>
+            </a:extLst>
+          </p:cNvPr>
+          <p:cNvPicPr>
+            <a:picLocks noChangeAspect="1"/>
+          </p:cNvPicPr>
+          <p:nvPr/>
+        </p:nvPicPr>
+        <p:blipFill>
+          <a:blip r:embed="rId2">
+            <a:extLst>
+              <a:ext uri="{28A0092B-C50C-407E-A947-70E740481C1C}">
+                <a14:useLocalDpi xmlns:a14="http://schemas.microsoft.com/office/drawing/2010/main" val="0"/>
+              </a:ext>
+            </a:extLst>
+          </a:blip>
+          <a:stretch>
+            <a:fillRect/>
+          </a:stretch>
+        </p:blipFill>
+        <p:spPr>
+          <a:xfrm>
+            <a:off x="708821" y="2326468"/>
+            <a:ext cx="10990881" cy="4411685"/>
+          </a:xfrm>
+          <a:prstGeom prst="rect">
+            <a:avLst/>
+          </a:prstGeom>
+        </p:spPr>
+      </p:pic>
+    </p:spTree>
+    <p:extLst>
+      <p:ext uri="{BB962C8B-B14F-4D97-AF65-F5344CB8AC3E}">
+        <p14:creationId xmlns:p14="http://schemas.microsoft.com/office/powerpoint/2010/main" val="1587325310"/>
+      </p:ext>
+    </p:extLst>
+  </p:cSld>
+  <p:clrMapOvr>
+    <a:masterClrMapping/>
+  </p:clrMapOvr>
+</p:sld>
+</file>
+
+<file path=ppt/slides/slide5.xml><?xml version="1.0" encoding="utf-8"?>
+<p:sld xmlns:a="http://schemas.openxmlformats.org/drawingml/2006/main" xmlns:r="http://schemas.openxmlformats.org/officeDocument/2006/relationships" xmlns:p="http://schemas.openxmlformats.org/presentationml/2006/main">
+  <p:cSld>
+    <p:spTree>
+      <p:nvGrpSpPr>
+        <p:cNvPr id="1" name="">
+          <a:extLst>
+            <a:ext uri="{FF2B5EF4-FFF2-40B4-BE49-F238E27FC236}">
+              <a16:creationId xmlns:a16="http://schemas.microsoft.com/office/drawing/2014/main" id="{D00346FD-1B7D-2365-A34A-4595ECB2610A}"/>
+            </a:ext>
+          </a:extLst>
+        </p:cNvPr>
+        <p:cNvGrpSpPr/>
+        <p:nvPr/>
+      </p:nvGrpSpPr>
+      <p:grpSpPr>
+        <a:xfrm>
+          <a:off x="0" y="0"/>
+          <a:ext cx="0" cy="0"/>
+          <a:chOff x="0" y="0"/>
+          <a:chExt cx="0" cy="0"/>
+        </a:xfrm>
+      </p:grpSpPr>
+      <p:sp>
+        <p:nvSpPr>
+          <p:cNvPr id="3" name="Subtitle 2">
+            <a:extLst>
+              <a:ext uri="{FF2B5EF4-FFF2-40B4-BE49-F238E27FC236}">
+                <a16:creationId xmlns:a16="http://schemas.microsoft.com/office/drawing/2014/main" id="{2CAFFEFD-75E6-C67C-DCAD-8412FBDF9DB0}"/>
+              </a:ext>
+            </a:extLst>
+          </p:cNvPr>
+          <p:cNvSpPr>
+            <a:spLocks noGrp="1"/>
+          </p:cNvSpPr>
+          <p:nvPr>
+            <p:ph type="subTitle" idx="1"/>
+          </p:nvPr>
+        </p:nvSpPr>
+        <p:spPr>
+          <a:xfrm>
+            <a:off x="624874" y="119847"/>
+            <a:ext cx="10290313" cy="757927"/>
+          </a:xfrm>
+        </p:spPr>
+        <p:txBody>
+          <a:bodyPr>
+            <a:noAutofit/>
+          </a:bodyPr>
+          <a:lstStyle/>
+          <a:p>
+            <a:r>
+              <a:rPr lang="en-GB" sz="2800" dirty="0"/>
+              <a:t>Horace 4 issues from user experience and Horace 4.1 highlights</a:t>
+            </a:r>
+          </a:p>
+        </p:txBody>
+      </p:sp>
+      <p:sp>
+        <p:nvSpPr>
+          <p:cNvPr id="4" name="Subtitle 2">
+            <a:extLst>
+              <a:ext uri="{FF2B5EF4-FFF2-40B4-BE49-F238E27FC236}">
+                <a16:creationId xmlns:a16="http://schemas.microsoft.com/office/drawing/2014/main" id="{BE097F33-8571-7C21-BED0-0507CC977DC6}"/>
+              </a:ext>
+            </a:extLst>
+          </p:cNvPr>
+          <p:cNvSpPr txBox="1">
+            <a:spLocks/>
+          </p:cNvSpPr>
+          <p:nvPr/>
+        </p:nvSpPr>
+        <p:spPr>
+          <a:xfrm>
+            <a:off x="490329" y="759324"/>
+            <a:ext cx="11427868" cy="516835"/>
+          </a:xfrm>
+          <a:prstGeom prst="rect">
+            <a:avLst/>
+          </a:prstGeom>
+        </p:spPr>
+        <p:txBody>
+          <a:bodyPr vert="horz" lIns="91440" tIns="45720" rIns="91440" bIns="45720" rtlCol="0">
+            <a:noAutofit/>
+          </a:bodyPr>
+          <a:lstStyle>
+            <a:lvl1pPr marL="0" indent="0" algn="ctr" defTabSz="914400" rtl="0" eaLnBrk="1" latinLnBrk="0" hangingPunct="1">
+              <a:lnSpc>
+                <a:spcPct val="90000"/>
+              </a:lnSpc>
+              <a:spcBef>
+                <a:spcPts val="1000"/>
+              </a:spcBef>
+              <a:buFont typeface="Arial" panose="020B0604020202020204" pitchFamily="34" charset="0"/>
+              <a:buNone/>
+              <a:defRPr sz="2400" kern="1200">
+                <a:solidFill>
+                  <a:schemeClr val="tx1"/>
+                </a:solidFill>
+                <a:latin typeface="+mn-lt"/>
+                <a:ea typeface="+mn-ea"/>
+                <a:cs typeface="+mn-cs"/>
+              </a:defRPr>
+            </a:lvl1pPr>
+            <a:lvl2pPr marL="457200" indent="0" algn="ctr" defTabSz="914400" rtl="0" eaLnBrk="1" latinLnBrk="0" hangingPunct="1">
+              <a:lnSpc>
+                <a:spcPct val="90000"/>
+              </a:lnSpc>
+              <a:spcBef>
+                <a:spcPts val="500"/>
+              </a:spcBef>
+              <a:buFont typeface="Arial" panose="020B0604020202020204" pitchFamily="34" charset="0"/>
+              <a:buNone/>
+              <a:defRPr sz="2000" kern="1200">
+                <a:solidFill>
+                  <a:schemeClr val="tx1"/>
+                </a:solidFill>
+                <a:latin typeface="+mn-lt"/>
+                <a:ea typeface="+mn-ea"/>
+                <a:cs typeface="+mn-cs"/>
+              </a:defRPr>
+            </a:lvl2pPr>
+            <a:lvl3pPr marL="914400" indent="0" algn="ctr" defTabSz="914400" rtl="0" eaLnBrk="1" latinLnBrk="0" hangingPunct="1">
+              <a:lnSpc>
+                <a:spcPct val="90000"/>
+              </a:lnSpc>
+              <a:spcBef>
+                <a:spcPts val="500"/>
+              </a:spcBef>
+              <a:buFont typeface="Arial" panose="020B0604020202020204" pitchFamily="34" charset="0"/>
+              <a:buNone/>
+              <a:defRPr sz="1800" kern="1200">
+                <a:solidFill>
+                  <a:schemeClr val="tx1"/>
+                </a:solidFill>
+                <a:latin typeface="+mn-lt"/>
+                <a:ea typeface="+mn-ea"/>
+                <a:cs typeface="+mn-cs"/>
+              </a:defRPr>
+            </a:lvl3pPr>
+            <a:lvl4pPr marL="1371600" indent="0" algn="ctr" defTabSz="914400" rtl="0" eaLnBrk="1" latinLnBrk="0" hangingPunct="1">
+              <a:lnSpc>
+                <a:spcPct val="90000"/>
+              </a:lnSpc>
+              <a:spcBef>
+                <a:spcPts val="500"/>
+              </a:spcBef>
+              <a:buFont typeface="Arial" panose="020B0604020202020204" pitchFamily="34" charset="0"/>
+              <a:buNone/>
+              <a:defRPr sz="1600" kern="1200">
+                <a:solidFill>
+                  <a:schemeClr val="tx1"/>
+                </a:solidFill>
+                <a:latin typeface="+mn-lt"/>
+                <a:ea typeface="+mn-ea"/>
+                <a:cs typeface="+mn-cs"/>
+              </a:defRPr>
+            </a:lvl4pPr>
+            <a:lvl5pPr marL="1828800" indent="0" algn="ctr" defTabSz="914400" rtl="0" eaLnBrk="1" latinLnBrk="0" hangingPunct="1">
+              <a:lnSpc>
+                <a:spcPct val="90000"/>
+              </a:lnSpc>
+              <a:spcBef>
+                <a:spcPts val="500"/>
+              </a:spcBef>
+              <a:buFont typeface="Arial" panose="020B0604020202020204" pitchFamily="34" charset="0"/>
+              <a:buNone/>
+              <a:defRPr sz="1600" kern="1200">
+                <a:solidFill>
+                  <a:schemeClr val="tx1"/>
+                </a:solidFill>
+                <a:latin typeface="+mn-lt"/>
+                <a:ea typeface="+mn-ea"/>
+                <a:cs typeface="+mn-cs"/>
+              </a:defRPr>
+            </a:lvl5pPr>
+            <a:lvl6pPr marL="2286000" indent="0" algn="ctr" defTabSz="914400" rtl="0" eaLnBrk="1" latinLnBrk="0" hangingPunct="1">
+              <a:lnSpc>
+                <a:spcPct val="90000"/>
+              </a:lnSpc>
+              <a:spcBef>
+                <a:spcPts val="500"/>
+              </a:spcBef>
+              <a:buFont typeface="Arial" panose="020B0604020202020204" pitchFamily="34" charset="0"/>
+              <a:buNone/>
+              <a:defRPr sz="1600" kern="1200">
+                <a:solidFill>
+                  <a:schemeClr val="tx1"/>
+                </a:solidFill>
+                <a:latin typeface="+mn-lt"/>
+                <a:ea typeface="+mn-ea"/>
+                <a:cs typeface="+mn-cs"/>
+              </a:defRPr>
+            </a:lvl6pPr>
+            <a:lvl7pPr marL="2743200" indent="0" algn="ctr" defTabSz="914400" rtl="0" eaLnBrk="1" latinLnBrk="0" hangingPunct="1">
+              <a:lnSpc>
+                <a:spcPct val="90000"/>
+              </a:lnSpc>
+              <a:spcBef>
+                <a:spcPts val="500"/>
+              </a:spcBef>
+              <a:buFont typeface="Arial" panose="020B0604020202020204" pitchFamily="34" charset="0"/>
+              <a:buNone/>
+              <a:defRPr sz="1600" kern="1200">
+                <a:solidFill>
+                  <a:schemeClr val="tx1"/>
+                </a:solidFill>
+                <a:latin typeface="+mn-lt"/>
+                <a:ea typeface="+mn-ea"/>
+                <a:cs typeface="+mn-cs"/>
+              </a:defRPr>
+            </a:lvl7pPr>
+            <a:lvl8pPr marL="3200400" indent="0" algn="ctr" defTabSz="914400" rtl="0" eaLnBrk="1" latinLnBrk="0" hangingPunct="1">
+              <a:lnSpc>
+                <a:spcPct val="90000"/>
+              </a:lnSpc>
+              <a:spcBef>
+                <a:spcPts val="500"/>
+              </a:spcBef>
+              <a:buFont typeface="Arial" panose="020B0604020202020204" pitchFamily="34" charset="0"/>
+              <a:buNone/>
+              <a:defRPr sz="1600" kern="1200">
+                <a:solidFill>
+                  <a:schemeClr val="tx1"/>
+                </a:solidFill>
+                <a:latin typeface="+mn-lt"/>
+                <a:ea typeface="+mn-ea"/>
+                <a:cs typeface="+mn-cs"/>
+              </a:defRPr>
+            </a:lvl8pPr>
+            <a:lvl9pPr marL="3657600" indent="0" algn="ctr" defTabSz="914400" rtl="0" eaLnBrk="1" latinLnBrk="0" hangingPunct="1">
+              <a:lnSpc>
+                <a:spcPct val="90000"/>
+              </a:lnSpc>
+              <a:spcBef>
+                <a:spcPts val="500"/>
+              </a:spcBef>
+              <a:buFont typeface="Arial" panose="020B0604020202020204" pitchFamily="34" charset="0"/>
+              <a:buNone/>
+              <a:defRPr sz="1600" kern="1200">
+                <a:solidFill>
+                  <a:schemeClr val="tx1"/>
+                </a:solidFill>
+                <a:latin typeface="+mn-lt"/>
+                <a:ea typeface="+mn-ea"/>
+                <a:cs typeface="+mn-cs"/>
+              </a:defRPr>
+            </a:lvl9pPr>
+          </a:lstStyle>
+          <a:p>
+            <a:pPr algn="l"/>
+            <a:r>
+              <a:rPr lang="en-GB" sz="2800" b="1" dirty="0"/>
+              <a:t>Horace Instrument view cut – Mantid instrument view with difference</a:t>
+            </a:r>
+          </a:p>
+          <a:p>
+            <a:pPr algn="l"/>
+            <a:endParaRPr lang="en-GB" sz="2800" dirty="0">
+              <a:solidFill>
+                <a:srgbClr val="0070C0"/>
+              </a:solidFill>
+            </a:endParaRPr>
+          </a:p>
+        </p:txBody>
+      </p:sp>
+    </p:spTree>
+    <p:extLst>
+      <p:ext uri="{BB962C8B-B14F-4D97-AF65-F5344CB8AC3E}">
+        <p14:creationId xmlns:p14="http://schemas.microsoft.com/office/powerpoint/2010/main" val="171458788"/>
       </p:ext>
     </p:extLst>
   </p:cSld>

--- a/documentation/presentations/Horace4.1andUserExperience.pptx
+++ b/documentation/presentations/Horace4.1andUserExperience.pptx
@@ -7,9 +7,14 @@
   <p:sldIdLst>
     <p:sldId id="256" r:id="rId2"/>
     <p:sldId id="257" r:id="rId3"/>
-    <p:sldId id="258" r:id="rId4"/>
+    <p:sldId id="260" r:id="rId4"/>
     <p:sldId id="259" r:id="rId5"/>
-    <p:sldId id="260" r:id="rId6"/>
+    <p:sldId id="258" r:id="rId6"/>
+    <p:sldId id="261" r:id="rId7"/>
+    <p:sldId id="262" r:id="rId8"/>
+    <p:sldId id="263" r:id="rId9"/>
+    <p:sldId id="265" r:id="rId10"/>
+    <p:sldId id="264" r:id="rId11"/>
   </p:sldIdLst>
   <p:sldSz cx="12192000" cy="6858000"/>
   <p:notesSz cx="6858000" cy="9144000"/>
@@ -4145,6 +4150,379 @@
 </p:sld>
 </file>
 
+<file path=ppt/slides/slide10.xml><?xml version="1.0" encoding="utf-8"?>
+<p:sld xmlns:a="http://schemas.openxmlformats.org/drawingml/2006/main" xmlns:r="http://schemas.openxmlformats.org/officeDocument/2006/relationships" xmlns:p="http://schemas.openxmlformats.org/presentationml/2006/main">
+  <p:cSld>
+    <p:spTree>
+      <p:nvGrpSpPr>
+        <p:cNvPr id="1" name="">
+          <a:extLst>
+            <a:ext uri="{FF2B5EF4-FFF2-40B4-BE49-F238E27FC236}">
+              <a16:creationId xmlns:a16="http://schemas.microsoft.com/office/drawing/2014/main" id="{518F69C8-58A1-DC8F-15A3-A4326CFA80C2}"/>
+            </a:ext>
+          </a:extLst>
+        </p:cNvPr>
+        <p:cNvGrpSpPr/>
+        <p:nvPr/>
+      </p:nvGrpSpPr>
+      <p:grpSpPr>
+        <a:xfrm>
+          <a:off x="0" y="0"/>
+          <a:ext cx="0" cy="0"/>
+          <a:chOff x="0" y="0"/>
+          <a:chExt cx="0" cy="0"/>
+        </a:xfrm>
+      </p:grpSpPr>
+      <p:sp>
+        <p:nvSpPr>
+          <p:cNvPr id="3" name="Subtitle 2">
+            <a:extLst>
+              <a:ext uri="{FF2B5EF4-FFF2-40B4-BE49-F238E27FC236}">
+                <a16:creationId xmlns:a16="http://schemas.microsoft.com/office/drawing/2014/main" id="{9CE58BC6-DF03-1815-E98B-A4C65BCD13E6}"/>
+              </a:ext>
+            </a:extLst>
+          </p:cNvPr>
+          <p:cNvSpPr>
+            <a:spLocks noGrp="1"/>
+          </p:cNvSpPr>
+          <p:nvPr>
+            <p:ph type="subTitle" idx="1"/>
+          </p:nvPr>
+        </p:nvSpPr>
+        <p:spPr>
+          <a:xfrm>
+            <a:off x="624874" y="119847"/>
+            <a:ext cx="10290313" cy="757927"/>
+          </a:xfrm>
+        </p:spPr>
+        <p:txBody>
+          <a:bodyPr>
+            <a:noAutofit/>
+          </a:bodyPr>
+          <a:lstStyle/>
+          <a:p>
+            <a:r>
+              <a:rPr lang="en-GB" sz="2800" dirty="0"/>
+              <a:t>Horace 4 issues from user experience and Horace 4.1 highlights</a:t>
+            </a:r>
+          </a:p>
+        </p:txBody>
+      </p:sp>
+      <p:sp>
+        <p:nvSpPr>
+          <p:cNvPr id="4" name="Subtitle 2">
+            <a:extLst>
+              <a:ext uri="{FF2B5EF4-FFF2-40B4-BE49-F238E27FC236}">
+                <a16:creationId xmlns:a16="http://schemas.microsoft.com/office/drawing/2014/main" id="{28DD8D73-5B03-B1C5-A38D-E4E79DD14934}"/>
+              </a:ext>
+            </a:extLst>
+          </p:cNvPr>
+          <p:cNvSpPr txBox="1">
+            <a:spLocks/>
+          </p:cNvSpPr>
+          <p:nvPr/>
+        </p:nvSpPr>
+        <p:spPr>
+          <a:xfrm>
+            <a:off x="313596" y="720904"/>
+            <a:ext cx="11427868" cy="516835"/>
+          </a:xfrm>
+          <a:prstGeom prst="rect">
+            <a:avLst/>
+          </a:prstGeom>
+        </p:spPr>
+        <p:txBody>
+          <a:bodyPr vert="horz" lIns="91440" tIns="45720" rIns="91440" bIns="45720" rtlCol="0">
+            <a:noAutofit/>
+          </a:bodyPr>
+          <a:lstStyle>
+            <a:lvl1pPr marL="0" indent="0" algn="ctr" defTabSz="914400" rtl="0" eaLnBrk="1" latinLnBrk="0" hangingPunct="1">
+              <a:lnSpc>
+                <a:spcPct val="90000"/>
+              </a:lnSpc>
+              <a:spcBef>
+                <a:spcPts val="1000"/>
+              </a:spcBef>
+              <a:buFont typeface="Arial" panose="020B0604020202020204" pitchFamily="34" charset="0"/>
+              <a:buNone/>
+              <a:defRPr sz="2400" kern="1200">
+                <a:solidFill>
+                  <a:schemeClr val="tx1"/>
+                </a:solidFill>
+                <a:latin typeface="+mn-lt"/>
+                <a:ea typeface="+mn-ea"/>
+                <a:cs typeface="+mn-cs"/>
+              </a:defRPr>
+            </a:lvl1pPr>
+            <a:lvl2pPr marL="457200" indent="0" algn="ctr" defTabSz="914400" rtl="0" eaLnBrk="1" latinLnBrk="0" hangingPunct="1">
+              <a:lnSpc>
+                <a:spcPct val="90000"/>
+              </a:lnSpc>
+              <a:spcBef>
+                <a:spcPts val="500"/>
+              </a:spcBef>
+              <a:buFont typeface="Arial" panose="020B0604020202020204" pitchFamily="34" charset="0"/>
+              <a:buNone/>
+              <a:defRPr sz="2000" kern="1200">
+                <a:solidFill>
+                  <a:schemeClr val="tx1"/>
+                </a:solidFill>
+                <a:latin typeface="+mn-lt"/>
+                <a:ea typeface="+mn-ea"/>
+                <a:cs typeface="+mn-cs"/>
+              </a:defRPr>
+            </a:lvl2pPr>
+            <a:lvl3pPr marL="914400" indent="0" algn="ctr" defTabSz="914400" rtl="0" eaLnBrk="1" latinLnBrk="0" hangingPunct="1">
+              <a:lnSpc>
+                <a:spcPct val="90000"/>
+              </a:lnSpc>
+              <a:spcBef>
+                <a:spcPts val="500"/>
+              </a:spcBef>
+              <a:buFont typeface="Arial" panose="020B0604020202020204" pitchFamily="34" charset="0"/>
+              <a:buNone/>
+              <a:defRPr sz="1800" kern="1200">
+                <a:solidFill>
+                  <a:schemeClr val="tx1"/>
+                </a:solidFill>
+                <a:latin typeface="+mn-lt"/>
+                <a:ea typeface="+mn-ea"/>
+                <a:cs typeface="+mn-cs"/>
+              </a:defRPr>
+            </a:lvl3pPr>
+            <a:lvl4pPr marL="1371600" indent="0" algn="ctr" defTabSz="914400" rtl="0" eaLnBrk="1" latinLnBrk="0" hangingPunct="1">
+              <a:lnSpc>
+                <a:spcPct val="90000"/>
+              </a:lnSpc>
+              <a:spcBef>
+                <a:spcPts val="500"/>
+              </a:spcBef>
+              <a:buFont typeface="Arial" panose="020B0604020202020204" pitchFamily="34" charset="0"/>
+              <a:buNone/>
+              <a:defRPr sz="1600" kern="1200">
+                <a:solidFill>
+                  <a:schemeClr val="tx1"/>
+                </a:solidFill>
+                <a:latin typeface="+mn-lt"/>
+                <a:ea typeface="+mn-ea"/>
+                <a:cs typeface="+mn-cs"/>
+              </a:defRPr>
+            </a:lvl4pPr>
+            <a:lvl5pPr marL="1828800" indent="0" algn="ctr" defTabSz="914400" rtl="0" eaLnBrk="1" latinLnBrk="0" hangingPunct="1">
+              <a:lnSpc>
+                <a:spcPct val="90000"/>
+              </a:lnSpc>
+              <a:spcBef>
+                <a:spcPts val="500"/>
+              </a:spcBef>
+              <a:buFont typeface="Arial" panose="020B0604020202020204" pitchFamily="34" charset="0"/>
+              <a:buNone/>
+              <a:defRPr sz="1600" kern="1200">
+                <a:solidFill>
+                  <a:schemeClr val="tx1"/>
+                </a:solidFill>
+                <a:latin typeface="+mn-lt"/>
+                <a:ea typeface="+mn-ea"/>
+                <a:cs typeface="+mn-cs"/>
+              </a:defRPr>
+            </a:lvl5pPr>
+            <a:lvl6pPr marL="2286000" indent="0" algn="ctr" defTabSz="914400" rtl="0" eaLnBrk="1" latinLnBrk="0" hangingPunct="1">
+              <a:lnSpc>
+                <a:spcPct val="90000"/>
+              </a:lnSpc>
+              <a:spcBef>
+                <a:spcPts val="500"/>
+              </a:spcBef>
+              <a:buFont typeface="Arial" panose="020B0604020202020204" pitchFamily="34" charset="0"/>
+              <a:buNone/>
+              <a:defRPr sz="1600" kern="1200">
+                <a:solidFill>
+                  <a:schemeClr val="tx1"/>
+                </a:solidFill>
+                <a:latin typeface="+mn-lt"/>
+                <a:ea typeface="+mn-ea"/>
+                <a:cs typeface="+mn-cs"/>
+              </a:defRPr>
+            </a:lvl6pPr>
+            <a:lvl7pPr marL="2743200" indent="0" algn="ctr" defTabSz="914400" rtl="0" eaLnBrk="1" latinLnBrk="0" hangingPunct="1">
+              <a:lnSpc>
+                <a:spcPct val="90000"/>
+              </a:lnSpc>
+              <a:spcBef>
+                <a:spcPts val="500"/>
+              </a:spcBef>
+              <a:buFont typeface="Arial" panose="020B0604020202020204" pitchFamily="34" charset="0"/>
+              <a:buNone/>
+              <a:defRPr sz="1600" kern="1200">
+                <a:solidFill>
+                  <a:schemeClr val="tx1"/>
+                </a:solidFill>
+                <a:latin typeface="+mn-lt"/>
+                <a:ea typeface="+mn-ea"/>
+                <a:cs typeface="+mn-cs"/>
+              </a:defRPr>
+            </a:lvl7pPr>
+            <a:lvl8pPr marL="3200400" indent="0" algn="ctr" defTabSz="914400" rtl="0" eaLnBrk="1" latinLnBrk="0" hangingPunct="1">
+              <a:lnSpc>
+                <a:spcPct val="90000"/>
+              </a:lnSpc>
+              <a:spcBef>
+                <a:spcPts val="500"/>
+              </a:spcBef>
+              <a:buFont typeface="Arial" panose="020B0604020202020204" pitchFamily="34" charset="0"/>
+              <a:buNone/>
+              <a:defRPr sz="1600" kern="1200">
+                <a:solidFill>
+                  <a:schemeClr val="tx1"/>
+                </a:solidFill>
+                <a:latin typeface="+mn-lt"/>
+                <a:ea typeface="+mn-ea"/>
+                <a:cs typeface="+mn-cs"/>
+              </a:defRPr>
+            </a:lvl8pPr>
+            <a:lvl9pPr marL="3657600" indent="0" algn="ctr" defTabSz="914400" rtl="0" eaLnBrk="1" latinLnBrk="0" hangingPunct="1">
+              <a:lnSpc>
+                <a:spcPct val="90000"/>
+              </a:lnSpc>
+              <a:spcBef>
+                <a:spcPts val="500"/>
+              </a:spcBef>
+              <a:buFont typeface="Arial" panose="020B0604020202020204" pitchFamily="34" charset="0"/>
+              <a:buNone/>
+              <a:defRPr sz="1600" kern="1200">
+                <a:solidFill>
+                  <a:schemeClr val="tx1"/>
+                </a:solidFill>
+                <a:latin typeface="+mn-lt"/>
+                <a:ea typeface="+mn-ea"/>
+                <a:cs typeface="+mn-cs"/>
+              </a:defRPr>
+            </a:lvl9pPr>
+          </a:lstStyle>
+          <a:p>
+            <a:pPr algn="l"/>
+            <a:r>
+              <a:rPr lang="en-GB" sz="2800" b="1" dirty="0" err="1">
+                <a:solidFill>
+                  <a:schemeClr val="accent6">
+                    <a:lumMod val="50000"/>
+                  </a:schemeClr>
+                </a:solidFill>
+                <a:latin typeface="Courier New" panose="02070309020205020404" pitchFamily="49" charset="0"/>
+                <a:cs typeface="Courier New" panose="02070309020205020404" pitchFamily="49" charset="0"/>
+              </a:rPr>
+              <a:t>sqw_op_bin_pixes</a:t>
+            </a:r>
+            <a:r>
+              <a:rPr lang="en-GB" sz="2800" b="1" dirty="0">
+                <a:solidFill>
+                  <a:schemeClr val="accent6">
+                    <a:lumMod val="50000"/>
+                  </a:schemeClr>
+                </a:solidFill>
+                <a:latin typeface="Courier New" panose="02070309020205020404" pitchFamily="49" charset="0"/>
+                <a:cs typeface="Courier New" panose="02070309020205020404" pitchFamily="49" charset="0"/>
+              </a:rPr>
+              <a:t> :-&gt; </a:t>
+            </a:r>
+            <a:r>
+              <a:rPr lang="en-GB" sz="2800" b="1" dirty="0">
+                <a:cs typeface="Courier New" panose="02070309020205020404" pitchFamily="49" charset="0"/>
+              </a:rPr>
+              <a:t>random operations overs sqw files</a:t>
+            </a:r>
+            <a:endParaRPr lang="en-GB" sz="2800" dirty="0">
+              <a:solidFill>
+                <a:schemeClr val="accent6">
+                  <a:lumMod val="50000"/>
+                </a:schemeClr>
+              </a:solidFill>
+              <a:latin typeface="Courier New" panose="02070309020205020404" pitchFamily="49" charset="0"/>
+              <a:cs typeface="Courier New" panose="02070309020205020404" pitchFamily="49" charset="0"/>
+            </a:endParaRPr>
+          </a:p>
+        </p:txBody>
+      </p:sp>
+      <p:sp>
+        <p:nvSpPr>
+          <p:cNvPr id="5" name="Rectangle 4">
+            <a:extLst>
+              <a:ext uri="{FF2B5EF4-FFF2-40B4-BE49-F238E27FC236}">
+                <a16:creationId xmlns:a16="http://schemas.microsoft.com/office/drawing/2014/main" id="{6E3EC79A-0844-36EF-2D12-5BF4583CF14D}"/>
+              </a:ext>
+            </a:extLst>
+          </p:cNvPr>
+          <p:cNvSpPr/>
+          <p:nvPr/>
+        </p:nvSpPr>
+        <p:spPr>
+          <a:xfrm rot="5400000">
+            <a:off x="10355762" y="1060190"/>
+            <a:ext cx="2896428" cy="776048"/>
+          </a:xfrm>
+          <a:prstGeom prst="rect">
+            <a:avLst/>
+          </a:prstGeom>
+          <a:solidFill>
+            <a:srgbClr val="F15B69"/>
+          </a:solidFill>
+        </p:spPr>
+        <p:style>
+          <a:lnRef idx="2">
+            <a:schemeClr val="accent1">
+              <a:shade val="15000"/>
+            </a:schemeClr>
+          </a:lnRef>
+          <a:fillRef idx="1">
+            <a:schemeClr val="accent1"/>
+          </a:fillRef>
+          <a:effectRef idx="0">
+            <a:schemeClr val="accent1"/>
+          </a:effectRef>
+          <a:fontRef idx="minor">
+            <a:schemeClr val="lt1"/>
+          </a:fontRef>
+        </p:style>
+        <p:txBody>
+          <a:bodyPr rtlCol="0" anchor="ctr"/>
+          <a:lstStyle/>
+          <a:p>
+            <a:pPr algn="ctr"/>
+            <a:r>
+              <a:rPr lang="en-GB" dirty="0">
+                <a:solidFill>
+                  <a:schemeClr val="tx1"/>
+                </a:solidFill>
+              </a:rPr>
+              <a:t>ADVANCED!!!</a:t>
+            </a:r>
+          </a:p>
+          <a:p>
+            <a:pPr algn="ctr"/>
+            <a:r>
+              <a:rPr lang="en-GB" dirty="0">
+                <a:solidFill>
+                  <a:schemeClr val="tx1"/>
+                </a:solidFill>
+              </a:rPr>
+              <a:t>Full SQW object operation</a:t>
+            </a:r>
+          </a:p>
+        </p:txBody>
+      </p:sp>
+    </p:spTree>
+    <p:extLst>
+      <p:ext uri="{BB962C8B-B14F-4D97-AF65-F5344CB8AC3E}">
+        <p14:creationId xmlns:p14="http://schemas.microsoft.com/office/powerpoint/2010/main" val="3344839381"/>
+      </p:ext>
+    </p:extLst>
+  </p:cSld>
+  <p:clrMapOvr>
+    <a:masterClrMapping/>
+  </p:clrMapOvr>
+</p:sld>
+</file>
+
 <file path=ppt/slides/slide2.xml><?xml version="1.0" encoding="utf-8"?>
 <p:sld xmlns:a="http://schemas.openxmlformats.org/drawingml/2006/main" xmlns:r="http://schemas.openxmlformats.org/officeDocument/2006/relationships" xmlns:p="http://schemas.openxmlformats.org/presentationml/2006/main">
   <p:cSld>
@@ -5189,7 +5567,7 @@
         <p:cNvPr id="1" name="">
           <a:extLst>
             <a:ext uri="{FF2B5EF4-FFF2-40B4-BE49-F238E27FC236}">
-              <a16:creationId xmlns:a16="http://schemas.microsoft.com/office/drawing/2014/main" id="{D04A1010-F173-CE70-2B14-6C42B040F185}"/>
+              <a16:creationId xmlns:a16="http://schemas.microsoft.com/office/drawing/2014/main" id="{D00346FD-1B7D-2365-A34A-4595ECB2610A}"/>
             </a:ext>
           </a:extLst>
         </p:cNvPr>
@@ -5204,42 +5582,12 @@
           <a:chExt cx="0" cy="0"/>
         </a:xfrm>
       </p:grpSpPr>
-      <p:pic>
-        <p:nvPicPr>
-          <p:cNvPr id="24" name="Picture 23">
-            <a:extLst>
-              <a:ext uri="{FF2B5EF4-FFF2-40B4-BE49-F238E27FC236}">
-                <a16:creationId xmlns:a16="http://schemas.microsoft.com/office/drawing/2014/main" id="{1DC4329C-02E0-626B-98ED-2A5E25AF4351}"/>
-              </a:ext>
-            </a:extLst>
-          </p:cNvPr>
-          <p:cNvPicPr>
-            <a:picLocks noChangeAspect="1"/>
-          </p:cNvPicPr>
-          <p:nvPr/>
-        </p:nvPicPr>
-        <p:blipFill>
-          <a:blip r:embed="rId2"/>
-          <a:stretch>
-            <a:fillRect/>
-          </a:stretch>
-        </p:blipFill>
-        <p:spPr>
-          <a:xfrm>
-            <a:off x="6884563" y="2772529"/>
-            <a:ext cx="4166102" cy="3124577"/>
-          </a:xfrm>
-          <a:prstGeom prst="rect">
-            <a:avLst/>
-          </a:prstGeom>
-        </p:spPr>
-      </p:pic>
       <p:sp>
         <p:nvSpPr>
           <p:cNvPr id="3" name="Subtitle 2">
             <a:extLst>
               <a:ext uri="{FF2B5EF4-FFF2-40B4-BE49-F238E27FC236}">
-                <a16:creationId xmlns:a16="http://schemas.microsoft.com/office/drawing/2014/main" id="{468C8C39-213C-68D9-9DF9-B583DDC9F5B6}"/>
+                <a16:creationId xmlns:a16="http://schemas.microsoft.com/office/drawing/2014/main" id="{2CAFFEFD-75E6-C67C-DCAD-8412FBDF9DB0}"/>
               </a:ext>
             </a:extLst>
           </p:cNvPr>
@@ -5274,7 +5622,7 @@
           <p:cNvPr id="4" name="Subtitle 2">
             <a:extLst>
               <a:ext uri="{FF2B5EF4-FFF2-40B4-BE49-F238E27FC236}">
-                <a16:creationId xmlns:a16="http://schemas.microsoft.com/office/drawing/2014/main" id="{8FD02A69-D62A-824E-EBA8-51201EB39F5B}"/>
+                <a16:creationId xmlns:a16="http://schemas.microsoft.com/office/drawing/2014/main" id="{BE097F33-8571-7C21-BED0-0507CC977DC6}"/>
               </a:ext>
             </a:extLst>
           </p:cNvPr>
@@ -5286,7 +5634,7 @@
         <p:spPr>
           <a:xfrm>
             <a:off x="490329" y="759324"/>
-            <a:ext cx="10290313" cy="516835"/>
+            <a:ext cx="11427868" cy="516835"/>
           </a:xfrm>
           <a:prstGeom prst="rect">
             <a:avLst/>
@@ -5463,16 +5811,8 @@
           <a:p>
             <a:pPr algn="l"/>
             <a:r>
-              <a:rPr lang="en-GB" sz="2800" dirty="0">
-                <a:solidFill>
-                  <a:srgbClr val="0070C0"/>
-                </a:solidFill>
-              </a:rPr>
-              <a:t>Data Diagnostics: </a:t>
-            </a:r>
-            <a:r>
               <a:rPr lang="en-GB" sz="2800" b="1" dirty="0"/>
-              <a:t>Instrument view cut</a:t>
+              <a:t>Horace Instrument view cut – Mantid instrument view with difference</a:t>
             </a:r>
           </a:p>
           <a:p>
@@ -5485,12 +5825,48 @@
           </a:p>
         </p:txBody>
       </p:sp>
+      <p:pic>
+        <p:nvPicPr>
+          <p:cNvPr id="8" name="Picture 7" descr="A diagram of a curved object">
+            <a:extLst>
+              <a:ext uri="{FF2B5EF4-FFF2-40B4-BE49-F238E27FC236}">
+                <a16:creationId xmlns:a16="http://schemas.microsoft.com/office/drawing/2014/main" id="{3E81F805-4FAC-22EF-8ADA-759C7FFB43A3}"/>
+              </a:ext>
+            </a:extLst>
+          </p:cNvPr>
+          <p:cNvPicPr>
+            <a:picLocks noChangeAspect="1"/>
+          </p:cNvPicPr>
+          <p:nvPr/>
+        </p:nvPicPr>
+        <p:blipFill>
+          <a:blip r:embed="rId2">
+            <a:extLst>
+              <a:ext uri="{28A0092B-C50C-407E-A947-70E740481C1C}">
+                <a14:useLocalDpi xmlns:a14="http://schemas.microsoft.com/office/drawing/2010/main" val="0"/>
+              </a:ext>
+            </a:extLst>
+          </a:blip>
+          <a:stretch>
+            <a:fillRect/>
+          </a:stretch>
+        </p:blipFill>
+        <p:spPr>
+          <a:xfrm>
+            <a:off x="390874" y="2528624"/>
+            <a:ext cx="5705126" cy="3766986"/>
+          </a:xfrm>
+          <a:prstGeom prst="rect">
+            <a:avLst/>
+          </a:prstGeom>
+        </p:spPr>
+      </p:pic>
       <p:sp>
         <p:nvSpPr>
-          <p:cNvPr id="9" name="Rectangle 1">
-            <a:extLst>
-              <a:ext uri="{FF2B5EF4-FFF2-40B4-BE49-F238E27FC236}">
-                <a16:creationId xmlns:a16="http://schemas.microsoft.com/office/drawing/2014/main" id="{4840AC4D-90C9-01FB-F49A-5014CAD6344C}"/>
+          <p:cNvPr id="9" name="Rectangle 8">
+            <a:extLst>
+              <a:ext uri="{FF2B5EF4-FFF2-40B4-BE49-F238E27FC236}">
+                <a16:creationId xmlns:a16="http://schemas.microsoft.com/office/drawing/2014/main" id="{BDF08124-739B-FF70-5F41-AD638B651664}"/>
               </a:ext>
             </a:extLst>
           </p:cNvPr>
@@ -5501,8 +5877,8 @@
         </p:nvSpPr>
         <p:spPr bwMode="auto">
           <a:xfrm>
-            <a:off x="375105" y="1390772"/>
-            <a:ext cx="137204173" cy="1477328"/>
+            <a:off x="609600" y="1517251"/>
+            <a:ext cx="11308597" cy="646331"/>
           </a:xfrm>
           <a:prstGeom prst="rect">
             <a:avLst/>
@@ -5548,14 +5924,141 @@
             </a:prstTxWarp>
             <a:spAutoFit/>
           </a:bodyPr>
-          <a:lstStyle/>
+          <a:lstStyle>
+            <a:lvl1pPr eaLnBrk="0" fontAlgn="base" hangingPunct="0">
+              <a:spcBef>
+                <a:spcPct val="30000"/>
+              </a:spcBef>
+              <a:spcAft>
+                <a:spcPct val="0"/>
+              </a:spcAft>
+              <a:defRPr sz="1200">
+                <a:solidFill>
+                  <a:schemeClr val="tx1"/>
+                </a:solidFill>
+                <a:latin typeface="Arial" panose="020B0604020202020204" pitchFamily="34" charset="0"/>
+              </a:defRPr>
+            </a:lvl1pPr>
+            <a:lvl2pPr eaLnBrk="0" fontAlgn="base" hangingPunct="0">
+              <a:spcBef>
+                <a:spcPct val="30000"/>
+              </a:spcBef>
+              <a:spcAft>
+                <a:spcPct val="0"/>
+              </a:spcAft>
+              <a:defRPr sz="1200">
+                <a:solidFill>
+                  <a:schemeClr val="tx1"/>
+                </a:solidFill>
+                <a:latin typeface="Arial" panose="020B0604020202020204" pitchFamily="34" charset="0"/>
+              </a:defRPr>
+            </a:lvl2pPr>
+            <a:lvl3pPr eaLnBrk="0" fontAlgn="base" hangingPunct="0">
+              <a:spcBef>
+                <a:spcPct val="30000"/>
+              </a:spcBef>
+              <a:spcAft>
+                <a:spcPct val="0"/>
+              </a:spcAft>
+              <a:defRPr sz="1200">
+                <a:solidFill>
+                  <a:schemeClr val="tx1"/>
+                </a:solidFill>
+                <a:latin typeface="Arial" panose="020B0604020202020204" pitchFamily="34" charset="0"/>
+              </a:defRPr>
+            </a:lvl3pPr>
+            <a:lvl4pPr eaLnBrk="0" fontAlgn="base" hangingPunct="0">
+              <a:spcBef>
+                <a:spcPct val="30000"/>
+              </a:spcBef>
+              <a:spcAft>
+                <a:spcPct val="0"/>
+              </a:spcAft>
+              <a:defRPr sz="1200">
+                <a:solidFill>
+                  <a:schemeClr val="tx1"/>
+                </a:solidFill>
+                <a:latin typeface="Arial" panose="020B0604020202020204" pitchFamily="34" charset="0"/>
+              </a:defRPr>
+            </a:lvl4pPr>
+            <a:lvl5pPr eaLnBrk="0" fontAlgn="base" hangingPunct="0">
+              <a:spcBef>
+                <a:spcPct val="30000"/>
+              </a:spcBef>
+              <a:spcAft>
+                <a:spcPct val="0"/>
+              </a:spcAft>
+              <a:defRPr sz="1200">
+                <a:solidFill>
+                  <a:schemeClr val="tx1"/>
+                </a:solidFill>
+                <a:latin typeface="Arial" panose="020B0604020202020204" pitchFamily="34" charset="0"/>
+              </a:defRPr>
+            </a:lvl5pPr>
+            <a:lvl6pPr eaLnBrk="0" fontAlgn="base" hangingPunct="0">
+              <a:spcBef>
+                <a:spcPct val="30000"/>
+              </a:spcBef>
+              <a:spcAft>
+                <a:spcPct val="0"/>
+              </a:spcAft>
+              <a:defRPr sz="1200">
+                <a:solidFill>
+                  <a:schemeClr val="tx1"/>
+                </a:solidFill>
+                <a:latin typeface="Arial" panose="020B0604020202020204" pitchFamily="34" charset="0"/>
+              </a:defRPr>
+            </a:lvl6pPr>
+            <a:lvl7pPr eaLnBrk="0" fontAlgn="base" hangingPunct="0">
+              <a:spcBef>
+                <a:spcPct val="30000"/>
+              </a:spcBef>
+              <a:spcAft>
+                <a:spcPct val="0"/>
+              </a:spcAft>
+              <a:defRPr sz="1200">
+                <a:solidFill>
+                  <a:schemeClr val="tx1"/>
+                </a:solidFill>
+                <a:latin typeface="Arial" panose="020B0604020202020204" pitchFamily="34" charset="0"/>
+              </a:defRPr>
+            </a:lvl7pPr>
+            <a:lvl8pPr eaLnBrk="0" fontAlgn="base" hangingPunct="0">
+              <a:spcBef>
+                <a:spcPct val="30000"/>
+              </a:spcBef>
+              <a:spcAft>
+                <a:spcPct val="0"/>
+              </a:spcAft>
+              <a:defRPr sz="1200">
+                <a:solidFill>
+                  <a:schemeClr val="tx1"/>
+                </a:solidFill>
+                <a:latin typeface="Arial" panose="020B0604020202020204" pitchFamily="34" charset="0"/>
+              </a:defRPr>
+            </a:lvl8pPr>
+            <a:lvl9pPr eaLnBrk="0" fontAlgn="base" hangingPunct="0">
+              <a:spcBef>
+                <a:spcPct val="30000"/>
+              </a:spcBef>
+              <a:spcAft>
+                <a:spcPct val="0"/>
+              </a:spcAft>
+              <a:defRPr sz="1200">
+                <a:solidFill>
+                  <a:schemeClr val="tx1"/>
+                </a:solidFill>
+                <a:latin typeface="Arial" panose="020B0604020202020204" pitchFamily="34" charset="0"/>
+              </a:defRPr>
+            </a:lvl9pPr>
+          </a:lstStyle>
           <a:p>
             <a:pPr marL="0" marR="0" lvl="0" indent="0" algn="l" defTabSz="914400" rtl="0" eaLnBrk="0" fontAlgn="base" latinLnBrk="0" hangingPunct="0">
               <a:lnSpc>
                 <a:spcPct val="100000"/>
               </a:lnSpc>
               <a:spcBef>
-                <a:spcPct val="0"/>
+                <a:spcPct val="30000"/>
               </a:spcBef>
               <a:spcAft>
                 <a:spcPct val="0"/>
@@ -5567,6 +6070,20 @@
               <a:tabLst/>
             </a:pPr>
             <a:r>
+              <a:rPr kumimoji="0" lang="en-US" altLang="en-US" sz="1800" b="0" i="0" u="none" strike="noStrike" cap="none" normalizeH="0" baseline="0" dirty="0" err="1">
+                <a:ln>
+                  <a:noFill/>
+                </a:ln>
+                <a:solidFill>
+                  <a:schemeClr val="tx1"/>
+                </a:solidFill>
+                <a:effectLst/>
+                <a:latin typeface="Courier New" panose="02070309020205020404" pitchFamily="49" charset="0"/>
+                <a:cs typeface="Courier New" panose="02070309020205020404" pitchFamily="49" charset="0"/>
+              </a:rPr>
+              <a:t>wout</a:t>
+            </a:r>
+            <a:r>
               <a:rPr kumimoji="0" lang="en-US" altLang="en-US" sz="1800" b="0" i="0" u="none" strike="noStrike" cap="none" normalizeH="0" baseline="0" dirty="0">
                 <a:ln>
                   <a:noFill/>
@@ -5575,28 +6092,27 @@
                   <a:schemeClr val="tx1"/>
                 </a:solidFill>
                 <a:effectLst/>
-                <a:latin typeface="Arial" panose="020B0604020202020204" pitchFamily="34" charset="0"/>
-              </a:rPr>
-              <a:t>Normally Horace works with scattering function build in reciprocal coordinate system related to a crystal.</a:t>
-            </a:r>
-          </a:p>
-          <a:p>
-            <a:pPr marL="0" marR="0" lvl="0" indent="0" algn="l" defTabSz="914400" rtl="0" eaLnBrk="0" fontAlgn="base" latinLnBrk="0" hangingPunct="0">
-              <a:lnSpc>
-                <a:spcPct val="100000"/>
-              </a:lnSpc>
-              <a:spcBef>
-                <a:spcPct val="0"/>
-              </a:spcBef>
-              <a:spcAft>
-                <a:spcPct val="0"/>
-              </a:spcAft>
-              <a:buClrTx/>
-              <a:buSzTx/>
-              <a:buFontTx/>
-              <a:buNone/>
-              <a:tabLst/>
-            </a:pPr>
+                <a:latin typeface="Courier New" panose="02070309020205020404" pitchFamily="49" charset="0"/>
+                <a:cs typeface="Courier New" panose="02070309020205020404" pitchFamily="49" charset="0"/>
+              </a:rPr>
+              <a:t> = </a:t>
+            </a:r>
+            <a:r>
+              <a:rPr kumimoji="0" lang="en-US" altLang="en-US" sz="1800" b="0" i="0" u="none" strike="noStrike" cap="none" normalizeH="0" baseline="0" dirty="0" err="1">
+                <a:ln>
+                  <a:noFill/>
+                </a:ln>
+                <a:solidFill>
+                  <a:schemeClr val="accent3">
+                    <a:lumMod val="75000"/>
+                  </a:schemeClr>
+                </a:solidFill>
+                <a:effectLst/>
+                <a:latin typeface="Courier New" panose="02070309020205020404" pitchFamily="49" charset="0"/>
+                <a:cs typeface="Courier New" panose="02070309020205020404" pitchFamily="49" charset="0"/>
+              </a:rPr>
+              <a:t>instrument_view_cut</a:t>
+            </a:r>
             <a:r>
               <a:rPr kumimoji="0" lang="en-US" altLang="en-US" sz="1800" b="0" i="0" u="none" strike="noStrike" cap="none" normalizeH="0" baseline="0" dirty="0">
                 <a:ln>
@@ -5606,28 +6122,25 @@
                   <a:schemeClr val="tx1"/>
                 </a:solidFill>
                 <a:effectLst/>
-                <a:latin typeface="Arial" panose="020B0604020202020204" pitchFamily="34" charset="0"/>
-              </a:rPr>
-              <a:t>If sample is not sufficiently large to allow neutrons thermalization or instrument have various problems with</a:t>
-            </a:r>
-          </a:p>
-          <a:p>
-            <a:pPr marL="0" marR="0" lvl="0" indent="0" algn="l" defTabSz="914400" rtl="0" eaLnBrk="0" fontAlgn="base" latinLnBrk="0" hangingPunct="0">
-              <a:lnSpc>
-                <a:spcPct val="100000"/>
-              </a:lnSpc>
-              <a:spcBef>
-                <a:spcPct val="0"/>
-              </a:spcBef>
-              <a:spcAft>
-                <a:spcPct val="0"/>
-              </a:spcAft>
-              <a:buClrTx/>
-              <a:buSzTx/>
-              <a:buFontTx/>
-              <a:buNone/>
-              <a:tabLst/>
-            </a:pPr>
+                <a:latin typeface="Courier New" panose="02070309020205020404" pitchFamily="49" charset="0"/>
+                <a:cs typeface="Courier New" panose="02070309020205020404" pitchFamily="49" charset="0"/>
+              </a:rPr>
+              <a:t>(</a:t>
+            </a:r>
+            <a:r>
+              <a:rPr kumimoji="0" lang="en-US" altLang="en-US" sz="1800" b="0" i="0" u="none" strike="noStrike" cap="none" normalizeH="0" baseline="0" dirty="0" err="1">
+                <a:ln>
+                  <a:noFill/>
+                </a:ln>
+                <a:solidFill>
+                  <a:schemeClr val="tx1"/>
+                </a:solidFill>
+                <a:effectLst/>
+                <a:latin typeface="Courier New" panose="02070309020205020404" pitchFamily="49" charset="0"/>
+                <a:cs typeface="Courier New" panose="02070309020205020404" pitchFamily="49" charset="0"/>
+              </a:rPr>
+              <a:t>sqw_source</a:t>
+            </a:r>
             <a:r>
               <a:rPr kumimoji="0" lang="en-US" altLang="en-US" sz="1800" b="0" i="0" u="none" strike="noStrike" cap="none" normalizeH="0" baseline="0" dirty="0">
                 <a:ln>
@@ -5637,28 +6150,25 @@
                   <a:schemeClr val="tx1"/>
                 </a:solidFill>
                 <a:effectLst/>
-                <a:latin typeface="Arial" panose="020B0604020202020204" pitchFamily="34" charset="0"/>
-              </a:rPr>
-              <a:t> its detectors or background scattering, some scattering artefacts may add noise or unrelated signals to</a:t>
-            </a:r>
-          </a:p>
-          <a:p>
-            <a:pPr marL="0" marR="0" lvl="0" indent="0" algn="l" defTabSz="914400" rtl="0" eaLnBrk="0" fontAlgn="base" latinLnBrk="0" hangingPunct="0">
-              <a:lnSpc>
-                <a:spcPct val="100000"/>
-              </a:lnSpc>
-              <a:spcBef>
-                <a:spcPct val="0"/>
-              </a:spcBef>
-              <a:spcAft>
-                <a:spcPct val="0"/>
-              </a:spcAft>
-              <a:buClrTx/>
-              <a:buSzTx/>
-              <a:buFontTx/>
-              <a:buNone/>
-              <a:tabLst/>
-            </a:pPr>
+                <a:latin typeface="Courier New" panose="02070309020205020404" pitchFamily="49" charset="0"/>
+                <a:cs typeface="Courier New" panose="02070309020205020404" pitchFamily="49" charset="0"/>
+              </a:rPr>
+              <a:t>,[</a:t>
+            </a:r>
+            <a:r>
+              <a:rPr kumimoji="0" lang="en-US" altLang="en-US" sz="1800" b="1" i="0" u="none" strike="noStrike" cap="none" normalizeH="0" baseline="0" dirty="0">
+                <a:ln>
+                  <a:noFill/>
+                </a:ln>
+                <a:solidFill>
+                  <a:srgbClr val="0070C0"/>
+                </a:solidFill>
+                <a:effectLst/>
+                <a:latin typeface="Courier New" panose="02070309020205020404" pitchFamily="49" charset="0"/>
+                <a:cs typeface="Courier New" panose="02070309020205020404" pitchFamily="49" charset="0"/>
+              </a:rPr>
+              <a:t>0,theta_step,theta_max</a:t>
+            </a:r>
             <a:r>
               <a:rPr kumimoji="0" lang="en-US" altLang="en-US" sz="1800" b="0" i="0" u="none" strike="noStrike" cap="none" normalizeH="0" baseline="0" dirty="0">
                 <a:ln>
@@ -5668,28 +6178,25 @@
                   <a:schemeClr val="tx1"/>
                 </a:solidFill>
                 <a:effectLst/>
-                <a:latin typeface="Arial" panose="020B0604020202020204" pitchFamily="34" charset="0"/>
-              </a:rPr>
-              <a:t>measured function. These artefacts will have spherical symmetry around the beam direction. </a:t>
-            </a:r>
-          </a:p>
-          <a:p>
-            <a:pPr marL="0" marR="0" lvl="0" indent="0" algn="l" defTabSz="914400" rtl="0" eaLnBrk="0" fontAlgn="base" latinLnBrk="0" hangingPunct="0">
-              <a:lnSpc>
-                <a:spcPct val="100000"/>
-              </a:lnSpc>
-              <a:spcBef>
-                <a:spcPct val="0"/>
-              </a:spcBef>
-              <a:spcAft>
-                <a:spcPct val="0"/>
-              </a:spcAft>
-              <a:buClrTx/>
-              <a:buSzTx/>
-              <a:buFontTx/>
-              <a:buNone/>
-              <a:tabLst/>
-            </a:pPr>
+                <a:latin typeface="Courier New" panose="02070309020205020404" pitchFamily="49" charset="0"/>
+                <a:cs typeface="Courier New" panose="02070309020205020404" pitchFamily="49" charset="0"/>
+              </a:rPr>
+              <a:t>],[</a:t>
+            </a:r>
+            <a:r>
+              <a:rPr kumimoji="0" lang="en-US" altLang="en-US" sz="1800" b="1" i="0" u="none" strike="noStrike" cap="none" normalizeH="0" baseline="0" dirty="0" err="1">
+                <a:ln>
+                  <a:noFill/>
+                </a:ln>
+                <a:solidFill>
+                  <a:srgbClr val="0070C0"/>
+                </a:solidFill>
+                <a:effectLst/>
+                <a:latin typeface="Courier New" panose="02070309020205020404" pitchFamily="49" charset="0"/>
+                <a:cs typeface="Courier New" panose="02070309020205020404" pitchFamily="49" charset="0"/>
+              </a:rPr>
+              <a:t>En_min,En_step,En_max</a:t>
+            </a:r>
             <a:r>
               <a:rPr kumimoji="0" lang="en-US" altLang="en-US" sz="1800" b="0" i="0" u="none" strike="noStrike" cap="none" normalizeH="0" baseline="0" dirty="0">
                 <a:ln>
@@ -5699,78 +6206,20 @@
                   <a:schemeClr val="tx1"/>
                 </a:solidFill>
                 <a:effectLst/>
-                <a:latin typeface="Arial" panose="020B0604020202020204" pitchFamily="34" charset="0"/>
-              </a:rPr>
-              <a:t>To clearly identify such artefacts one may use </a:t>
-            </a:r>
-            <a:r>
-              <a:rPr kumimoji="0" lang="en-US" altLang="en-US" sz="1800" b="1" i="0" u="none" strike="noStrike" cap="none" normalizeH="0" baseline="0" dirty="0" err="1">
-                <a:ln>
-                  <a:noFill/>
-                </a:ln>
-                <a:solidFill>
-                  <a:schemeClr val="tx1"/>
-                </a:solidFill>
-                <a:effectLst/>
-                <a:latin typeface="Arial" panose="020B0604020202020204" pitchFamily="34" charset="0"/>
-              </a:rPr>
-              <a:t>instrument_view_cut</a:t>
-            </a:r>
-            <a:endParaRPr kumimoji="0" lang="en-US" altLang="en-US" sz="1800" b="1" i="0" u="none" strike="noStrike" cap="none" normalizeH="0" baseline="0" dirty="0">
-              <a:ln>
-                <a:noFill/>
-              </a:ln>
-              <a:solidFill>
-                <a:schemeClr val="tx1"/>
-              </a:solidFill>
-              <a:effectLst/>
-              <a:latin typeface="Arial" panose="020B0604020202020204" pitchFamily="34" charset="0"/>
-            </a:endParaRPr>
+                <a:latin typeface="Courier New" panose="02070309020205020404" pitchFamily="49" charset="0"/>
+                <a:cs typeface="Courier New" panose="02070309020205020404" pitchFamily="49" charset="0"/>
+              </a:rPr>
+              <a:t>]); </a:t>
+            </a:r>
           </a:p>
         </p:txBody>
       </p:sp>
-      <p:pic>
-        <p:nvPicPr>
-          <p:cNvPr id="16" name="Content Placeholder 4" descr="A blue and green squares&#10;&#10;AI-generated content may be incorrect.">
-            <a:extLst>
-              <a:ext uri="{FF2B5EF4-FFF2-40B4-BE49-F238E27FC236}">
-                <a16:creationId xmlns:a16="http://schemas.microsoft.com/office/drawing/2014/main" id="{55A0A19C-EB8D-77CC-3CA7-221E61DB601D}"/>
-              </a:ext>
-            </a:extLst>
-          </p:cNvPr>
-          <p:cNvPicPr>
-            <a:picLocks noGrp="1" noChangeAspect="1"/>
-          </p:cNvPicPr>
-          <p:nvPr/>
-        </p:nvPicPr>
-        <p:blipFill>
-          <a:blip r:embed="rId3">
-            <a:extLst>
-              <a:ext uri="{28A0092B-C50C-407E-A947-70E740481C1C}">
-                <a14:useLocalDpi xmlns:a14="http://schemas.microsoft.com/office/drawing/2010/main" val="0"/>
-              </a:ext>
-            </a:extLst>
-          </a:blip>
-          <a:stretch>
-            <a:fillRect/>
-          </a:stretch>
-        </p:blipFill>
-        <p:spPr>
-          <a:xfrm>
-            <a:off x="375105" y="2294903"/>
-            <a:ext cx="5530804" cy="3989527"/>
-          </a:xfrm>
-          <a:prstGeom prst="rect">
-            <a:avLst/>
-          </a:prstGeom>
-        </p:spPr>
-      </p:pic>
       <p:sp>
         <p:nvSpPr>
-          <p:cNvPr id="23" name="Rectangle 22">
-            <a:extLst>
-              <a:ext uri="{FF2B5EF4-FFF2-40B4-BE49-F238E27FC236}">
-                <a16:creationId xmlns:a16="http://schemas.microsoft.com/office/drawing/2014/main" id="{F65B20A5-E9CB-B2FC-FFC0-7FE79700E99C}"/>
+          <p:cNvPr id="10" name="Rectangle 9">
+            <a:extLst>
+              <a:ext uri="{FF2B5EF4-FFF2-40B4-BE49-F238E27FC236}">
+                <a16:creationId xmlns:a16="http://schemas.microsoft.com/office/drawing/2014/main" id="{D4C694C6-4FD7-28ED-16CE-68A87BC6868E}"/>
               </a:ext>
             </a:extLst>
           </p:cNvPr>
@@ -5779,63 +6228,7 @@
         </p:nvSpPr>
         <p:spPr>
           <a:xfrm>
-            <a:off x="380906" y="5897106"/>
-            <a:ext cx="10778247" cy="776048"/>
-          </a:xfrm>
-          <a:prstGeom prst="rect">
-            <a:avLst/>
-          </a:prstGeom>
-          <a:solidFill>
-            <a:schemeClr val="bg1"/>
-          </a:solidFill>
-        </p:spPr>
-        <p:style>
-          <a:lnRef idx="2">
-            <a:schemeClr val="accent1">
-              <a:shade val="15000"/>
-            </a:schemeClr>
-          </a:lnRef>
-          <a:fillRef idx="1">
-            <a:schemeClr val="accent1"/>
-          </a:fillRef>
-          <a:effectRef idx="0">
-            <a:schemeClr val="accent1"/>
-          </a:effectRef>
-          <a:fontRef idx="minor">
-            <a:schemeClr val="lt1"/>
-          </a:fontRef>
-        </p:style>
-        <p:txBody>
-          <a:bodyPr rtlCol="0" anchor="ctr"/>
-          <a:lstStyle/>
-          <a:p>
-            <a:pPr algn="ctr"/>
-            <a:r>
-              <a:rPr lang="en-GB" u="sng" dirty="0">
-                <a:solidFill>
-                  <a:srgbClr val="0070C0"/>
-                </a:solidFill>
-              </a:rPr>
-              <a:t>https://abuts.github.io/Horace/v4.1.0/manual/Data_diagnostics.html#instrument-view-cut</a:t>
-            </a:r>
-          </a:p>
-        </p:txBody>
-      </p:sp>
-      <p:sp>
-        <p:nvSpPr>
-          <p:cNvPr id="25" name="Rectangle 24">
-            <a:extLst>
-              <a:ext uri="{FF2B5EF4-FFF2-40B4-BE49-F238E27FC236}">
-                <a16:creationId xmlns:a16="http://schemas.microsoft.com/office/drawing/2014/main" id="{194BBBC6-748A-8A9D-55B2-4C9EC383F1A3}"/>
-              </a:ext>
-            </a:extLst>
-          </p:cNvPr>
-          <p:cNvSpPr/>
-          <p:nvPr/>
-        </p:nvSpPr>
-        <p:spPr>
-          <a:xfrm>
-            <a:off x="3744205" y="5121058"/>
+            <a:off x="7087146" y="4952725"/>
             <a:ext cx="2896428" cy="776048"/>
           </a:xfrm>
           <a:prstGeom prst="rect">
@@ -5877,10 +6270,75 @@
           </a:p>
         </p:txBody>
       </p:sp>
+      <p:sp>
+        <p:nvSpPr>
+          <p:cNvPr id="11" name="TextBox 10">
+            <a:extLst>
+              <a:ext uri="{FF2B5EF4-FFF2-40B4-BE49-F238E27FC236}">
+                <a16:creationId xmlns:a16="http://schemas.microsoft.com/office/drawing/2014/main" id="{2215CC90-8161-24EA-EB87-440BCB72F101}"/>
+              </a:ext>
+            </a:extLst>
+          </p:cNvPr>
+          <p:cNvSpPr txBox="1"/>
+          <p:nvPr/>
+        </p:nvSpPr>
+        <p:spPr>
+          <a:xfrm>
+            <a:off x="6938682" y="2674042"/>
+            <a:ext cx="4303059" cy="2246769"/>
+          </a:xfrm>
+          <a:prstGeom prst="rect">
+            <a:avLst/>
+          </a:prstGeom>
+          <a:noFill/>
+        </p:spPr>
+        <p:txBody>
+          <a:bodyPr wrap="square" rtlCol="0">
+            <a:spAutoFit/>
+          </a:bodyPr>
+          <a:lstStyle/>
+          <a:p>
+            <a:r>
+              <a:rPr lang="en-GB" sz="2800" dirty="0"/>
+              <a:t>Interface to cut with </a:t>
+            </a:r>
+            <a:r>
+              <a:rPr lang="en-GB" sz="2800" dirty="0" err="1">
+                <a:solidFill>
+                  <a:schemeClr val="accent6">
+                    <a:lumMod val="50000"/>
+                  </a:schemeClr>
+                </a:solidFill>
+                <a:latin typeface="Courier New" panose="02070309020205020404" pitchFamily="49" charset="0"/>
+                <a:cs typeface="Courier New" panose="02070309020205020404" pitchFamily="49" charset="0"/>
+              </a:rPr>
+              <a:t>kf_sphere_proj</a:t>
+            </a:r>
+            <a:endParaRPr lang="en-GB" sz="2800" dirty="0">
+              <a:solidFill>
+                <a:schemeClr val="accent6">
+                  <a:lumMod val="50000"/>
+                </a:schemeClr>
+              </a:solidFill>
+              <a:latin typeface="Courier New" panose="02070309020205020404" pitchFamily="49" charset="0"/>
+              <a:cs typeface="Courier New" panose="02070309020205020404" pitchFamily="49" charset="0"/>
+            </a:endParaRPr>
+          </a:p>
+          <a:p>
+            <a:endParaRPr lang="en-GB" sz="2800" dirty="0"/>
+          </a:p>
+          <a:p>
+            <a:r>
+              <a:rPr lang="en-GB" sz="2800" dirty="0"/>
+              <a:t>which  you should not use in your cuts. (Not ready)</a:t>
+            </a:r>
+          </a:p>
+        </p:txBody>
+      </p:sp>
     </p:spTree>
     <p:extLst>
       <p:ext uri="{BB962C8B-B14F-4D97-AF65-F5344CB8AC3E}">
-        <p14:creationId xmlns:p14="http://schemas.microsoft.com/office/powerpoint/2010/main" val="2398857213"/>
+        <p14:creationId xmlns:p14="http://schemas.microsoft.com/office/powerpoint/2010/main" val="171458788"/>
       </p:ext>
     </p:extLst>
   </p:cSld>
@@ -6538,7 +6996,7 @@
         <p:cNvPr id="1" name="">
           <a:extLst>
             <a:ext uri="{FF2B5EF4-FFF2-40B4-BE49-F238E27FC236}">
-              <a16:creationId xmlns:a16="http://schemas.microsoft.com/office/drawing/2014/main" id="{D00346FD-1B7D-2365-A34A-4595ECB2610A}"/>
+              <a16:creationId xmlns:a16="http://schemas.microsoft.com/office/drawing/2014/main" id="{D04A1010-F173-CE70-2B14-6C42B040F185}"/>
             </a:ext>
           </a:extLst>
         </p:cNvPr>
@@ -6553,12 +7011,42 @@
           <a:chExt cx="0" cy="0"/>
         </a:xfrm>
       </p:grpSpPr>
+      <p:pic>
+        <p:nvPicPr>
+          <p:cNvPr id="24" name="Picture 23">
+            <a:extLst>
+              <a:ext uri="{FF2B5EF4-FFF2-40B4-BE49-F238E27FC236}">
+                <a16:creationId xmlns:a16="http://schemas.microsoft.com/office/drawing/2014/main" id="{1DC4329C-02E0-626B-98ED-2A5E25AF4351}"/>
+              </a:ext>
+            </a:extLst>
+          </p:cNvPr>
+          <p:cNvPicPr>
+            <a:picLocks noChangeAspect="1"/>
+          </p:cNvPicPr>
+          <p:nvPr/>
+        </p:nvPicPr>
+        <p:blipFill>
+          <a:blip r:embed="rId2"/>
+          <a:stretch>
+            <a:fillRect/>
+          </a:stretch>
+        </p:blipFill>
+        <p:spPr>
+          <a:xfrm>
+            <a:off x="6884563" y="2772529"/>
+            <a:ext cx="4166102" cy="3124577"/>
+          </a:xfrm>
+          <a:prstGeom prst="rect">
+            <a:avLst/>
+          </a:prstGeom>
+        </p:spPr>
+      </p:pic>
       <p:sp>
         <p:nvSpPr>
           <p:cNvPr id="3" name="Subtitle 2">
             <a:extLst>
               <a:ext uri="{FF2B5EF4-FFF2-40B4-BE49-F238E27FC236}">
-                <a16:creationId xmlns:a16="http://schemas.microsoft.com/office/drawing/2014/main" id="{2CAFFEFD-75E6-C67C-DCAD-8412FBDF9DB0}"/>
+                <a16:creationId xmlns:a16="http://schemas.microsoft.com/office/drawing/2014/main" id="{468C8C39-213C-68D9-9DF9-B583DDC9F5B6}"/>
               </a:ext>
             </a:extLst>
           </p:cNvPr>
@@ -6593,7 +7081,7 @@
           <p:cNvPr id="4" name="Subtitle 2">
             <a:extLst>
               <a:ext uri="{FF2B5EF4-FFF2-40B4-BE49-F238E27FC236}">
-                <a16:creationId xmlns:a16="http://schemas.microsoft.com/office/drawing/2014/main" id="{BE097F33-8571-7C21-BED0-0507CC977DC6}"/>
+                <a16:creationId xmlns:a16="http://schemas.microsoft.com/office/drawing/2014/main" id="{8FD02A69-D62A-824E-EBA8-51201EB39F5B}"/>
               </a:ext>
             </a:extLst>
           </p:cNvPr>
@@ -6605,6 +7093,685 @@
         <p:spPr>
           <a:xfrm>
             <a:off x="490329" y="759324"/>
+            <a:ext cx="10290313" cy="516835"/>
+          </a:xfrm>
+          <a:prstGeom prst="rect">
+            <a:avLst/>
+          </a:prstGeom>
+        </p:spPr>
+        <p:txBody>
+          <a:bodyPr vert="horz" lIns="91440" tIns="45720" rIns="91440" bIns="45720" rtlCol="0">
+            <a:noAutofit/>
+          </a:bodyPr>
+          <a:lstStyle>
+            <a:lvl1pPr marL="0" indent="0" algn="ctr" defTabSz="914400" rtl="0" eaLnBrk="1" latinLnBrk="0" hangingPunct="1">
+              <a:lnSpc>
+                <a:spcPct val="90000"/>
+              </a:lnSpc>
+              <a:spcBef>
+                <a:spcPts val="1000"/>
+              </a:spcBef>
+              <a:buFont typeface="Arial" panose="020B0604020202020204" pitchFamily="34" charset="0"/>
+              <a:buNone/>
+              <a:defRPr sz="2400" kern="1200">
+                <a:solidFill>
+                  <a:schemeClr val="tx1"/>
+                </a:solidFill>
+                <a:latin typeface="+mn-lt"/>
+                <a:ea typeface="+mn-ea"/>
+                <a:cs typeface="+mn-cs"/>
+              </a:defRPr>
+            </a:lvl1pPr>
+            <a:lvl2pPr marL="457200" indent="0" algn="ctr" defTabSz="914400" rtl="0" eaLnBrk="1" latinLnBrk="0" hangingPunct="1">
+              <a:lnSpc>
+                <a:spcPct val="90000"/>
+              </a:lnSpc>
+              <a:spcBef>
+                <a:spcPts val="500"/>
+              </a:spcBef>
+              <a:buFont typeface="Arial" panose="020B0604020202020204" pitchFamily="34" charset="0"/>
+              <a:buNone/>
+              <a:defRPr sz="2000" kern="1200">
+                <a:solidFill>
+                  <a:schemeClr val="tx1"/>
+                </a:solidFill>
+                <a:latin typeface="+mn-lt"/>
+                <a:ea typeface="+mn-ea"/>
+                <a:cs typeface="+mn-cs"/>
+              </a:defRPr>
+            </a:lvl2pPr>
+            <a:lvl3pPr marL="914400" indent="0" algn="ctr" defTabSz="914400" rtl="0" eaLnBrk="1" latinLnBrk="0" hangingPunct="1">
+              <a:lnSpc>
+                <a:spcPct val="90000"/>
+              </a:lnSpc>
+              <a:spcBef>
+                <a:spcPts val="500"/>
+              </a:spcBef>
+              <a:buFont typeface="Arial" panose="020B0604020202020204" pitchFamily="34" charset="0"/>
+              <a:buNone/>
+              <a:defRPr sz="1800" kern="1200">
+                <a:solidFill>
+                  <a:schemeClr val="tx1"/>
+                </a:solidFill>
+                <a:latin typeface="+mn-lt"/>
+                <a:ea typeface="+mn-ea"/>
+                <a:cs typeface="+mn-cs"/>
+              </a:defRPr>
+            </a:lvl3pPr>
+            <a:lvl4pPr marL="1371600" indent="0" algn="ctr" defTabSz="914400" rtl="0" eaLnBrk="1" latinLnBrk="0" hangingPunct="1">
+              <a:lnSpc>
+                <a:spcPct val="90000"/>
+              </a:lnSpc>
+              <a:spcBef>
+                <a:spcPts val="500"/>
+              </a:spcBef>
+              <a:buFont typeface="Arial" panose="020B0604020202020204" pitchFamily="34" charset="0"/>
+              <a:buNone/>
+              <a:defRPr sz="1600" kern="1200">
+                <a:solidFill>
+                  <a:schemeClr val="tx1"/>
+                </a:solidFill>
+                <a:latin typeface="+mn-lt"/>
+                <a:ea typeface="+mn-ea"/>
+                <a:cs typeface="+mn-cs"/>
+              </a:defRPr>
+            </a:lvl4pPr>
+            <a:lvl5pPr marL="1828800" indent="0" algn="ctr" defTabSz="914400" rtl="0" eaLnBrk="1" latinLnBrk="0" hangingPunct="1">
+              <a:lnSpc>
+                <a:spcPct val="90000"/>
+              </a:lnSpc>
+              <a:spcBef>
+                <a:spcPts val="500"/>
+              </a:spcBef>
+              <a:buFont typeface="Arial" panose="020B0604020202020204" pitchFamily="34" charset="0"/>
+              <a:buNone/>
+              <a:defRPr sz="1600" kern="1200">
+                <a:solidFill>
+                  <a:schemeClr val="tx1"/>
+                </a:solidFill>
+                <a:latin typeface="+mn-lt"/>
+                <a:ea typeface="+mn-ea"/>
+                <a:cs typeface="+mn-cs"/>
+              </a:defRPr>
+            </a:lvl5pPr>
+            <a:lvl6pPr marL="2286000" indent="0" algn="ctr" defTabSz="914400" rtl="0" eaLnBrk="1" latinLnBrk="0" hangingPunct="1">
+              <a:lnSpc>
+                <a:spcPct val="90000"/>
+              </a:lnSpc>
+              <a:spcBef>
+                <a:spcPts val="500"/>
+              </a:spcBef>
+              <a:buFont typeface="Arial" panose="020B0604020202020204" pitchFamily="34" charset="0"/>
+              <a:buNone/>
+              <a:defRPr sz="1600" kern="1200">
+                <a:solidFill>
+                  <a:schemeClr val="tx1"/>
+                </a:solidFill>
+                <a:latin typeface="+mn-lt"/>
+                <a:ea typeface="+mn-ea"/>
+                <a:cs typeface="+mn-cs"/>
+              </a:defRPr>
+            </a:lvl6pPr>
+            <a:lvl7pPr marL="2743200" indent="0" algn="ctr" defTabSz="914400" rtl="0" eaLnBrk="1" latinLnBrk="0" hangingPunct="1">
+              <a:lnSpc>
+                <a:spcPct val="90000"/>
+              </a:lnSpc>
+              <a:spcBef>
+                <a:spcPts val="500"/>
+              </a:spcBef>
+              <a:buFont typeface="Arial" panose="020B0604020202020204" pitchFamily="34" charset="0"/>
+              <a:buNone/>
+              <a:defRPr sz="1600" kern="1200">
+                <a:solidFill>
+                  <a:schemeClr val="tx1"/>
+                </a:solidFill>
+                <a:latin typeface="+mn-lt"/>
+                <a:ea typeface="+mn-ea"/>
+                <a:cs typeface="+mn-cs"/>
+              </a:defRPr>
+            </a:lvl7pPr>
+            <a:lvl8pPr marL="3200400" indent="0" algn="ctr" defTabSz="914400" rtl="0" eaLnBrk="1" latinLnBrk="0" hangingPunct="1">
+              <a:lnSpc>
+                <a:spcPct val="90000"/>
+              </a:lnSpc>
+              <a:spcBef>
+                <a:spcPts val="500"/>
+              </a:spcBef>
+              <a:buFont typeface="Arial" panose="020B0604020202020204" pitchFamily="34" charset="0"/>
+              <a:buNone/>
+              <a:defRPr sz="1600" kern="1200">
+                <a:solidFill>
+                  <a:schemeClr val="tx1"/>
+                </a:solidFill>
+                <a:latin typeface="+mn-lt"/>
+                <a:ea typeface="+mn-ea"/>
+                <a:cs typeface="+mn-cs"/>
+              </a:defRPr>
+            </a:lvl8pPr>
+            <a:lvl9pPr marL="3657600" indent="0" algn="ctr" defTabSz="914400" rtl="0" eaLnBrk="1" latinLnBrk="0" hangingPunct="1">
+              <a:lnSpc>
+                <a:spcPct val="90000"/>
+              </a:lnSpc>
+              <a:spcBef>
+                <a:spcPts val="500"/>
+              </a:spcBef>
+              <a:buFont typeface="Arial" panose="020B0604020202020204" pitchFamily="34" charset="0"/>
+              <a:buNone/>
+              <a:defRPr sz="1600" kern="1200">
+                <a:solidFill>
+                  <a:schemeClr val="tx1"/>
+                </a:solidFill>
+                <a:latin typeface="+mn-lt"/>
+                <a:ea typeface="+mn-ea"/>
+                <a:cs typeface="+mn-cs"/>
+              </a:defRPr>
+            </a:lvl9pPr>
+          </a:lstStyle>
+          <a:p>
+            <a:pPr algn="l"/>
+            <a:r>
+              <a:rPr lang="en-GB" sz="2800" dirty="0">
+                <a:solidFill>
+                  <a:srgbClr val="0070C0"/>
+                </a:solidFill>
+              </a:rPr>
+              <a:t>Data Diagnostics: </a:t>
+            </a:r>
+            <a:r>
+              <a:rPr lang="en-GB" sz="2800" b="1" dirty="0"/>
+              <a:t>Instrument view cut</a:t>
+            </a:r>
+          </a:p>
+          <a:p>
+            <a:pPr algn="l"/>
+            <a:endParaRPr lang="en-GB" sz="2800" dirty="0">
+              <a:solidFill>
+                <a:srgbClr val="0070C0"/>
+              </a:solidFill>
+            </a:endParaRPr>
+          </a:p>
+        </p:txBody>
+      </p:sp>
+      <p:sp>
+        <p:nvSpPr>
+          <p:cNvPr id="9" name="Rectangle 1">
+            <a:extLst>
+              <a:ext uri="{FF2B5EF4-FFF2-40B4-BE49-F238E27FC236}">
+                <a16:creationId xmlns:a16="http://schemas.microsoft.com/office/drawing/2014/main" id="{4840AC4D-90C9-01FB-F49A-5014CAD6344C}"/>
+              </a:ext>
+            </a:extLst>
+          </p:cNvPr>
+          <p:cNvSpPr>
+            <a:spLocks noChangeArrowheads="1"/>
+          </p:cNvSpPr>
+          <p:nvPr/>
+        </p:nvSpPr>
+        <p:spPr bwMode="auto">
+          <a:xfrm>
+            <a:off x="375105" y="1390772"/>
+            <a:ext cx="137204173" cy="1477328"/>
+          </a:xfrm>
+          <a:prstGeom prst="rect">
+            <a:avLst/>
+          </a:prstGeom>
+          <a:noFill/>
+          <a:ln>
+            <a:noFill/>
+          </a:ln>
+          <a:effectLst/>
+          <a:extLst>
+            <a:ext uri="{909E8E84-426E-40DD-AFC4-6F175D3DCCD1}">
+              <a14:hiddenFill xmlns:a14="http://schemas.microsoft.com/office/drawing/2010/main">
+                <a:solidFill>
+                  <a:schemeClr val="accent1"/>
+                </a:solidFill>
+              </a14:hiddenFill>
+            </a:ext>
+            <a:ext uri="{91240B29-F687-4F45-9708-019B960494DF}">
+              <a14:hiddenLine xmlns:a14="http://schemas.microsoft.com/office/drawing/2010/main" w="9525">
+                <a:solidFill>
+                  <a:schemeClr val="tx1"/>
+                </a:solidFill>
+                <a:miter lim="800000"/>
+                <a:headEnd/>
+                <a:tailEnd/>
+              </a14:hiddenLine>
+            </a:ext>
+            <a:ext uri="{AF507438-7753-43E0-B8FC-AC1667EBCBE1}">
+              <a14:hiddenEffects xmlns:a14="http://schemas.microsoft.com/office/drawing/2010/main">
+                <a:effectLst>
+                  <a:outerShdw dist="35921" dir="2700000" algn="ctr" rotWithShape="0">
+                    <a:schemeClr val="bg2"/>
+                  </a:outerShdw>
+                </a:effectLst>
+              </a14:hiddenEffects>
+            </a:ext>
+          </a:extLst>
+        </p:spPr>
+        <p:txBody>
+          <a:bodyPr vert="horz" wrap="square" lIns="91440" tIns="45720" rIns="91440" bIns="45720" numCol="1" anchor="ctr" anchorCtr="0" compatLnSpc="1">
+            <a:prstTxWarp prst="textNoShape">
+              <a:avLst/>
+            </a:prstTxWarp>
+            <a:spAutoFit/>
+          </a:bodyPr>
+          <a:lstStyle/>
+          <a:p>
+            <a:pPr marL="0" marR="0" lvl="0" indent="0" algn="l" defTabSz="914400" rtl="0" eaLnBrk="0" fontAlgn="base" latinLnBrk="0" hangingPunct="0">
+              <a:lnSpc>
+                <a:spcPct val="100000"/>
+              </a:lnSpc>
+              <a:spcBef>
+                <a:spcPct val="0"/>
+              </a:spcBef>
+              <a:spcAft>
+                <a:spcPct val="0"/>
+              </a:spcAft>
+              <a:buClrTx/>
+              <a:buSzTx/>
+              <a:buFontTx/>
+              <a:buNone/>
+              <a:tabLst/>
+            </a:pPr>
+            <a:r>
+              <a:rPr kumimoji="0" lang="en-US" altLang="en-US" sz="1800" b="0" i="0" u="none" strike="noStrike" cap="none" normalizeH="0" baseline="0" dirty="0">
+                <a:ln>
+                  <a:noFill/>
+                </a:ln>
+                <a:solidFill>
+                  <a:schemeClr val="tx1"/>
+                </a:solidFill>
+                <a:effectLst/>
+                <a:latin typeface="Arial" panose="020B0604020202020204" pitchFamily="34" charset="0"/>
+              </a:rPr>
+              <a:t>Normally Horace works with scattering function build in reciprocal coordinate system related to a crystal.</a:t>
+            </a:r>
+          </a:p>
+          <a:p>
+            <a:pPr marL="0" marR="0" lvl="0" indent="0" algn="l" defTabSz="914400" rtl="0" eaLnBrk="0" fontAlgn="base" latinLnBrk="0" hangingPunct="0">
+              <a:lnSpc>
+                <a:spcPct val="100000"/>
+              </a:lnSpc>
+              <a:spcBef>
+                <a:spcPct val="0"/>
+              </a:spcBef>
+              <a:spcAft>
+                <a:spcPct val="0"/>
+              </a:spcAft>
+              <a:buClrTx/>
+              <a:buSzTx/>
+              <a:buFontTx/>
+              <a:buNone/>
+              <a:tabLst/>
+            </a:pPr>
+            <a:r>
+              <a:rPr kumimoji="0" lang="en-US" altLang="en-US" sz="1800" b="0" i="0" u="none" strike="noStrike" cap="none" normalizeH="0" baseline="0" dirty="0">
+                <a:ln>
+                  <a:noFill/>
+                </a:ln>
+                <a:solidFill>
+                  <a:schemeClr val="tx1"/>
+                </a:solidFill>
+                <a:effectLst/>
+                <a:latin typeface="Arial" panose="020B0604020202020204" pitchFamily="34" charset="0"/>
+              </a:rPr>
+              <a:t>If sample is not sufficiently large to allow neutrons thermalization or instrument have various problems with</a:t>
+            </a:r>
+          </a:p>
+          <a:p>
+            <a:pPr marL="0" marR="0" lvl="0" indent="0" algn="l" defTabSz="914400" rtl="0" eaLnBrk="0" fontAlgn="base" latinLnBrk="0" hangingPunct="0">
+              <a:lnSpc>
+                <a:spcPct val="100000"/>
+              </a:lnSpc>
+              <a:spcBef>
+                <a:spcPct val="0"/>
+              </a:spcBef>
+              <a:spcAft>
+                <a:spcPct val="0"/>
+              </a:spcAft>
+              <a:buClrTx/>
+              <a:buSzTx/>
+              <a:buFontTx/>
+              <a:buNone/>
+              <a:tabLst/>
+            </a:pPr>
+            <a:r>
+              <a:rPr kumimoji="0" lang="en-US" altLang="en-US" sz="1800" b="0" i="0" u="none" strike="noStrike" cap="none" normalizeH="0" baseline="0" dirty="0">
+                <a:ln>
+                  <a:noFill/>
+                </a:ln>
+                <a:solidFill>
+                  <a:schemeClr val="tx1"/>
+                </a:solidFill>
+                <a:effectLst/>
+                <a:latin typeface="Arial" panose="020B0604020202020204" pitchFamily="34" charset="0"/>
+              </a:rPr>
+              <a:t> its detectors or background scattering, some scattering artefacts may add noise or unrelated signals to</a:t>
+            </a:r>
+          </a:p>
+          <a:p>
+            <a:pPr marL="0" marR="0" lvl="0" indent="0" algn="l" defTabSz="914400" rtl="0" eaLnBrk="0" fontAlgn="base" latinLnBrk="0" hangingPunct="0">
+              <a:lnSpc>
+                <a:spcPct val="100000"/>
+              </a:lnSpc>
+              <a:spcBef>
+                <a:spcPct val="0"/>
+              </a:spcBef>
+              <a:spcAft>
+                <a:spcPct val="0"/>
+              </a:spcAft>
+              <a:buClrTx/>
+              <a:buSzTx/>
+              <a:buFontTx/>
+              <a:buNone/>
+              <a:tabLst/>
+            </a:pPr>
+            <a:r>
+              <a:rPr kumimoji="0" lang="en-US" altLang="en-US" sz="1800" b="0" i="0" u="none" strike="noStrike" cap="none" normalizeH="0" baseline="0" dirty="0">
+                <a:ln>
+                  <a:noFill/>
+                </a:ln>
+                <a:solidFill>
+                  <a:schemeClr val="tx1"/>
+                </a:solidFill>
+                <a:effectLst/>
+                <a:latin typeface="Arial" panose="020B0604020202020204" pitchFamily="34" charset="0"/>
+              </a:rPr>
+              <a:t>measured function. These artefacts will have spherical symmetry around the beam direction. </a:t>
+            </a:r>
+          </a:p>
+          <a:p>
+            <a:pPr marL="0" marR="0" lvl="0" indent="0" algn="l" defTabSz="914400" rtl="0" eaLnBrk="0" fontAlgn="base" latinLnBrk="0" hangingPunct="0">
+              <a:lnSpc>
+                <a:spcPct val="100000"/>
+              </a:lnSpc>
+              <a:spcBef>
+                <a:spcPct val="0"/>
+              </a:spcBef>
+              <a:spcAft>
+                <a:spcPct val="0"/>
+              </a:spcAft>
+              <a:buClrTx/>
+              <a:buSzTx/>
+              <a:buFontTx/>
+              <a:buNone/>
+              <a:tabLst/>
+            </a:pPr>
+            <a:r>
+              <a:rPr kumimoji="0" lang="en-US" altLang="en-US" sz="1800" b="0" i="0" u="none" strike="noStrike" cap="none" normalizeH="0" baseline="0" dirty="0">
+                <a:ln>
+                  <a:noFill/>
+                </a:ln>
+                <a:solidFill>
+                  <a:schemeClr val="tx1"/>
+                </a:solidFill>
+                <a:effectLst/>
+                <a:latin typeface="Arial" panose="020B0604020202020204" pitchFamily="34" charset="0"/>
+              </a:rPr>
+              <a:t>To clearly identify such artefacts one may use </a:t>
+            </a:r>
+            <a:r>
+              <a:rPr kumimoji="0" lang="en-US" altLang="en-US" sz="1800" b="1" i="0" u="none" strike="noStrike" cap="none" normalizeH="0" baseline="0" dirty="0" err="1">
+                <a:ln>
+                  <a:noFill/>
+                </a:ln>
+                <a:solidFill>
+                  <a:schemeClr val="tx1"/>
+                </a:solidFill>
+                <a:effectLst/>
+                <a:latin typeface="Arial" panose="020B0604020202020204" pitchFamily="34" charset="0"/>
+              </a:rPr>
+              <a:t>instrument_view_cut</a:t>
+            </a:r>
+            <a:endParaRPr kumimoji="0" lang="en-US" altLang="en-US" sz="1800" b="1" i="0" u="none" strike="noStrike" cap="none" normalizeH="0" baseline="0" dirty="0">
+              <a:ln>
+                <a:noFill/>
+              </a:ln>
+              <a:solidFill>
+                <a:schemeClr val="tx1"/>
+              </a:solidFill>
+              <a:effectLst/>
+              <a:latin typeface="Arial" panose="020B0604020202020204" pitchFamily="34" charset="0"/>
+            </a:endParaRPr>
+          </a:p>
+        </p:txBody>
+      </p:sp>
+      <p:pic>
+        <p:nvPicPr>
+          <p:cNvPr id="16" name="Content Placeholder 4" descr="A blue and green squares&#10;&#10;AI-generated content may be incorrect.">
+            <a:extLst>
+              <a:ext uri="{FF2B5EF4-FFF2-40B4-BE49-F238E27FC236}">
+                <a16:creationId xmlns:a16="http://schemas.microsoft.com/office/drawing/2014/main" id="{55A0A19C-EB8D-77CC-3CA7-221E61DB601D}"/>
+              </a:ext>
+            </a:extLst>
+          </p:cNvPr>
+          <p:cNvPicPr>
+            <a:picLocks noGrp="1" noChangeAspect="1"/>
+          </p:cNvPicPr>
+          <p:nvPr/>
+        </p:nvPicPr>
+        <p:blipFill>
+          <a:blip r:embed="rId3">
+            <a:extLst>
+              <a:ext uri="{28A0092B-C50C-407E-A947-70E740481C1C}">
+                <a14:useLocalDpi xmlns:a14="http://schemas.microsoft.com/office/drawing/2010/main" val="0"/>
+              </a:ext>
+            </a:extLst>
+          </a:blip>
+          <a:stretch>
+            <a:fillRect/>
+          </a:stretch>
+        </p:blipFill>
+        <p:spPr>
+          <a:xfrm>
+            <a:off x="375105" y="2294903"/>
+            <a:ext cx="5530804" cy="3989527"/>
+          </a:xfrm>
+          <a:prstGeom prst="rect">
+            <a:avLst/>
+          </a:prstGeom>
+        </p:spPr>
+      </p:pic>
+      <p:sp>
+        <p:nvSpPr>
+          <p:cNvPr id="23" name="Rectangle 22">
+            <a:extLst>
+              <a:ext uri="{FF2B5EF4-FFF2-40B4-BE49-F238E27FC236}">
+                <a16:creationId xmlns:a16="http://schemas.microsoft.com/office/drawing/2014/main" id="{F65B20A5-E9CB-B2FC-FFC0-7FE79700E99C}"/>
+              </a:ext>
+            </a:extLst>
+          </p:cNvPr>
+          <p:cNvSpPr/>
+          <p:nvPr/>
+        </p:nvSpPr>
+        <p:spPr>
+          <a:xfrm>
+            <a:off x="380906" y="5897106"/>
+            <a:ext cx="10778247" cy="776048"/>
+          </a:xfrm>
+          <a:prstGeom prst="rect">
+            <a:avLst/>
+          </a:prstGeom>
+          <a:solidFill>
+            <a:schemeClr val="bg1"/>
+          </a:solidFill>
+        </p:spPr>
+        <p:style>
+          <a:lnRef idx="2">
+            <a:schemeClr val="accent1">
+              <a:shade val="15000"/>
+            </a:schemeClr>
+          </a:lnRef>
+          <a:fillRef idx="1">
+            <a:schemeClr val="accent1"/>
+          </a:fillRef>
+          <a:effectRef idx="0">
+            <a:schemeClr val="accent1"/>
+          </a:effectRef>
+          <a:fontRef idx="minor">
+            <a:schemeClr val="lt1"/>
+          </a:fontRef>
+        </p:style>
+        <p:txBody>
+          <a:bodyPr rtlCol="0" anchor="ctr"/>
+          <a:lstStyle/>
+          <a:p>
+            <a:pPr algn="ctr"/>
+            <a:r>
+              <a:rPr lang="en-GB" u="sng" dirty="0">
+                <a:solidFill>
+                  <a:srgbClr val="0070C0"/>
+                </a:solidFill>
+              </a:rPr>
+              <a:t>https://abuts.github.io/Horace/v4.1.0/manual/Data_diagnostics.html#instrument-view-cut</a:t>
+            </a:r>
+          </a:p>
+        </p:txBody>
+      </p:sp>
+      <p:sp>
+        <p:nvSpPr>
+          <p:cNvPr id="25" name="Rectangle 24">
+            <a:extLst>
+              <a:ext uri="{FF2B5EF4-FFF2-40B4-BE49-F238E27FC236}">
+                <a16:creationId xmlns:a16="http://schemas.microsoft.com/office/drawing/2014/main" id="{194BBBC6-748A-8A9D-55B2-4C9EC383F1A3}"/>
+              </a:ext>
+            </a:extLst>
+          </p:cNvPr>
+          <p:cNvSpPr/>
+          <p:nvPr/>
+        </p:nvSpPr>
+        <p:spPr>
+          <a:xfrm>
+            <a:off x="3744205" y="5121058"/>
+            <a:ext cx="2896428" cy="776048"/>
+          </a:xfrm>
+          <a:prstGeom prst="rect">
+            <a:avLst/>
+          </a:prstGeom>
+          <a:solidFill>
+            <a:srgbClr val="F15B69"/>
+          </a:solidFill>
+        </p:spPr>
+        <p:style>
+          <a:lnRef idx="2">
+            <a:schemeClr val="accent1">
+              <a:shade val="15000"/>
+            </a:schemeClr>
+          </a:lnRef>
+          <a:fillRef idx="1">
+            <a:schemeClr val="accent1"/>
+          </a:fillRef>
+          <a:effectRef idx="0">
+            <a:schemeClr val="accent1"/>
+          </a:effectRef>
+          <a:fontRef idx="minor">
+            <a:schemeClr val="lt1"/>
+          </a:fontRef>
+        </p:style>
+        <p:txBody>
+          <a:bodyPr rtlCol="0" anchor="ctr"/>
+          <a:lstStyle/>
+          <a:p>
+            <a:pPr algn="ctr"/>
+            <a:r>
+              <a:rPr lang="en-GB" dirty="0">
+                <a:solidFill>
+                  <a:schemeClr val="tx1"/>
+                </a:solidFill>
+              </a:rPr>
+              <a:t>Full SQW object operation</a:t>
+            </a:r>
+          </a:p>
+        </p:txBody>
+      </p:sp>
+    </p:spTree>
+    <p:extLst>
+      <p:ext uri="{BB962C8B-B14F-4D97-AF65-F5344CB8AC3E}">
+        <p14:creationId xmlns:p14="http://schemas.microsoft.com/office/powerpoint/2010/main" val="2398857213"/>
+      </p:ext>
+    </p:extLst>
+  </p:cSld>
+  <p:clrMapOvr>
+    <a:masterClrMapping/>
+  </p:clrMapOvr>
+</p:sld>
+</file>
+
+<file path=ppt/slides/slide6.xml><?xml version="1.0" encoding="utf-8"?>
+<p:sld xmlns:a="http://schemas.openxmlformats.org/drawingml/2006/main" xmlns:r="http://schemas.openxmlformats.org/officeDocument/2006/relationships" xmlns:p="http://schemas.openxmlformats.org/presentationml/2006/main">
+  <p:cSld>
+    <p:spTree>
+      <p:nvGrpSpPr>
+        <p:cNvPr id="1" name="">
+          <a:extLst>
+            <a:ext uri="{FF2B5EF4-FFF2-40B4-BE49-F238E27FC236}">
+              <a16:creationId xmlns:a16="http://schemas.microsoft.com/office/drawing/2014/main" id="{8027E9FD-0298-86FF-1092-2DD9A17F6CE7}"/>
+            </a:ext>
+          </a:extLst>
+        </p:cNvPr>
+        <p:cNvGrpSpPr/>
+        <p:nvPr/>
+      </p:nvGrpSpPr>
+      <p:grpSpPr>
+        <a:xfrm>
+          <a:off x="0" y="0"/>
+          <a:ext cx="0" cy="0"/>
+          <a:chOff x="0" y="0"/>
+          <a:chExt cx="0" cy="0"/>
+        </a:xfrm>
+      </p:grpSpPr>
+      <p:sp>
+        <p:nvSpPr>
+          <p:cNvPr id="3" name="Subtitle 2">
+            <a:extLst>
+              <a:ext uri="{FF2B5EF4-FFF2-40B4-BE49-F238E27FC236}">
+                <a16:creationId xmlns:a16="http://schemas.microsoft.com/office/drawing/2014/main" id="{0E70E9A9-18C6-8ADD-9A9B-0F29DD35ECC5}"/>
+              </a:ext>
+            </a:extLst>
+          </p:cNvPr>
+          <p:cNvSpPr>
+            <a:spLocks noGrp="1"/>
+          </p:cNvSpPr>
+          <p:nvPr>
+            <p:ph type="subTitle" idx="1"/>
+          </p:nvPr>
+        </p:nvSpPr>
+        <p:spPr>
+          <a:xfrm>
+            <a:off x="624874" y="119847"/>
+            <a:ext cx="10290313" cy="757927"/>
+          </a:xfrm>
+        </p:spPr>
+        <p:txBody>
+          <a:bodyPr>
+            <a:noAutofit/>
+          </a:bodyPr>
+          <a:lstStyle/>
+          <a:p>
+            <a:r>
+              <a:rPr lang="en-GB" sz="2800" dirty="0"/>
+              <a:t>Horace 4 issues from user experience and Horace 4.1 highlights</a:t>
+            </a:r>
+          </a:p>
+        </p:txBody>
+      </p:sp>
+      <p:sp>
+        <p:nvSpPr>
+          <p:cNvPr id="4" name="Subtitle 2">
+            <a:extLst>
+              <a:ext uri="{FF2B5EF4-FFF2-40B4-BE49-F238E27FC236}">
+                <a16:creationId xmlns:a16="http://schemas.microsoft.com/office/drawing/2014/main" id="{9099297D-76DE-154E-7FF3-52683218E43C}"/>
+              </a:ext>
+            </a:extLst>
+          </p:cNvPr>
+          <p:cNvSpPr txBox="1">
+            <a:spLocks/>
+          </p:cNvSpPr>
+          <p:nvPr/>
+        </p:nvSpPr>
+        <p:spPr>
+          <a:xfrm>
+            <a:off x="313596" y="720904"/>
             <a:ext cx="11427868" cy="516835"/>
           </a:xfrm>
           <a:prstGeom prst="rect">
@@ -6782,24 +7949,3896 @@
           <a:p>
             <a:pPr algn="l"/>
             <a:r>
-              <a:rPr lang="en-GB" sz="2800" b="1" dirty="0"/>
-              <a:t>Horace Instrument view cut – Mantid instrument view with difference</a:t>
-            </a:r>
-          </a:p>
-          <a:p>
-            <a:pPr algn="l"/>
+              <a:rPr lang="en-GB" sz="2800" b="1" dirty="0" err="1">
+                <a:solidFill>
+                  <a:schemeClr val="accent6">
+                    <a:lumMod val="50000"/>
+                  </a:schemeClr>
+                </a:solidFill>
+                <a:latin typeface="Courier New" panose="02070309020205020404" pitchFamily="49" charset="0"/>
+                <a:cs typeface="Courier New" panose="02070309020205020404" pitchFamily="49" charset="0"/>
+              </a:rPr>
+              <a:t>sqw_op</a:t>
+            </a:r>
+            <a:r>
+              <a:rPr lang="en-GB" sz="2800" b="1" dirty="0">
+                <a:solidFill>
+                  <a:schemeClr val="accent6">
+                    <a:lumMod val="50000"/>
+                  </a:schemeClr>
+                </a:solidFill>
+                <a:latin typeface="Courier New" panose="02070309020205020404" pitchFamily="49" charset="0"/>
+                <a:cs typeface="Courier New" panose="02070309020205020404" pitchFamily="49" charset="0"/>
+              </a:rPr>
+              <a:t> :-&gt; </a:t>
+            </a:r>
+            <a:r>
+              <a:rPr lang="en-GB" sz="2800" b="1" dirty="0">
+                <a:cs typeface="Courier New" panose="02070309020205020404" pitchFamily="49" charset="0"/>
+              </a:rPr>
+              <a:t>gateway for unary &amp; binary operations overs sqw files</a:t>
+            </a:r>
             <a:endParaRPr lang="en-GB" sz="2800" dirty="0">
               <a:solidFill>
-                <a:srgbClr val="0070C0"/>
+                <a:schemeClr val="accent6">
+                  <a:lumMod val="50000"/>
+                </a:schemeClr>
               </a:solidFill>
+              <a:latin typeface="Courier New" panose="02070309020205020404" pitchFamily="49" charset="0"/>
+              <a:cs typeface="Courier New" panose="02070309020205020404" pitchFamily="49" charset="0"/>
             </a:endParaRPr>
+          </a:p>
+        </p:txBody>
+      </p:sp>
+      <p:sp>
+        <p:nvSpPr>
+          <p:cNvPr id="5" name="Rectangle 4">
+            <a:extLst>
+              <a:ext uri="{FF2B5EF4-FFF2-40B4-BE49-F238E27FC236}">
+                <a16:creationId xmlns:a16="http://schemas.microsoft.com/office/drawing/2014/main" id="{BBA58882-8757-C92E-2024-AF9E874BB676}"/>
+              </a:ext>
+            </a:extLst>
+          </p:cNvPr>
+          <p:cNvSpPr/>
+          <p:nvPr/>
+        </p:nvSpPr>
+        <p:spPr>
+          <a:xfrm rot="5400000">
+            <a:off x="10355762" y="1060190"/>
+            <a:ext cx="2896428" cy="776048"/>
+          </a:xfrm>
+          <a:prstGeom prst="rect">
+            <a:avLst/>
+          </a:prstGeom>
+          <a:solidFill>
+            <a:srgbClr val="F15B69"/>
+          </a:solidFill>
+        </p:spPr>
+        <p:style>
+          <a:lnRef idx="2">
+            <a:schemeClr val="accent1">
+              <a:shade val="15000"/>
+            </a:schemeClr>
+          </a:lnRef>
+          <a:fillRef idx="1">
+            <a:schemeClr val="accent1"/>
+          </a:fillRef>
+          <a:effectRef idx="0">
+            <a:schemeClr val="accent1"/>
+          </a:effectRef>
+          <a:fontRef idx="minor">
+            <a:schemeClr val="lt1"/>
+          </a:fontRef>
+        </p:style>
+        <p:txBody>
+          <a:bodyPr rtlCol="0" anchor="ctr"/>
+          <a:lstStyle/>
+          <a:p>
+            <a:pPr algn="ctr"/>
+            <a:r>
+              <a:rPr lang="en-GB" dirty="0">
+                <a:solidFill>
+                  <a:schemeClr val="tx1"/>
+                </a:solidFill>
+              </a:rPr>
+              <a:t>ADVANCED!!!</a:t>
+            </a:r>
+          </a:p>
+          <a:p>
+            <a:pPr algn="ctr"/>
+            <a:r>
+              <a:rPr lang="en-GB" dirty="0">
+                <a:solidFill>
+                  <a:schemeClr val="tx1"/>
+                </a:solidFill>
+              </a:rPr>
+              <a:t>Full SQW object operation</a:t>
+            </a:r>
+          </a:p>
+        </p:txBody>
+      </p:sp>
+      <p:sp>
+        <p:nvSpPr>
+          <p:cNvPr id="8" name="TextBox 7">
+            <a:extLst>
+              <a:ext uri="{FF2B5EF4-FFF2-40B4-BE49-F238E27FC236}">
+                <a16:creationId xmlns:a16="http://schemas.microsoft.com/office/drawing/2014/main" id="{74CE8B39-07D5-BDC8-050F-E19087484677}"/>
+              </a:ext>
+            </a:extLst>
+          </p:cNvPr>
+          <p:cNvSpPr txBox="1"/>
+          <p:nvPr/>
+        </p:nvSpPr>
+        <p:spPr>
+          <a:xfrm>
+            <a:off x="313596" y="1479560"/>
+            <a:ext cx="11047119" cy="2308324"/>
+          </a:xfrm>
+          <a:prstGeom prst="rect">
+            <a:avLst/>
+          </a:prstGeom>
+          <a:noFill/>
+        </p:spPr>
+        <p:txBody>
+          <a:bodyPr wrap="square">
+            <a:spAutoFit/>
+          </a:bodyPr>
+          <a:lstStyle/>
+          <a:p>
+            <a:r>
+              <a:rPr lang="en-GB" sz="1800" b="0" i="0" u="none" strike="noStrike" baseline="0" dirty="0">
+                <a:solidFill>
+                  <a:srgbClr val="0070C0"/>
+                </a:solidFill>
+                <a:latin typeface="Courier New" panose="02070309020205020404" pitchFamily="49" charset="0"/>
+                <a:cs typeface="Courier New" panose="02070309020205020404" pitchFamily="49" charset="0"/>
+              </a:rPr>
+              <a:t>w2_14</a:t>
+            </a:r>
+            <a:r>
+              <a:rPr lang="en-GB" sz="1800" b="0" i="0" u="none" strike="noStrike" baseline="0" dirty="0">
+                <a:solidFill>
+                  <a:schemeClr val="accent6">
+                    <a:lumMod val="50000"/>
+                  </a:schemeClr>
+                </a:solidFill>
+                <a:latin typeface="Courier New" panose="02070309020205020404" pitchFamily="49" charset="0"/>
+                <a:cs typeface="Courier New" panose="02070309020205020404" pitchFamily="49" charset="0"/>
+              </a:rPr>
+              <a:t> = </a:t>
+            </a:r>
+            <a:r>
+              <a:rPr lang="en-GB" sz="1800" b="0" i="0" u="none" strike="noStrike" baseline="0" dirty="0" err="1">
+                <a:solidFill>
+                  <a:schemeClr val="accent6">
+                    <a:lumMod val="50000"/>
+                  </a:schemeClr>
+                </a:solidFill>
+                <a:latin typeface="Courier New" panose="02070309020205020404" pitchFamily="49" charset="0"/>
+                <a:cs typeface="Courier New" panose="02070309020205020404" pitchFamily="49" charset="0"/>
+              </a:rPr>
+              <a:t>instrument_view_cut</a:t>
+            </a:r>
+            <a:r>
+              <a:rPr lang="en-GB" sz="1800" b="0" i="0" u="none" strike="noStrike" baseline="0" dirty="0">
+                <a:solidFill>
+                  <a:schemeClr val="accent6">
+                    <a:lumMod val="50000"/>
+                  </a:schemeClr>
+                </a:solidFill>
+                <a:latin typeface="Courier New" panose="02070309020205020404" pitchFamily="49" charset="0"/>
+                <a:cs typeface="Courier New" panose="02070309020205020404" pitchFamily="49" charset="0"/>
+              </a:rPr>
+              <a:t>(</a:t>
+            </a:r>
+            <a:r>
+              <a:rPr lang="en-GB" sz="1800" b="0" i="0" u="none" strike="noStrike" baseline="0" dirty="0" err="1">
+                <a:solidFill>
+                  <a:schemeClr val="accent2">
+                    <a:lumMod val="50000"/>
+                  </a:schemeClr>
+                </a:solidFill>
+                <a:latin typeface="Courier New" panose="02070309020205020404" pitchFamily="49" charset="0"/>
+                <a:cs typeface="Courier New" panose="02070309020205020404" pitchFamily="49" charset="0"/>
+              </a:rPr>
+              <a:t>sqw_file_or_obj</a:t>
+            </a:r>
+            <a:r>
+              <a:rPr lang="en-GB" sz="1800" b="0" i="0" u="none" strike="noStrike" baseline="0" dirty="0">
+                <a:solidFill>
+                  <a:srgbClr val="0070C0"/>
+                </a:solidFill>
+                <a:latin typeface="Courier New" panose="02070309020205020404" pitchFamily="49" charset="0"/>
+                <a:cs typeface="Courier New" panose="02070309020205020404" pitchFamily="49" charset="0"/>
+              </a:rPr>
+              <a:t>,[0,0.2,70],4</a:t>
+            </a:r>
+            <a:r>
+              <a:rPr lang="en-GB" sz="1800" b="0" i="0" u="none" strike="noStrike" baseline="0" dirty="0">
+                <a:solidFill>
+                  <a:schemeClr val="accent6">
+                    <a:lumMod val="50000"/>
+                  </a:schemeClr>
+                </a:solidFill>
+                <a:latin typeface="Courier New" panose="02070309020205020404" pitchFamily="49" charset="0"/>
+                <a:cs typeface="Courier New" panose="02070309020205020404" pitchFamily="49" charset="0"/>
+              </a:rPr>
+              <a:t>);</a:t>
+            </a:r>
+          </a:p>
+          <a:p>
+            <a:r>
+              <a:rPr lang="en-GB" sz="1800" b="0" i="0" u="none" strike="noStrike" baseline="0" dirty="0">
+                <a:solidFill>
+                  <a:schemeClr val="accent6">
+                    <a:lumMod val="50000"/>
+                  </a:schemeClr>
+                </a:solidFill>
+                <a:latin typeface="Courier New" panose="02070309020205020404" pitchFamily="49" charset="0"/>
+                <a:cs typeface="Courier New" panose="02070309020205020404" pitchFamily="49" charset="0"/>
+              </a:rPr>
+              <a:t>x1 = </a:t>
+            </a:r>
+            <a:r>
+              <a:rPr lang="en-GB" sz="1800" b="0" i="0" u="none" strike="noStrike" baseline="0" dirty="0">
+                <a:solidFill>
+                  <a:srgbClr val="0070C0"/>
+                </a:solidFill>
+                <a:latin typeface="Courier New" panose="02070309020205020404" pitchFamily="49" charset="0"/>
+                <a:cs typeface="Courier New" panose="02070309020205020404" pitchFamily="49" charset="0"/>
+              </a:rPr>
+              <a:t>w2_14</a:t>
+            </a:r>
+            <a:r>
+              <a:rPr lang="en-GB" sz="1800" b="0" i="0" u="none" strike="noStrike" baseline="0" dirty="0">
+                <a:solidFill>
+                  <a:schemeClr val="accent6">
+                    <a:lumMod val="50000"/>
+                  </a:schemeClr>
+                </a:solidFill>
+                <a:latin typeface="Courier New" panose="02070309020205020404" pitchFamily="49" charset="0"/>
+                <a:cs typeface="Courier New" panose="02070309020205020404" pitchFamily="49" charset="0"/>
+              </a:rPr>
+              <a:t>.p{1};</a:t>
+            </a:r>
+          </a:p>
+          <a:p>
+            <a:r>
+              <a:rPr lang="en-GB" sz="1800" b="0" i="0" u="none" strike="noStrike" baseline="0" dirty="0">
+                <a:solidFill>
+                  <a:schemeClr val="accent6">
+                    <a:lumMod val="50000"/>
+                  </a:schemeClr>
+                </a:solidFill>
+                <a:latin typeface="Courier New" panose="02070309020205020404" pitchFamily="49" charset="0"/>
+                <a:cs typeface="Courier New" panose="02070309020205020404" pitchFamily="49" charset="0"/>
+              </a:rPr>
+              <a:t>x2 = </a:t>
+            </a:r>
+            <a:r>
+              <a:rPr lang="en-GB" sz="1800" b="0" i="0" u="none" strike="noStrike" baseline="0" dirty="0">
+                <a:solidFill>
+                  <a:srgbClr val="0070C0"/>
+                </a:solidFill>
+                <a:latin typeface="Courier New" panose="02070309020205020404" pitchFamily="49" charset="0"/>
+                <a:cs typeface="Courier New" panose="02070309020205020404" pitchFamily="49" charset="0"/>
+              </a:rPr>
+              <a:t>w2_14</a:t>
+            </a:r>
+            <a:r>
+              <a:rPr lang="en-GB" sz="1800" b="0" i="0" u="none" strike="noStrike" baseline="0" dirty="0">
+                <a:solidFill>
+                  <a:schemeClr val="accent6">
+                    <a:lumMod val="50000"/>
+                  </a:schemeClr>
+                </a:solidFill>
+                <a:latin typeface="Courier New" panose="02070309020205020404" pitchFamily="49" charset="0"/>
+                <a:cs typeface="Courier New" panose="02070309020205020404" pitchFamily="49" charset="0"/>
+              </a:rPr>
+              <a:t>.p{2};</a:t>
+            </a:r>
+          </a:p>
+          <a:p>
+            <a:endParaRPr lang="en-GB" sz="1800" b="0" i="0" u="none" strike="noStrike" baseline="0" dirty="0">
+              <a:solidFill>
+                <a:schemeClr val="accent6">
+                  <a:lumMod val="50000"/>
+                </a:schemeClr>
+              </a:solidFill>
+              <a:latin typeface="Courier New" panose="02070309020205020404" pitchFamily="49" charset="0"/>
+              <a:cs typeface="Courier New" panose="02070309020205020404" pitchFamily="49" charset="0"/>
+            </a:endParaRPr>
+          </a:p>
+          <a:p>
+            <a:r>
+              <a:rPr lang="en-GB" sz="1800" b="0" i="0" u="none" strike="noStrike" baseline="0" dirty="0">
+                <a:solidFill>
+                  <a:srgbClr val="0070C0"/>
+                </a:solidFill>
+                <a:latin typeface="Courier New" panose="02070309020205020404" pitchFamily="49" charset="0"/>
+                <a:cs typeface="Courier New" panose="02070309020205020404" pitchFamily="49" charset="0"/>
+              </a:rPr>
+              <a:t>F </a:t>
+            </a:r>
+            <a:r>
+              <a:rPr lang="en-GB" sz="1800" b="0" i="0" u="none" strike="noStrike" baseline="0" dirty="0">
+                <a:solidFill>
+                  <a:schemeClr val="accent6">
+                    <a:lumMod val="50000"/>
+                  </a:schemeClr>
+                </a:solidFill>
+                <a:latin typeface="Courier New" panose="02070309020205020404" pitchFamily="49" charset="0"/>
+                <a:cs typeface="Courier New" panose="02070309020205020404" pitchFamily="49" charset="0"/>
+              </a:rPr>
+              <a:t>= </a:t>
+            </a:r>
+            <a:r>
+              <a:rPr lang="en-GB" sz="1800" b="0" i="0" u="none" strike="noStrike" baseline="0" dirty="0" err="1">
+                <a:solidFill>
+                  <a:schemeClr val="accent6">
+                    <a:lumMod val="50000"/>
+                  </a:schemeClr>
+                </a:solidFill>
+                <a:latin typeface="Courier New" panose="02070309020205020404" pitchFamily="49" charset="0"/>
+                <a:cs typeface="Courier New" panose="02070309020205020404" pitchFamily="49" charset="0"/>
+              </a:rPr>
+              <a:t>griddedInterpolant</a:t>
+            </a:r>
+            <a:r>
+              <a:rPr lang="en-GB" sz="1800" b="0" i="0" u="none" strike="noStrike" baseline="0" dirty="0">
+                <a:solidFill>
+                  <a:schemeClr val="accent6">
+                    <a:lumMod val="50000"/>
+                  </a:schemeClr>
+                </a:solidFill>
+                <a:latin typeface="Courier New" panose="02070309020205020404" pitchFamily="49" charset="0"/>
+                <a:cs typeface="Courier New" panose="02070309020205020404" pitchFamily="49" charset="0"/>
+              </a:rPr>
+              <a:t>({x1,x2},w2_14.s);</a:t>
+            </a:r>
+          </a:p>
+          <a:p>
+            <a:r>
+              <a:rPr lang="en-GB" sz="1800" b="0" i="0" u="none" strike="noStrike" baseline="0" dirty="0">
+                <a:solidFill>
+                  <a:schemeClr val="accent6">
+                    <a:lumMod val="50000"/>
+                  </a:schemeClr>
+                </a:solidFill>
+                <a:latin typeface="Courier New" panose="02070309020205020404" pitchFamily="49" charset="0"/>
+                <a:cs typeface="Courier New" panose="02070309020205020404" pitchFamily="49" charset="0"/>
+              </a:rPr>
+              <a:t>sqw1400_no_bg = </a:t>
+            </a:r>
+            <a:r>
+              <a:rPr lang="en-GB" sz="1800" b="1" i="0" u="none" strike="noStrike" baseline="0" dirty="0" err="1">
+                <a:solidFill>
+                  <a:schemeClr val="accent6">
+                    <a:lumMod val="50000"/>
+                  </a:schemeClr>
+                </a:solidFill>
+                <a:latin typeface="Courier New" panose="02070309020205020404" pitchFamily="49" charset="0"/>
+                <a:cs typeface="Courier New" panose="02070309020205020404" pitchFamily="49" charset="0"/>
+              </a:rPr>
+              <a:t>sqw_op</a:t>
+            </a:r>
+            <a:r>
+              <a:rPr lang="en-GB" sz="1800" b="1" i="0" u="none" strike="noStrike" baseline="0" dirty="0">
+                <a:solidFill>
+                  <a:schemeClr val="accent6">
+                    <a:lumMod val="50000"/>
+                  </a:schemeClr>
+                </a:solidFill>
+                <a:latin typeface="Courier New" panose="02070309020205020404" pitchFamily="49" charset="0"/>
+                <a:cs typeface="Courier New" panose="02070309020205020404" pitchFamily="49" charset="0"/>
+              </a:rPr>
+              <a:t>(</a:t>
+            </a:r>
+            <a:r>
+              <a:rPr lang="en-GB" sz="1800" b="1" i="0" u="none" strike="noStrike" baseline="0" dirty="0">
+                <a:solidFill>
+                  <a:schemeClr val="accent2">
+                    <a:lumMod val="50000"/>
+                  </a:schemeClr>
+                </a:solidFill>
+                <a:latin typeface="Courier New" panose="02070309020205020404" pitchFamily="49" charset="0"/>
+                <a:cs typeface="Courier New" panose="02070309020205020404" pitchFamily="49" charset="0"/>
+              </a:rPr>
+              <a:t>sqw_file_or_</a:t>
+            </a:r>
+            <a:r>
+              <a:rPr lang="en-GB" sz="1800" b="1" i="0" u="none" strike="noStrike" baseline="0" dirty="0" err="1">
+                <a:solidFill>
+                  <a:schemeClr val="accent2">
+                    <a:lumMod val="50000"/>
+                  </a:schemeClr>
+                </a:solidFill>
+                <a:latin typeface="Courier New" panose="02070309020205020404" pitchFamily="49" charset="0"/>
+                <a:cs typeface="Courier New" panose="02070309020205020404" pitchFamily="49" charset="0"/>
+              </a:rPr>
+              <a:t>obj</a:t>
+            </a:r>
+            <a:r>
+              <a:rPr lang="en-GB" sz="1800" b="1" i="0" u="none" strike="noStrike" baseline="0" dirty="0">
+                <a:solidFill>
+                  <a:schemeClr val="accent6">
+                    <a:lumMod val="50000"/>
+                  </a:schemeClr>
+                </a:solidFill>
+                <a:latin typeface="Courier New" panose="02070309020205020404" pitchFamily="49" charset="0"/>
+                <a:cs typeface="Courier New" panose="02070309020205020404" pitchFamily="49" charset="0"/>
+              </a:rPr>
+              <a:t>,@remove_background,{</a:t>
+            </a:r>
+            <a:r>
+              <a:rPr lang="en-GB" sz="1800" b="1" i="0" u="none" strike="noStrike" baseline="0" dirty="0">
+                <a:solidFill>
+                  <a:srgbClr val="0070C0"/>
+                </a:solidFill>
+                <a:latin typeface="Courier New" panose="02070309020205020404" pitchFamily="49" charset="0"/>
+                <a:cs typeface="Courier New" panose="02070309020205020404" pitchFamily="49" charset="0"/>
+              </a:rPr>
+              <a:t>w2_14,F</a:t>
+            </a:r>
+            <a:r>
+              <a:rPr lang="en-GB" sz="1800" b="1" i="0" u="none" strike="noStrike" baseline="0" dirty="0">
+                <a:solidFill>
+                  <a:schemeClr val="accent6">
+                    <a:lumMod val="50000"/>
+                  </a:schemeClr>
+                </a:solidFill>
+                <a:latin typeface="Courier New" panose="02070309020205020404" pitchFamily="49" charset="0"/>
+                <a:cs typeface="Courier New" panose="02070309020205020404" pitchFamily="49" charset="0"/>
+              </a:rPr>
+              <a:t>},'</a:t>
+            </a:r>
+            <a:r>
+              <a:rPr lang="en-GB" sz="1800" b="1" i="0" u="none" strike="noStrike" baseline="0" dirty="0" err="1">
+                <a:solidFill>
+                  <a:schemeClr val="accent6">
+                    <a:lumMod val="50000"/>
+                  </a:schemeClr>
+                </a:solidFill>
+                <a:latin typeface="Courier New" panose="02070309020205020404" pitchFamily="49" charset="0"/>
+                <a:cs typeface="Courier New" panose="02070309020205020404" pitchFamily="49" charset="0"/>
+              </a:rPr>
+              <a:t>outfile</a:t>
+            </a:r>
+            <a:r>
+              <a:rPr lang="en-GB" sz="1800" b="1" i="0" u="none" strike="noStrike" baseline="0" dirty="0">
+                <a:solidFill>
+                  <a:schemeClr val="accent6">
+                    <a:lumMod val="50000"/>
+                  </a:schemeClr>
+                </a:solidFill>
+                <a:latin typeface="Courier New" panose="02070309020205020404" pitchFamily="49" charset="0"/>
+                <a:cs typeface="Courier New" panose="02070309020205020404" pitchFamily="49" charset="0"/>
+              </a:rPr>
+              <a:t>',</a:t>
+            </a:r>
+            <a:r>
+              <a:rPr lang="en-GB" sz="1800" b="1" i="0" u="none" strike="noStrike" baseline="0" dirty="0" err="1">
+                <a:solidFill>
+                  <a:schemeClr val="accent2">
+                    <a:lumMod val="50000"/>
+                  </a:schemeClr>
+                </a:solidFill>
+                <a:latin typeface="Courier New" panose="02070309020205020404" pitchFamily="49" charset="0"/>
+                <a:cs typeface="Courier New" panose="02070309020205020404" pitchFamily="49" charset="0"/>
+              </a:rPr>
+              <a:t>target_filename</a:t>
+            </a:r>
+            <a:r>
+              <a:rPr lang="en-GB" sz="1800" b="1" i="0" u="none" strike="noStrike" baseline="0" dirty="0">
+                <a:solidFill>
+                  <a:schemeClr val="accent6">
+                    <a:lumMod val="50000"/>
+                  </a:schemeClr>
+                </a:solidFill>
+                <a:latin typeface="Courier New" panose="02070309020205020404" pitchFamily="49" charset="0"/>
+                <a:cs typeface="Courier New" panose="02070309020205020404" pitchFamily="49" charset="0"/>
+              </a:rPr>
+              <a:t>);</a:t>
+            </a:r>
+          </a:p>
+          <a:p>
+            <a:endParaRPr lang="en-GB" sz="1800" b="0" i="0" u="none" strike="noStrike" baseline="0" dirty="0">
+              <a:solidFill>
+                <a:srgbClr val="000000"/>
+              </a:solidFill>
+              <a:latin typeface="Consolas Courier"/>
+            </a:endParaRPr>
+          </a:p>
+        </p:txBody>
+      </p:sp>
+      <p:sp>
+        <p:nvSpPr>
+          <p:cNvPr id="11" name="TextBox 10">
+            <a:extLst>
+              <a:ext uri="{FF2B5EF4-FFF2-40B4-BE49-F238E27FC236}">
+                <a16:creationId xmlns:a16="http://schemas.microsoft.com/office/drawing/2014/main" id="{4D64DCD0-1B86-79D9-1CD0-AA0D3BB375B0}"/>
+              </a:ext>
+            </a:extLst>
+          </p:cNvPr>
+          <p:cNvSpPr txBox="1"/>
+          <p:nvPr/>
+        </p:nvSpPr>
+        <p:spPr>
+          <a:xfrm>
+            <a:off x="313596" y="3718334"/>
+            <a:ext cx="11118797" cy="3139321"/>
+          </a:xfrm>
+          <a:prstGeom prst="rect">
+            <a:avLst/>
+          </a:prstGeom>
+          <a:noFill/>
+        </p:spPr>
+        <p:txBody>
+          <a:bodyPr wrap="square">
+            <a:spAutoFit/>
+          </a:bodyPr>
+          <a:lstStyle/>
+          <a:p>
+            <a:r>
+              <a:rPr lang="en-GB" dirty="0">
+                <a:solidFill>
+                  <a:schemeClr val="tx2">
+                    <a:lumMod val="75000"/>
+                    <a:lumOff val="25000"/>
+                  </a:schemeClr>
+                </a:solidFill>
+                <a:latin typeface="Courier New" panose="02070309020205020404" pitchFamily="49" charset="0"/>
+                <a:cs typeface="Courier New" panose="02070309020205020404" pitchFamily="49" charset="0"/>
+              </a:rPr>
+              <a:t>function</a:t>
+            </a:r>
+            <a:r>
+              <a:rPr lang="en-GB" dirty="0">
+                <a:latin typeface="Courier New" panose="02070309020205020404" pitchFamily="49" charset="0"/>
+                <a:cs typeface="Courier New" panose="02070309020205020404" pitchFamily="49" charset="0"/>
+              </a:rPr>
+              <a:t> </a:t>
+            </a:r>
+            <a:r>
+              <a:rPr lang="en-GB" dirty="0" err="1">
+                <a:latin typeface="Courier New" panose="02070309020205020404" pitchFamily="49" charset="0"/>
+                <a:cs typeface="Courier New" panose="02070309020205020404" pitchFamily="49" charset="0"/>
+              </a:rPr>
+              <a:t>sig_var</a:t>
+            </a:r>
+            <a:r>
+              <a:rPr lang="en-GB" dirty="0">
+                <a:latin typeface="Courier New" panose="02070309020205020404" pitchFamily="49" charset="0"/>
+                <a:cs typeface="Courier New" panose="02070309020205020404" pitchFamily="49" charset="0"/>
+              </a:rPr>
+              <a:t> = </a:t>
+            </a:r>
+            <a:r>
+              <a:rPr lang="en-GB" b="1" dirty="0" err="1">
+                <a:solidFill>
+                  <a:schemeClr val="accent6">
+                    <a:lumMod val="50000"/>
+                  </a:schemeClr>
+                </a:solidFill>
+                <a:latin typeface="Courier New" panose="02070309020205020404" pitchFamily="49" charset="0"/>
+                <a:cs typeface="Courier New" panose="02070309020205020404" pitchFamily="49" charset="0"/>
+              </a:rPr>
+              <a:t>remove_background</a:t>
+            </a:r>
+            <a:r>
+              <a:rPr lang="en-GB" dirty="0">
+                <a:latin typeface="Courier New" panose="02070309020205020404" pitchFamily="49" charset="0"/>
+                <a:cs typeface="Courier New" panose="02070309020205020404" pitchFamily="49" charset="0"/>
+              </a:rPr>
+              <a:t>(</a:t>
+            </a:r>
+            <a:r>
+              <a:rPr lang="en-GB" b="1" dirty="0" err="1">
+                <a:latin typeface="Courier New" panose="02070309020205020404" pitchFamily="49" charset="0"/>
+                <a:cs typeface="Courier New" panose="02070309020205020404" pitchFamily="49" charset="0"/>
+              </a:rPr>
+              <a:t>pageop_obj</a:t>
+            </a:r>
+            <a:r>
+              <a:rPr lang="en-GB" dirty="0" err="1">
+                <a:latin typeface="Courier New" panose="02070309020205020404" pitchFamily="49" charset="0"/>
+                <a:cs typeface="Courier New" panose="02070309020205020404" pitchFamily="49" charset="0"/>
+              </a:rPr>
+              <a:t>,bg_data,bg_model,rlu</a:t>
+            </a:r>
+            <a:r>
+              <a:rPr lang="en-GB" dirty="0">
+                <a:latin typeface="Courier New" panose="02070309020205020404" pitchFamily="49" charset="0"/>
+                <a:cs typeface="Courier New" panose="02070309020205020404" pitchFamily="49" charset="0"/>
+              </a:rPr>
+              <a:t>)</a:t>
+            </a:r>
+          </a:p>
+          <a:p>
+            <a:r>
+              <a:rPr lang="en-GB" dirty="0">
+                <a:solidFill>
+                  <a:srgbClr val="00B050"/>
+                </a:solidFill>
+                <a:latin typeface="Courier New" panose="02070309020205020404" pitchFamily="49" charset="0"/>
+                <a:cs typeface="Courier New" panose="02070309020205020404" pitchFamily="49" charset="0"/>
+              </a:rPr>
+              <a:t>% retrieve page of pixel data in Crystal Cartesian coordinate system</a:t>
+            </a:r>
+          </a:p>
+          <a:p>
+            <a:r>
+              <a:rPr lang="en-GB" dirty="0">
+                <a:latin typeface="Courier New" panose="02070309020205020404" pitchFamily="49" charset="0"/>
+                <a:cs typeface="Courier New" panose="02070309020205020404" pitchFamily="49" charset="0"/>
+              </a:rPr>
+              <a:t>data  = </a:t>
+            </a:r>
+            <a:r>
+              <a:rPr lang="en-GB" b="1" dirty="0" err="1">
+                <a:latin typeface="Courier New" panose="02070309020205020404" pitchFamily="49" charset="0"/>
+                <a:cs typeface="Courier New" panose="02070309020205020404" pitchFamily="49" charset="0"/>
+              </a:rPr>
+              <a:t>pageop_obj</a:t>
+            </a:r>
+            <a:r>
+              <a:rPr lang="en-GB" dirty="0" err="1">
+                <a:latin typeface="Courier New" panose="02070309020205020404" pitchFamily="49" charset="0"/>
+                <a:cs typeface="Courier New" panose="02070309020205020404" pitchFamily="49" charset="0"/>
+              </a:rPr>
+              <a:t>.page_data</a:t>
+            </a:r>
+            <a:r>
+              <a:rPr lang="en-GB" dirty="0">
+                <a:latin typeface="Courier New" panose="02070309020205020404" pitchFamily="49" charset="0"/>
+                <a:cs typeface="Courier New" panose="02070309020205020404" pitchFamily="49" charset="0"/>
+              </a:rPr>
+              <a:t>;</a:t>
+            </a:r>
+          </a:p>
+          <a:p>
+            <a:endParaRPr lang="en-GB" dirty="0">
+              <a:latin typeface="Courier New" panose="02070309020205020404" pitchFamily="49" charset="0"/>
+              <a:cs typeface="Courier New" panose="02070309020205020404" pitchFamily="49" charset="0"/>
+            </a:endParaRPr>
+          </a:p>
+          <a:p>
+            <a:r>
+              <a:rPr lang="en-GB" dirty="0">
+                <a:solidFill>
+                  <a:srgbClr val="00B050"/>
+                </a:solidFill>
+                <a:latin typeface="Courier New" panose="02070309020205020404" pitchFamily="49" charset="0"/>
+                <a:cs typeface="Courier New" panose="02070309020205020404" pitchFamily="49" charset="0"/>
+              </a:rPr>
+              <a:t>% 2D background</a:t>
+            </a:r>
+          </a:p>
+          <a:p>
+            <a:r>
+              <a:rPr lang="en-GB" dirty="0" err="1">
+                <a:latin typeface="Courier New" panose="02070309020205020404" pitchFamily="49" charset="0"/>
+                <a:cs typeface="Courier New" panose="02070309020205020404" pitchFamily="49" charset="0"/>
+              </a:rPr>
+              <a:t>pix</a:t>
+            </a:r>
+            <a:r>
+              <a:rPr lang="en-GB" dirty="0">
+                <a:latin typeface="Courier New" panose="02070309020205020404" pitchFamily="49" charset="0"/>
+                <a:cs typeface="Courier New" panose="02070309020205020404" pitchFamily="49" charset="0"/>
+              </a:rPr>
+              <a:t>   = </a:t>
+            </a:r>
+            <a:r>
+              <a:rPr lang="en-GB" dirty="0" err="1">
+                <a:latin typeface="Courier New" panose="02070309020205020404" pitchFamily="49" charset="0"/>
+                <a:cs typeface="Courier New" panose="02070309020205020404" pitchFamily="49" charset="0"/>
+              </a:rPr>
+              <a:t>bg_data.proj.transform_pix_to_img</a:t>
+            </a:r>
+            <a:r>
+              <a:rPr lang="en-GB" dirty="0">
+                <a:latin typeface="Courier New" panose="02070309020205020404" pitchFamily="49" charset="0"/>
+                <a:cs typeface="Courier New" panose="02070309020205020404" pitchFamily="49" charset="0"/>
+              </a:rPr>
+              <a:t>(data(1:5,:));</a:t>
+            </a:r>
+          </a:p>
+          <a:p>
+            <a:r>
+              <a:rPr lang="en-GB" dirty="0" err="1">
+                <a:latin typeface="Courier New" panose="02070309020205020404" pitchFamily="49" charset="0"/>
+                <a:cs typeface="Courier New" panose="02070309020205020404" pitchFamily="49" charset="0"/>
+              </a:rPr>
+              <a:t>bg_signal</a:t>
+            </a:r>
+            <a:r>
+              <a:rPr lang="en-GB" dirty="0">
+                <a:latin typeface="Courier New" panose="02070309020205020404" pitchFamily="49" charset="0"/>
+                <a:cs typeface="Courier New" panose="02070309020205020404" pitchFamily="49" charset="0"/>
+              </a:rPr>
+              <a:t> = </a:t>
+            </a:r>
+            <a:r>
+              <a:rPr lang="en-GB" dirty="0" err="1">
+                <a:latin typeface="Courier New" panose="02070309020205020404" pitchFamily="49" charset="0"/>
+                <a:cs typeface="Courier New" panose="02070309020205020404" pitchFamily="49" charset="0"/>
+              </a:rPr>
+              <a:t>bg_model</a:t>
+            </a:r>
+            <a:r>
+              <a:rPr lang="en-GB" dirty="0">
+                <a:latin typeface="Courier New" panose="02070309020205020404" pitchFamily="49" charset="0"/>
+                <a:cs typeface="Courier New" panose="02070309020205020404" pitchFamily="49" charset="0"/>
+              </a:rPr>
+              <a:t>(</a:t>
+            </a:r>
+            <a:r>
+              <a:rPr lang="en-GB" dirty="0" err="1">
+                <a:latin typeface="Courier New" panose="02070309020205020404" pitchFamily="49" charset="0"/>
+                <a:cs typeface="Courier New" panose="02070309020205020404" pitchFamily="49" charset="0"/>
+              </a:rPr>
+              <a:t>pix</a:t>
+            </a:r>
+            <a:r>
+              <a:rPr lang="en-GB" dirty="0">
+                <a:latin typeface="Courier New" panose="02070309020205020404" pitchFamily="49" charset="0"/>
+                <a:cs typeface="Courier New" panose="02070309020205020404" pitchFamily="49" charset="0"/>
+              </a:rPr>
+              <a:t>(2,:),data(4,:));</a:t>
+            </a:r>
+          </a:p>
+          <a:p>
+            <a:r>
+              <a:rPr lang="en-GB" dirty="0" err="1">
+                <a:latin typeface="Courier New" panose="02070309020205020404" pitchFamily="49" charset="0"/>
+                <a:cs typeface="Courier New" panose="02070309020205020404" pitchFamily="49" charset="0"/>
+              </a:rPr>
+              <a:t>sig_var</a:t>
+            </a:r>
+            <a:r>
+              <a:rPr lang="en-GB" dirty="0">
+                <a:latin typeface="Courier New" panose="02070309020205020404" pitchFamily="49" charset="0"/>
+                <a:cs typeface="Courier New" panose="02070309020205020404" pitchFamily="49" charset="0"/>
+              </a:rPr>
+              <a:t> = data([8,9],:);</a:t>
+            </a:r>
+          </a:p>
+          <a:p>
+            <a:r>
+              <a:rPr lang="en-GB" dirty="0" err="1">
+                <a:latin typeface="Courier New" panose="02070309020205020404" pitchFamily="49" charset="0"/>
+                <a:cs typeface="Courier New" panose="02070309020205020404" pitchFamily="49" charset="0"/>
+              </a:rPr>
+              <a:t>sig_var</a:t>
+            </a:r>
+            <a:r>
+              <a:rPr lang="en-GB" dirty="0">
+                <a:latin typeface="Courier New" panose="02070309020205020404" pitchFamily="49" charset="0"/>
+                <a:cs typeface="Courier New" panose="02070309020205020404" pitchFamily="49" charset="0"/>
+              </a:rPr>
+              <a:t>(1,:) = data(8,:)-</a:t>
+            </a:r>
+            <a:r>
+              <a:rPr lang="en-GB" dirty="0" err="1">
+                <a:latin typeface="Courier New" panose="02070309020205020404" pitchFamily="49" charset="0"/>
+                <a:cs typeface="Courier New" panose="02070309020205020404" pitchFamily="49" charset="0"/>
+              </a:rPr>
+              <a:t>bg_signal</a:t>
+            </a:r>
+            <a:r>
+              <a:rPr lang="en-GB" dirty="0">
+                <a:latin typeface="Courier New" panose="02070309020205020404" pitchFamily="49" charset="0"/>
+                <a:cs typeface="Courier New" panose="02070309020205020404" pitchFamily="49" charset="0"/>
+              </a:rPr>
+              <a:t>;</a:t>
+            </a:r>
+          </a:p>
+          <a:p>
+            <a:r>
+              <a:rPr lang="en-GB" dirty="0" err="1">
+                <a:latin typeface="Courier New" panose="02070309020205020404" pitchFamily="49" charset="0"/>
+                <a:cs typeface="Courier New" panose="02070309020205020404" pitchFamily="49" charset="0"/>
+              </a:rPr>
+              <a:t>over_compensated</a:t>
+            </a:r>
+            <a:r>
+              <a:rPr lang="en-GB" dirty="0">
+                <a:latin typeface="Courier New" panose="02070309020205020404" pitchFamily="49" charset="0"/>
+                <a:cs typeface="Courier New" panose="02070309020205020404" pitchFamily="49" charset="0"/>
+              </a:rPr>
+              <a:t> = </a:t>
+            </a:r>
+            <a:r>
+              <a:rPr lang="en-GB" dirty="0" err="1">
+                <a:latin typeface="Courier New" panose="02070309020205020404" pitchFamily="49" charset="0"/>
+                <a:cs typeface="Courier New" panose="02070309020205020404" pitchFamily="49" charset="0"/>
+              </a:rPr>
+              <a:t>sig_var</a:t>
+            </a:r>
+            <a:r>
+              <a:rPr lang="en-GB" dirty="0">
+                <a:latin typeface="Courier New" panose="02070309020205020404" pitchFamily="49" charset="0"/>
+                <a:cs typeface="Courier New" panose="02070309020205020404" pitchFamily="49" charset="0"/>
+              </a:rPr>
+              <a:t>(1,:)&lt;0;</a:t>
+            </a:r>
+          </a:p>
+          <a:p>
+            <a:r>
+              <a:rPr lang="en-GB" dirty="0" err="1">
+                <a:latin typeface="Courier New" panose="02070309020205020404" pitchFamily="49" charset="0"/>
+                <a:cs typeface="Courier New" panose="02070309020205020404" pitchFamily="49" charset="0"/>
+              </a:rPr>
+              <a:t>sig_var</a:t>
+            </a:r>
+            <a:r>
+              <a:rPr lang="en-GB" dirty="0">
+                <a:latin typeface="Courier New" panose="02070309020205020404" pitchFamily="49" charset="0"/>
+                <a:cs typeface="Courier New" panose="02070309020205020404" pitchFamily="49" charset="0"/>
+              </a:rPr>
+              <a:t>(2,over_compensated) = 0;</a:t>
+            </a:r>
+          </a:p>
+        </p:txBody>
+      </p:sp>
+      <p:sp>
+        <p:nvSpPr>
+          <p:cNvPr id="23" name="Rectangle 22">
+            <a:extLst>
+              <a:ext uri="{FF2B5EF4-FFF2-40B4-BE49-F238E27FC236}">
+                <a16:creationId xmlns:a16="http://schemas.microsoft.com/office/drawing/2014/main" id="{1BD873C4-F457-D3BF-8CC0-5E4BD0C79B0E}"/>
+              </a:ext>
+            </a:extLst>
+          </p:cNvPr>
+          <p:cNvSpPr/>
+          <p:nvPr/>
+        </p:nvSpPr>
+        <p:spPr>
+          <a:xfrm>
+            <a:off x="368834" y="2896429"/>
+            <a:ext cx="10880591" cy="571076"/>
+          </a:xfrm>
+          <a:prstGeom prst="rect">
+            <a:avLst/>
+          </a:prstGeom>
+          <a:noFill/>
+          <a:ln>
+            <a:solidFill>
+              <a:schemeClr val="accent5"/>
+            </a:solidFill>
+          </a:ln>
+        </p:spPr>
+        <p:style>
+          <a:lnRef idx="2">
+            <a:schemeClr val="accent1">
+              <a:shade val="15000"/>
+            </a:schemeClr>
+          </a:lnRef>
+          <a:fillRef idx="1">
+            <a:schemeClr val="accent1"/>
+          </a:fillRef>
+          <a:effectRef idx="0">
+            <a:schemeClr val="accent1"/>
+          </a:effectRef>
+          <a:fontRef idx="minor">
+            <a:schemeClr val="lt1"/>
+          </a:fontRef>
+        </p:style>
+        <p:txBody>
+          <a:bodyPr rtlCol="0" anchor="ctr"/>
+          <a:lstStyle/>
+          <a:p>
+            <a:pPr algn="ctr"/>
+            <a:endParaRPr lang="en-GB"/>
           </a:p>
         </p:txBody>
       </p:sp>
     </p:spTree>
     <p:extLst>
       <p:ext uri="{BB962C8B-B14F-4D97-AF65-F5344CB8AC3E}">
-        <p14:creationId xmlns:p14="http://schemas.microsoft.com/office/powerpoint/2010/main" val="171458788"/>
+        <p14:creationId xmlns:p14="http://schemas.microsoft.com/office/powerpoint/2010/main" val="2530064385"/>
+      </p:ext>
+    </p:extLst>
+  </p:cSld>
+  <p:clrMapOvr>
+    <a:masterClrMapping/>
+  </p:clrMapOvr>
+</p:sld>
+</file>
+
+<file path=ppt/slides/slide7.xml><?xml version="1.0" encoding="utf-8"?>
+<p:sld xmlns:a="http://schemas.openxmlformats.org/drawingml/2006/main" xmlns:r="http://schemas.openxmlformats.org/officeDocument/2006/relationships" xmlns:p="http://schemas.openxmlformats.org/presentationml/2006/main">
+  <p:cSld>
+    <p:spTree>
+      <p:nvGrpSpPr>
+        <p:cNvPr id="1" name="">
+          <a:extLst>
+            <a:ext uri="{FF2B5EF4-FFF2-40B4-BE49-F238E27FC236}">
+              <a16:creationId xmlns:a16="http://schemas.microsoft.com/office/drawing/2014/main" id="{C81D88F1-AD23-506F-080A-218DA5B3866D}"/>
+            </a:ext>
+          </a:extLst>
+        </p:cNvPr>
+        <p:cNvGrpSpPr/>
+        <p:nvPr/>
+      </p:nvGrpSpPr>
+      <p:grpSpPr>
+        <a:xfrm>
+          <a:off x="0" y="0"/>
+          <a:ext cx="0" cy="0"/>
+          <a:chOff x="0" y="0"/>
+          <a:chExt cx="0" cy="0"/>
+        </a:xfrm>
+      </p:grpSpPr>
+      <p:sp>
+        <p:nvSpPr>
+          <p:cNvPr id="3" name="Subtitle 2">
+            <a:extLst>
+              <a:ext uri="{FF2B5EF4-FFF2-40B4-BE49-F238E27FC236}">
+                <a16:creationId xmlns:a16="http://schemas.microsoft.com/office/drawing/2014/main" id="{506DCE92-3E4E-2402-FCA2-DF30EC14AE2D}"/>
+              </a:ext>
+            </a:extLst>
+          </p:cNvPr>
+          <p:cNvSpPr>
+            <a:spLocks noGrp="1"/>
+          </p:cNvSpPr>
+          <p:nvPr>
+            <p:ph type="subTitle" idx="1"/>
+          </p:nvPr>
+        </p:nvSpPr>
+        <p:spPr>
+          <a:xfrm>
+            <a:off x="624874" y="119847"/>
+            <a:ext cx="10290313" cy="757927"/>
+          </a:xfrm>
+        </p:spPr>
+        <p:txBody>
+          <a:bodyPr>
+            <a:noAutofit/>
+          </a:bodyPr>
+          <a:lstStyle/>
+          <a:p>
+            <a:r>
+              <a:rPr lang="en-GB" sz="2800" dirty="0"/>
+              <a:t>Horace 4 issues from user experience and Horace 4.1 highlights</a:t>
+            </a:r>
+          </a:p>
+        </p:txBody>
+      </p:sp>
+      <p:sp>
+        <p:nvSpPr>
+          <p:cNvPr id="4" name="Subtitle 2">
+            <a:extLst>
+              <a:ext uri="{FF2B5EF4-FFF2-40B4-BE49-F238E27FC236}">
+                <a16:creationId xmlns:a16="http://schemas.microsoft.com/office/drawing/2014/main" id="{FC8032D5-0FD5-BDAF-6DF4-21B6D2207F97}"/>
+              </a:ext>
+            </a:extLst>
+          </p:cNvPr>
+          <p:cNvSpPr txBox="1">
+            <a:spLocks/>
+          </p:cNvSpPr>
+          <p:nvPr/>
+        </p:nvSpPr>
+        <p:spPr>
+          <a:xfrm>
+            <a:off x="313596" y="720904"/>
+            <a:ext cx="11427868" cy="516835"/>
+          </a:xfrm>
+          <a:prstGeom prst="rect">
+            <a:avLst/>
+          </a:prstGeom>
+        </p:spPr>
+        <p:txBody>
+          <a:bodyPr vert="horz" lIns="91440" tIns="45720" rIns="91440" bIns="45720" rtlCol="0">
+            <a:noAutofit/>
+          </a:bodyPr>
+          <a:lstStyle>
+            <a:lvl1pPr marL="0" indent="0" algn="ctr" defTabSz="914400" rtl="0" eaLnBrk="1" latinLnBrk="0" hangingPunct="1">
+              <a:lnSpc>
+                <a:spcPct val="90000"/>
+              </a:lnSpc>
+              <a:spcBef>
+                <a:spcPts val="1000"/>
+              </a:spcBef>
+              <a:buFont typeface="Arial" panose="020B0604020202020204" pitchFamily="34" charset="0"/>
+              <a:buNone/>
+              <a:defRPr sz="2400" kern="1200">
+                <a:solidFill>
+                  <a:schemeClr val="tx1"/>
+                </a:solidFill>
+                <a:latin typeface="+mn-lt"/>
+                <a:ea typeface="+mn-ea"/>
+                <a:cs typeface="+mn-cs"/>
+              </a:defRPr>
+            </a:lvl1pPr>
+            <a:lvl2pPr marL="457200" indent="0" algn="ctr" defTabSz="914400" rtl="0" eaLnBrk="1" latinLnBrk="0" hangingPunct="1">
+              <a:lnSpc>
+                <a:spcPct val="90000"/>
+              </a:lnSpc>
+              <a:spcBef>
+                <a:spcPts val="500"/>
+              </a:spcBef>
+              <a:buFont typeface="Arial" panose="020B0604020202020204" pitchFamily="34" charset="0"/>
+              <a:buNone/>
+              <a:defRPr sz="2000" kern="1200">
+                <a:solidFill>
+                  <a:schemeClr val="tx1"/>
+                </a:solidFill>
+                <a:latin typeface="+mn-lt"/>
+                <a:ea typeface="+mn-ea"/>
+                <a:cs typeface="+mn-cs"/>
+              </a:defRPr>
+            </a:lvl2pPr>
+            <a:lvl3pPr marL="914400" indent="0" algn="ctr" defTabSz="914400" rtl="0" eaLnBrk="1" latinLnBrk="0" hangingPunct="1">
+              <a:lnSpc>
+                <a:spcPct val="90000"/>
+              </a:lnSpc>
+              <a:spcBef>
+                <a:spcPts val="500"/>
+              </a:spcBef>
+              <a:buFont typeface="Arial" panose="020B0604020202020204" pitchFamily="34" charset="0"/>
+              <a:buNone/>
+              <a:defRPr sz="1800" kern="1200">
+                <a:solidFill>
+                  <a:schemeClr val="tx1"/>
+                </a:solidFill>
+                <a:latin typeface="+mn-lt"/>
+                <a:ea typeface="+mn-ea"/>
+                <a:cs typeface="+mn-cs"/>
+              </a:defRPr>
+            </a:lvl3pPr>
+            <a:lvl4pPr marL="1371600" indent="0" algn="ctr" defTabSz="914400" rtl="0" eaLnBrk="1" latinLnBrk="0" hangingPunct="1">
+              <a:lnSpc>
+                <a:spcPct val="90000"/>
+              </a:lnSpc>
+              <a:spcBef>
+                <a:spcPts val="500"/>
+              </a:spcBef>
+              <a:buFont typeface="Arial" panose="020B0604020202020204" pitchFamily="34" charset="0"/>
+              <a:buNone/>
+              <a:defRPr sz="1600" kern="1200">
+                <a:solidFill>
+                  <a:schemeClr val="tx1"/>
+                </a:solidFill>
+                <a:latin typeface="+mn-lt"/>
+                <a:ea typeface="+mn-ea"/>
+                <a:cs typeface="+mn-cs"/>
+              </a:defRPr>
+            </a:lvl4pPr>
+            <a:lvl5pPr marL="1828800" indent="0" algn="ctr" defTabSz="914400" rtl="0" eaLnBrk="1" latinLnBrk="0" hangingPunct="1">
+              <a:lnSpc>
+                <a:spcPct val="90000"/>
+              </a:lnSpc>
+              <a:spcBef>
+                <a:spcPts val="500"/>
+              </a:spcBef>
+              <a:buFont typeface="Arial" panose="020B0604020202020204" pitchFamily="34" charset="0"/>
+              <a:buNone/>
+              <a:defRPr sz="1600" kern="1200">
+                <a:solidFill>
+                  <a:schemeClr val="tx1"/>
+                </a:solidFill>
+                <a:latin typeface="+mn-lt"/>
+                <a:ea typeface="+mn-ea"/>
+                <a:cs typeface="+mn-cs"/>
+              </a:defRPr>
+            </a:lvl5pPr>
+            <a:lvl6pPr marL="2286000" indent="0" algn="ctr" defTabSz="914400" rtl="0" eaLnBrk="1" latinLnBrk="0" hangingPunct="1">
+              <a:lnSpc>
+                <a:spcPct val="90000"/>
+              </a:lnSpc>
+              <a:spcBef>
+                <a:spcPts val="500"/>
+              </a:spcBef>
+              <a:buFont typeface="Arial" panose="020B0604020202020204" pitchFamily="34" charset="0"/>
+              <a:buNone/>
+              <a:defRPr sz="1600" kern="1200">
+                <a:solidFill>
+                  <a:schemeClr val="tx1"/>
+                </a:solidFill>
+                <a:latin typeface="+mn-lt"/>
+                <a:ea typeface="+mn-ea"/>
+                <a:cs typeface="+mn-cs"/>
+              </a:defRPr>
+            </a:lvl6pPr>
+            <a:lvl7pPr marL="2743200" indent="0" algn="ctr" defTabSz="914400" rtl="0" eaLnBrk="1" latinLnBrk="0" hangingPunct="1">
+              <a:lnSpc>
+                <a:spcPct val="90000"/>
+              </a:lnSpc>
+              <a:spcBef>
+                <a:spcPts val="500"/>
+              </a:spcBef>
+              <a:buFont typeface="Arial" panose="020B0604020202020204" pitchFamily="34" charset="0"/>
+              <a:buNone/>
+              <a:defRPr sz="1600" kern="1200">
+                <a:solidFill>
+                  <a:schemeClr val="tx1"/>
+                </a:solidFill>
+                <a:latin typeface="+mn-lt"/>
+                <a:ea typeface="+mn-ea"/>
+                <a:cs typeface="+mn-cs"/>
+              </a:defRPr>
+            </a:lvl7pPr>
+            <a:lvl8pPr marL="3200400" indent="0" algn="ctr" defTabSz="914400" rtl="0" eaLnBrk="1" latinLnBrk="0" hangingPunct="1">
+              <a:lnSpc>
+                <a:spcPct val="90000"/>
+              </a:lnSpc>
+              <a:spcBef>
+                <a:spcPts val="500"/>
+              </a:spcBef>
+              <a:buFont typeface="Arial" panose="020B0604020202020204" pitchFamily="34" charset="0"/>
+              <a:buNone/>
+              <a:defRPr sz="1600" kern="1200">
+                <a:solidFill>
+                  <a:schemeClr val="tx1"/>
+                </a:solidFill>
+                <a:latin typeface="+mn-lt"/>
+                <a:ea typeface="+mn-ea"/>
+                <a:cs typeface="+mn-cs"/>
+              </a:defRPr>
+            </a:lvl8pPr>
+            <a:lvl9pPr marL="3657600" indent="0" algn="ctr" defTabSz="914400" rtl="0" eaLnBrk="1" latinLnBrk="0" hangingPunct="1">
+              <a:lnSpc>
+                <a:spcPct val="90000"/>
+              </a:lnSpc>
+              <a:spcBef>
+                <a:spcPts val="500"/>
+              </a:spcBef>
+              <a:buFont typeface="Arial" panose="020B0604020202020204" pitchFamily="34" charset="0"/>
+              <a:buNone/>
+              <a:defRPr sz="1600" kern="1200">
+                <a:solidFill>
+                  <a:schemeClr val="tx1"/>
+                </a:solidFill>
+                <a:latin typeface="+mn-lt"/>
+                <a:ea typeface="+mn-ea"/>
+                <a:cs typeface="+mn-cs"/>
+              </a:defRPr>
+            </a:lvl9pPr>
+          </a:lstStyle>
+          <a:p>
+            <a:pPr algn="l"/>
+            <a:r>
+              <a:rPr lang="en-GB" sz="2800" b="1" dirty="0" err="1">
+                <a:solidFill>
+                  <a:schemeClr val="accent6">
+                    <a:lumMod val="50000"/>
+                  </a:schemeClr>
+                </a:solidFill>
+                <a:latin typeface="Courier New" panose="02070309020205020404" pitchFamily="49" charset="0"/>
+                <a:cs typeface="Courier New" panose="02070309020205020404" pitchFamily="49" charset="0"/>
+              </a:rPr>
+              <a:t>sqw_op</a:t>
+            </a:r>
+            <a:r>
+              <a:rPr lang="en-GB" sz="2800" b="1" dirty="0">
+                <a:solidFill>
+                  <a:schemeClr val="accent6">
+                    <a:lumMod val="50000"/>
+                  </a:schemeClr>
+                </a:solidFill>
+                <a:latin typeface="Courier New" panose="02070309020205020404" pitchFamily="49" charset="0"/>
+                <a:cs typeface="Courier New" panose="02070309020205020404" pitchFamily="49" charset="0"/>
+              </a:rPr>
+              <a:t> :-&gt; </a:t>
+            </a:r>
+            <a:r>
+              <a:rPr lang="en-GB" sz="2800" b="1" dirty="0">
+                <a:cs typeface="Courier New" panose="02070309020205020404" pitchFamily="49" charset="0"/>
+              </a:rPr>
+              <a:t>gateway for unary &amp; binary operations overs sqw files</a:t>
+            </a:r>
+            <a:endParaRPr lang="en-GB" sz="2800" dirty="0">
+              <a:solidFill>
+                <a:schemeClr val="accent6">
+                  <a:lumMod val="50000"/>
+                </a:schemeClr>
+              </a:solidFill>
+              <a:latin typeface="Courier New" panose="02070309020205020404" pitchFamily="49" charset="0"/>
+              <a:cs typeface="Courier New" panose="02070309020205020404" pitchFamily="49" charset="0"/>
+            </a:endParaRPr>
+          </a:p>
+        </p:txBody>
+      </p:sp>
+      <p:sp>
+        <p:nvSpPr>
+          <p:cNvPr id="5" name="Rectangle 4">
+            <a:extLst>
+              <a:ext uri="{FF2B5EF4-FFF2-40B4-BE49-F238E27FC236}">
+                <a16:creationId xmlns:a16="http://schemas.microsoft.com/office/drawing/2014/main" id="{5E42B540-4B84-6593-6BEB-C101C33C9DA1}"/>
+              </a:ext>
+            </a:extLst>
+          </p:cNvPr>
+          <p:cNvSpPr/>
+          <p:nvPr/>
+        </p:nvSpPr>
+        <p:spPr>
+          <a:xfrm rot="5400000">
+            <a:off x="10355762" y="1060190"/>
+            <a:ext cx="2896428" cy="776048"/>
+          </a:xfrm>
+          <a:prstGeom prst="rect">
+            <a:avLst/>
+          </a:prstGeom>
+          <a:solidFill>
+            <a:srgbClr val="F15B69"/>
+          </a:solidFill>
+        </p:spPr>
+        <p:style>
+          <a:lnRef idx="2">
+            <a:schemeClr val="accent1">
+              <a:shade val="15000"/>
+            </a:schemeClr>
+          </a:lnRef>
+          <a:fillRef idx="1">
+            <a:schemeClr val="accent1"/>
+          </a:fillRef>
+          <a:effectRef idx="0">
+            <a:schemeClr val="accent1"/>
+          </a:effectRef>
+          <a:fontRef idx="minor">
+            <a:schemeClr val="lt1"/>
+          </a:fontRef>
+        </p:style>
+        <p:txBody>
+          <a:bodyPr rtlCol="0" anchor="ctr"/>
+          <a:lstStyle/>
+          <a:p>
+            <a:pPr algn="ctr"/>
+            <a:r>
+              <a:rPr lang="en-GB" dirty="0">
+                <a:solidFill>
+                  <a:schemeClr val="tx1"/>
+                </a:solidFill>
+              </a:rPr>
+              <a:t>ADVANCED!!!</a:t>
+            </a:r>
+          </a:p>
+          <a:p>
+            <a:pPr algn="ctr"/>
+            <a:r>
+              <a:rPr lang="en-GB" dirty="0">
+                <a:solidFill>
+                  <a:schemeClr val="tx1"/>
+                </a:solidFill>
+              </a:rPr>
+              <a:t>Full SQW object operation</a:t>
+            </a:r>
+          </a:p>
+        </p:txBody>
+      </p:sp>
+      <p:sp>
+        <p:nvSpPr>
+          <p:cNvPr id="8" name="TextBox 7">
+            <a:extLst>
+              <a:ext uri="{FF2B5EF4-FFF2-40B4-BE49-F238E27FC236}">
+                <a16:creationId xmlns:a16="http://schemas.microsoft.com/office/drawing/2014/main" id="{8F0E0FF2-104C-9631-1ADD-DAAB7F80AA3B}"/>
+              </a:ext>
+            </a:extLst>
+          </p:cNvPr>
+          <p:cNvSpPr txBox="1"/>
+          <p:nvPr/>
+        </p:nvSpPr>
+        <p:spPr>
+          <a:xfrm>
+            <a:off x="313596" y="1479560"/>
+            <a:ext cx="11047119" cy="2308324"/>
+          </a:xfrm>
+          <a:prstGeom prst="rect">
+            <a:avLst/>
+          </a:prstGeom>
+          <a:noFill/>
+        </p:spPr>
+        <p:txBody>
+          <a:bodyPr wrap="square">
+            <a:spAutoFit/>
+          </a:bodyPr>
+          <a:lstStyle/>
+          <a:p>
+            <a:r>
+              <a:rPr lang="en-GB" sz="1800" b="0" i="0" u="none" strike="noStrike" baseline="0" dirty="0">
+                <a:solidFill>
+                  <a:srgbClr val="0070C0"/>
+                </a:solidFill>
+                <a:latin typeface="Courier New" panose="02070309020205020404" pitchFamily="49" charset="0"/>
+                <a:cs typeface="Courier New" panose="02070309020205020404" pitchFamily="49" charset="0"/>
+              </a:rPr>
+              <a:t>w2_14</a:t>
+            </a:r>
+            <a:r>
+              <a:rPr lang="en-GB" sz="1800" b="0" i="0" u="none" strike="noStrike" baseline="0" dirty="0">
+                <a:solidFill>
+                  <a:schemeClr val="accent6">
+                    <a:lumMod val="50000"/>
+                  </a:schemeClr>
+                </a:solidFill>
+                <a:latin typeface="Courier New" panose="02070309020205020404" pitchFamily="49" charset="0"/>
+                <a:cs typeface="Courier New" panose="02070309020205020404" pitchFamily="49" charset="0"/>
+              </a:rPr>
+              <a:t> = </a:t>
+            </a:r>
+            <a:r>
+              <a:rPr lang="en-GB" sz="1800" b="0" i="0" u="none" strike="noStrike" baseline="0" dirty="0" err="1">
+                <a:solidFill>
+                  <a:schemeClr val="accent6">
+                    <a:lumMod val="50000"/>
+                  </a:schemeClr>
+                </a:solidFill>
+                <a:latin typeface="Courier New" panose="02070309020205020404" pitchFamily="49" charset="0"/>
+                <a:cs typeface="Courier New" panose="02070309020205020404" pitchFamily="49" charset="0"/>
+              </a:rPr>
+              <a:t>instrument_view_cut</a:t>
+            </a:r>
+            <a:r>
+              <a:rPr lang="en-GB" sz="1800" b="0" i="0" u="none" strike="noStrike" baseline="0" dirty="0">
+                <a:solidFill>
+                  <a:schemeClr val="accent6">
+                    <a:lumMod val="50000"/>
+                  </a:schemeClr>
+                </a:solidFill>
+                <a:latin typeface="Courier New" panose="02070309020205020404" pitchFamily="49" charset="0"/>
+                <a:cs typeface="Courier New" panose="02070309020205020404" pitchFamily="49" charset="0"/>
+              </a:rPr>
+              <a:t>(</a:t>
+            </a:r>
+            <a:r>
+              <a:rPr lang="en-GB" sz="1800" b="0" i="0" u="none" strike="noStrike" baseline="0" dirty="0" err="1">
+                <a:solidFill>
+                  <a:schemeClr val="accent2">
+                    <a:lumMod val="50000"/>
+                  </a:schemeClr>
+                </a:solidFill>
+                <a:latin typeface="Courier New" panose="02070309020205020404" pitchFamily="49" charset="0"/>
+                <a:cs typeface="Courier New" panose="02070309020205020404" pitchFamily="49" charset="0"/>
+              </a:rPr>
+              <a:t>sqw_file_or_obj</a:t>
+            </a:r>
+            <a:r>
+              <a:rPr lang="en-GB" sz="1800" b="0" i="0" u="none" strike="noStrike" baseline="0" dirty="0">
+                <a:solidFill>
+                  <a:srgbClr val="0070C0"/>
+                </a:solidFill>
+                <a:latin typeface="Courier New" panose="02070309020205020404" pitchFamily="49" charset="0"/>
+                <a:cs typeface="Courier New" panose="02070309020205020404" pitchFamily="49" charset="0"/>
+              </a:rPr>
+              <a:t>,[0,0.2,70],4</a:t>
+            </a:r>
+            <a:r>
+              <a:rPr lang="en-GB" sz="1800" b="0" i="0" u="none" strike="noStrike" baseline="0" dirty="0">
+                <a:solidFill>
+                  <a:schemeClr val="accent6">
+                    <a:lumMod val="50000"/>
+                  </a:schemeClr>
+                </a:solidFill>
+                <a:latin typeface="Courier New" panose="02070309020205020404" pitchFamily="49" charset="0"/>
+                <a:cs typeface="Courier New" panose="02070309020205020404" pitchFamily="49" charset="0"/>
+              </a:rPr>
+              <a:t>);</a:t>
+            </a:r>
+          </a:p>
+          <a:p>
+            <a:r>
+              <a:rPr lang="en-GB" sz="1800" b="0" i="0" u="none" strike="noStrike" baseline="0" dirty="0">
+                <a:solidFill>
+                  <a:schemeClr val="accent6">
+                    <a:lumMod val="50000"/>
+                  </a:schemeClr>
+                </a:solidFill>
+                <a:latin typeface="Courier New" panose="02070309020205020404" pitchFamily="49" charset="0"/>
+                <a:cs typeface="Courier New" panose="02070309020205020404" pitchFamily="49" charset="0"/>
+              </a:rPr>
+              <a:t>x1 = </a:t>
+            </a:r>
+            <a:r>
+              <a:rPr lang="en-GB" sz="1800" b="0" i="0" u="none" strike="noStrike" baseline="0" dirty="0">
+                <a:solidFill>
+                  <a:srgbClr val="0070C0"/>
+                </a:solidFill>
+                <a:latin typeface="Courier New" panose="02070309020205020404" pitchFamily="49" charset="0"/>
+                <a:cs typeface="Courier New" panose="02070309020205020404" pitchFamily="49" charset="0"/>
+              </a:rPr>
+              <a:t>w2_14</a:t>
+            </a:r>
+            <a:r>
+              <a:rPr lang="en-GB" sz="1800" b="0" i="0" u="none" strike="noStrike" baseline="0" dirty="0">
+                <a:solidFill>
+                  <a:schemeClr val="accent6">
+                    <a:lumMod val="50000"/>
+                  </a:schemeClr>
+                </a:solidFill>
+                <a:latin typeface="Courier New" panose="02070309020205020404" pitchFamily="49" charset="0"/>
+                <a:cs typeface="Courier New" panose="02070309020205020404" pitchFamily="49" charset="0"/>
+              </a:rPr>
+              <a:t>.p{1};</a:t>
+            </a:r>
+          </a:p>
+          <a:p>
+            <a:r>
+              <a:rPr lang="en-GB" sz="1800" b="0" i="0" u="none" strike="noStrike" baseline="0" dirty="0">
+                <a:solidFill>
+                  <a:schemeClr val="accent6">
+                    <a:lumMod val="50000"/>
+                  </a:schemeClr>
+                </a:solidFill>
+                <a:latin typeface="Courier New" panose="02070309020205020404" pitchFamily="49" charset="0"/>
+                <a:cs typeface="Courier New" panose="02070309020205020404" pitchFamily="49" charset="0"/>
+              </a:rPr>
+              <a:t>x2 = </a:t>
+            </a:r>
+            <a:r>
+              <a:rPr lang="en-GB" sz="1800" b="0" i="0" u="none" strike="noStrike" baseline="0" dirty="0">
+                <a:solidFill>
+                  <a:srgbClr val="0070C0"/>
+                </a:solidFill>
+                <a:latin typeface="Courier New" panose="02070309020205020404" pitchFamily="49" charset="0"/>
+                <a:cs typeface="Courier New" panose="02070309020205020404" pitchFamily="49" charset="0"/>
+              </a:rPr>
+              <a:t>w2_14</a:t>
+            </a:r>
+            <a:r>
+              <a:rPr lang="en-GB" sz="1800" b="0" i="0" u="none" strike="noStrike" baseline="0" dirty="0">
+                <a:solidFill>
+                  <a:schemeClr val="accent6">
+                    <a:lumMod val="50000"/>
+                  </a:schemeClr>
+                </a:solidFill>
+                <a:latin typeface="Courier New" panose="02070309020205020404" pitchFamily="49" charset="0"/>
+                <a:cs typeface="Courier New" panose="02070309020205020404" pitchFamily="49" charset="0"/>
+              </a:rPr>
+              <a:t>.p{2};</a:t>
+            </a:r>
+          </a:p>
+          <a:p>
+            <a:endParaRPr lang="en-GB" sz="1800" b="0" i="0" u="none" strike="noStrike" baseline="0" dirty="0">
+              <a:solidFill>
+                <a:schemeClr val="accent6">
+                  <a:lumMod val="50000"/>
+                </a:schemeClr>
+              </a:solidFill>
+              <a:latin typeface="Courier New" panose="02070309020205020404" pitchFamily="49" charset="0"/>
+              <a:cs typeface="Courier New" panose="02070309020205020404" pitchFamily="49" charset="0"/>
+            </a:endParaRPr>
+          </a:p>
+          <a:p>
+            <a:r>
+              <a:rPr lang="en-GB" sz="1800" b="0" i="0" u="none" strike="noStrike" baseline="0" dirty="0">
+                <a:solidFill>
+                  <a:srgbClr val="0070C0"/>
+                </a:solidFill>
+                <a:latin typeface="Courier New" panose="02070309020205020404" pitchFamily="49" charset="0"/>
+                <a:cs typeface="Courier New" panose="02070309020205020404" pitchFamily="49" charset="0"/>
+              </a:rPr>
+              <a:t>F </a:t>
+            </a:r>
+            <a:r>
+              <a:rPr lang="en-GB" sz="1800" b="0" i="0" u="none" strike="noStrike" baseline="0" dirty="0">
+                <a:solidFill>
+                  <a:schemeClr val="accent6">
+                    <a:lumMod val="50000"/>
+                  </a:schemeClr>
+                </a:solidFill>
+                <a:latin typeface="Courier New" panose="02070309020205020404" pitchFamily="49" charset="0"/>
+                <a:cs typeface="Courier New" panose="02070309020205020404" pitchFamily="49" charset="0"/>
+              </a:rPr>
+              <a:t>= </a:t>
+            </a:r>
+            <a:r>
+              <a:rPr lang="en-GB" sz="1800" b="0" i="0" u="none" strike="noStrike" baseline="0" dirty="0" err="1">
+                <a:solidFill>
+                  <a:schemeClr val="accent6">
+                    <a:lumMod val="50000"/>
+                  </a:schemeClr>
+                </a:solidFill>
+                <a:latin typeface="Courier New" panose="02070309020205020404" pitchFamily="49" charset="0"/>
+                <a:cs typeface="Courier New" panose="02070309020205020404" pitchFamily="49" charset="0"/>
+              </a:rPr>
+              <a:t>griddedInterpolant</a:t>
+            </a:r>
+            <a:r>
+              <a:rPr lang="en-GB" sz="1800" b="0" i="0" u="none" strike="noStrike" baseline="0" dirty="0">
+                <a:solidFill>
+                  <a:schemeClr val="accent6">
+                    <a:lumMod val="50000"/>
+                  </a:schemeClr>
+                </a:solidFill>
+                <a:latin typeface="Courier New" panose="02070309020205020404" pitchFamily="49" charset="0"/>
+                <a:cs typeface="Courier New" panose="02070309020205020404" pitchFamily="49" charset="0"/>
+              </a:rPr>
+              <a:t>({x1,x2},w2_14.s);</a:t>
+            </a:r>
+          </a:p>
+          <a:p>
+            <a:r>
+              <a:rPr lang="en-GB" sz="1800" b="0" i="0" u="none" strike="noStrike" baseline="0" dirty="0">
+                <a:solidFill>
+                  <a:schemeClr val="accent6">
+                    <a:lumMod val="50000"/>
+                  </a:schemeClr>
+                </a:solidFill>
+                <a:latin typeface="Courier New" panose="02070309020205020404" pitchFamily="49" charset="0"/>
+                <a:cs typeface="Courier New" panose="02070309020205020404" pitchFamily="49" charset="0"/>
+              </a:rPr>
+              <a:t>sqw1400_no_bg = </a:t>
+            </a:r>
+            <a:r>
+              <a:rPr lang="en-GB" sz="1800" b="0" i="0" u="none" strike="noStrike" baseline="0" dirty="0" err="1">
+                <a:solidFill>
+                  <a:schemeClr val="accent6">
+                    <a:lumMod val="50000"/>
+                  </a:schemeClr>
+                </a:solidFill>
+                <a:latin typeface="Courier New" panose="02070309020205020404" pitchFamily="49" charset="0"/>
+                <a:cs typeface="Courier New" panose="02070309020205020404" pitchFamily="49" charset="0"/>
+              </a:rPr>
+              <a:t>sqw_op</a:t>
+            </a:r>
+            <a:r>
+              <a:rPr lang="en-GB" sz="1800" b="0" i="0" u="none" strike="noStrike" baseline="0" dirty="0">
+                <a:solidFill>
+                  <a:schemeClr val="accent6">
+                    <a:lumMod val="50000"/>
+                  </a:schemeClr>
+                </a:solidFill>
+                <a:latin typeface="Courier New" panose="02070309020205020404" pitchFamily="49" charset="0"/>
+                <a:cs typeface="Courier New" panose="02070309020205020404" pitchFamily="49" charset="0"/>
+              </a:rPr>
+              <a:t>(</a:t>
+            </a:r>
+            <a:r>
+              <a:rPr lang="en-GB" sz="1800" b="0" i="0" u="none" strike="noStrike" baseline="0" dirty="0">
+                <a:solidFill>
+                  <a:schemeClr val="accent2">
+                    <a:lumMod val="50000"/>
+                  </a:schemeClr>
+                </a:solidFill>
+                <a:latin typeface="Courier New" panose="02070309020205020404" pitchFamily="49" charset="0"/>
+                <a:cs typeface="Courier New" panose="02070309020205020404" pitchFamily="49" charset="0"/>
+              </a:rPr>
+              <a:t>sqw_file_or_</a:t>
+            </a:r>
+            <a:r>
+              <a:rPr lang="en-GB" sz="1800" b="0" i="0" u="none" strike="noStrike" baseline="0" dirty="0" err="1">
+                <a:solidFill>
+                  <a:schemeClr val="accent2">
+                    <a:lumMod val="50000"/>
+                  </a:schemeClr>
+                </a:solidFill>
+                <a:latin typeface="Courier New" panose="02070309020205020404" pitchFamily="49" charset="0"/>
+                <a:cs typeface="Courier New" panose="02070309020205020404" pitchFamily="49" charset="0"/>
+              </a:rPr>
+              <a:t>obj</a:t>
+            </a:r>
+            <a:r>
+              <a:rPr lang="en-GB" sz="1800" b="1" i="0" u="none" strike="noStrike" baseline="0" dirty="0">
+                <a:solidFill>
+                  <a:schemeClr val="accent6">
+                    <a:lumMod val="50000"/>
+                  </a:schemeClr>
+                </a:solidFill>
+                <a:latin typeface="Courier New" panose="02070309020205020404" pitchFamily="49" charset="0"/>
+                <a:cs typeface="Courier New" panose="02070309020205020404" pitchFamily="49" charset="0"/>
+              </a:rPr>
+              <a:t>,@remove_background</a:t>
+            </a:r>
+            <a:r>
+              <a:rPr lang="en-GB" sz="1800" b="0" i="0" u="none" strike="noStrike" baseline="0" dirty="0">
+                <a:solidFill>
+                  <a:schemeClr val="accent6">
+                    <a:lumMod val="50000"/>
+                  </a:schemeClr>
+                </a:solidFill>
+                <a:latin typeface="Courier New" panose="02070309020205020404" pitchFamily="49" charset="0"/>
+                <a:cs typeface="Courier New" panose="02070309020205020404" pitchFamily="49" charset="0"/>
+              </a:rPr>
+              <a:t>,{</a:t>
+            </a:r>
+            <a:r>
+              <a:rPr lang="en-GB" sz="1800" b="0" i="0" u="none" strike="noStrike" baseline="0" dirty="0">
+                <a:solidFill>
+                  <a:srgbClr val="0070C0"/>
+                </a:solidFill>
+                <a:latin typeface="Courier New" panose="02070309020205020404" pitchFamily="49" charset="0"/>
+                <a:cs typeface="Courier New" panose="02070309020205020404" pitchFamily="49" charset="0"/>
+              </a:rPr>
+              <a:t>w2_14,F</a:t>
+            </a:r>
+            <a:r>
+              <a:rPr lang="en-GB" sz="1800" b="0" i="0" u="none" strike="noStrike" baseline="0" dirty="0">
+                <a:solidFill>
+                  <a:schemeClr val="accent6">
+                    <a:lumMod val="50000"/>
+                  </a:schemeClr>
+                </a:solidFill>
+                <a:latin typeface="Courier New" panose="02070309020205020404" pitchFamily="49" charset="0"/>
+                <a:cs typeface="Courier New" panose="02070309020205020404" pitchFamily="49" charset="0"/>
+              </a:rPr>
+              <a:t>},'</a:t>
+            </a:r>
+            <a:r>
+              <a:rPr lang="en-GB" sz="1800" b="0" i="0" u="none" strike="noStrike" baseline="0" dirty="0" err="1">
+                <a:solidFill>
+                  <a:schemeClr val="accent6">
+                    <a:lumMod val="50000"/>
+                  </a:schemeClr>
+                </a:solidFill>
+                <a:latin typeface="Courier New" panose="02070309020205020404" pitchFamily="49" charset="0"/>
+                <a:cs typeface="Courier New" panose="02070309020205020404" pitchFamily="49" charset="0"/>
+              </a:rPr>
+              <a:t>outfile</a:t>
+            </a:r>
+            <a:r>
+              <a:rPr lang="en-GB" sz="1800" b="0" i="0" u="none" strike="noStrike" baseline="0" dirty="0">
+                <a:solidFill>
+                  <a:schemeClr val="accent6">
+                    <a:lumMod val="50000"/>
+                  </a:schemeClr>
+                </a:solidFill>
+                <a:latin typeface="Courier New" panose="02070309020205020404" pitchFamily="49" charset="0"/>
+                <a:cs typeface="Courier New" panose="02070309020205020404" pitchFamily="49" charset="0"/>
+              </a:rPr>
+              <a:t>',</a:t>
+            </a:r>
+            <a:r>
+              <a:rPr lang="en-GB" sz="1800" b="0" i="0" u="none" strike="noStrike" baseline="0" dirty="0" err="1">
+                <a:solidFill>
+                  <a:schemeClr val="accent2">
+                    <a:lumMod val="50000"/>
+                  </a:schemeClr>
+                </a:solidFill>
+                <a:latin typeface="Courier New" panose="02070309020205020404" pitchFamily="49" charset="0"/>
+                <a:cs typeface="Courier New" panose="02070309020205020404" pitchFamily="49" charset="0"/>
+              </a:rPr>
+              <a:t>target_filename</a:t>
+            </a:r>
+            <a:r>
+              <a:rPr lang="en-GB" sz="1800" b="0" i="0" u="none" strike="noStrike" baseline="0" dirty="0">
+                <a:solidFill>
+                  <a:schemeClr val="accent6">
+                    <a:lumMod val="50000"/>
+                  </a:schemeClr>
+                </a:solidFill>
+                <a:latin typeface="Courier New" panose="02070309020205020404" pitchFamily="49" charset="0"/>
+                <a:cs typeface="Courier New" panose="02070309020205020404" pitchFamily="49" charset="0"/>
+              </a:rPr>
+              <a:t>);</a:t>
+            </a:r>
+          </a:p>
+          <a:p>
+            <a:endParaRPr lang="en-GB" sz="1800" b="0" i="0" u="none" strike="noStrike" baseline="0" dirty="0">
+              <a:solidFill>
+                <a:srgbClr val="000000"/>
+              </a:solidFill>
+              <a:latin typeface="Consolas Courier"/>
+            </a:endParaRPr>
+          </a:p>
+        </p:txBody>
+      </p:sp>
+      <p:sp>
+        <p:nvSpPr>
+          <p:cNvPr id="11" name="TextBox 10">
+            <a:extLst>
+              <a:ext uri="{FF2B5EF4-FFF2-40B4-BE49-F238E27FC236}">
+                <a16:creationId xmlns:a16="http://schemas.microsoft.com/office/drawing/2014/main" id="{D6273188-8322-4166-AFFD-D02B4D76A25A}"/>
+              </a:ext>
+            </a:extLst>
+          </p:cNvPr>
+          <p:cNvSpPr txBox="1"/>
+          <p:nvPr/>
+        </p:nvSpPr>
+        <p:spPr>
+          <a:xfrm>
+            <a:off x="313596" y="3718334"/>
+            <a:ext cx="11118797" cy="3139321"/>
+          </a:xfrm>
+          <a:prstGeom prst="rect">
+            <a:avLst/>
+          </a:prstGeom>
+          <a:noFill/>
+        </p:spPr>
+        <p:txBody>
+          <a:bodyPr wrap="square">
+            <a:spAutoFit/>
+          </a:bodyPr>
+          <a:lstStyle/>
+          <a:p>
+            <a:r>
+              <a:rPr lang="en-GB" dirty="0">
+                <a:solidFill>
+                  <a:schemeClr val="tx2">
+                    <a:lumMod val="75000"/>
+                    <a:lumOff val="25000"/>
+                  </a:schemeClr>
+                </a:solidFill>
+                <a:latin typeface="Courier New" panose="02070309020205020404" pitchFamily="49" charset="0"/>
+                <a:cs typeface="Courier New" panose="02070309020205020404" pitchFamily="49" charset="0"/>
+              </a:rPr>
+              <a:t>function</a:t>
+            </a:r>
+            <a:r>
+              <a:rPr lang="en-GB" dirty="0">
+                <a:latin typeface="Courier New" panose="02070309020205020404" pitchFamily="49" charset="0"/>
+                <a:cs typeface="Courier New" panose="02070309020205020404" pitchFamily="49" charset="0"/>
+              </a:rPr>
+              <a:t> </a:t>
+            </a:r>
+            <a:r>
+              <a:rPr lang="en-GB" dirty="0" err="1">
+                <a:latin typeface="Courier New" panose="02070309020205020404" pitchFamily="49" charset="0"/>
+                <a:cs typeface="Courier New" panose="02070309020205020404" pitchFamily="49" charset="0"/>
+              </a:rPr>
+              <a:t>sig_var</a:t>
+            </a:r>
+            <a:r>
+              <a:rPr lang="en-GB" dirty="0">
+                <a:latin typeface="Courier New" panose="02070309020205020404" pitchFamily="49" charset="0"/>
+                <a:cs typeface="Courier New" panose="02070309020205020404" pitchFamily="49" charset="0"/>
+              </a:rPr>
+              <a:t> = </a:t>
+            </a:r>
+            <a:r>
+              <a:rPr lang="en-GB" b="1" dirty="0" err="1">
+                <a:solidFill>
+                  <a:schemeClr val="accent6">
+                    <a:lumMod val="50000"/>
+                  </a:schemeClr>
+                </a:solidFill>
+                <a:latin typeface="Courier New" panose="02070309020205020404" pitchFamily="49" charset="0"/>
+                <a:cs typeface="Courier New" panose="02070309020205020404" pitchFamily="49" charset="0"/>
+              </a:rPr>
+              <a:t>remove_background</a:t>
+            </a:r>
+            <a:r>
+              <a:rPr lang="en-GB" dirty="0">
+                <a:latin typeface="Courier New" panose="02070309020205020404" pitchFamily="49" charset="0"/>
+                <a:cs typeface="Courier New" panose="02070309020205020404" pitchFamily="49" charset="0"/>
+              </a:rPr>
+              <a:t>(</a:t>
+            </a:r>
+            <a:r>
+              <a:rPr lang="en-GB" b="1" dirty="0" err="1">
+                <a:latin typeface="Courier New" panose="02070309020205020404" pitchFamily="49" charset="0"/>
+                <a:cs typeface="Courier New" panose="02070309020205020404" pitchFamily="49" charset="0"/>
+              </a:rPr>
+              <a:t>pageop_obj</a:t>
+            </a:r>
+            <a:r>
+              <a:rPr lang="en-GB" dirty="0" err="1">
+                <a:latin typeface="Courier New" panose="02070309020205020404" pitchFamily="49" charset="0"/>
+                <a:cs typeface="Courier New" panose="02070309020205020404" pitchFamily="49" charset="0"/>
+              </a:rPr>
+              <a:t>,bg_data,bg_model,rlu</a:t>
+            </a:r>
+            <a:r>
+              <a:rPr lang="en-GB" dirty="0">
+                <a:latin typeface="Courier New" panose="02070309020205020404" pitchFamily="49" charset="0"/>
+                <a:cs typeface="Courier New" panose="02070309020205020404" pitchFamily="49" charset="0"/>
+              </a:rPr>
+              <a:t>)</a:t>
+            </a:r>
+          </a:p>
+          <a:p>
+            <a:r>
+              <a:rPr lang="en-GB" dirty="0">
+                <a:solidFill>
+                  <a:srgbClr val="00B050"/>
+                </a:solidFill>
+                <a:latin typeface="Courier New" panose="02070309020205020404" pitchFamily="49" charset="0"/>
+                <a:cs typeface="Courier New" panose="02070309020205020404" pitchFamily="49" charset="0"/>
+              </a:rPr>
+              <a:t>% retrieve page of pixel data in Crystal Cartesian coordinate system</a:t>
+            </a:r>
+          </a:p>
+          <a:p>
+            <a:r>
+              <a:rPr lang="en-GB" dirty="0">
+                <a:latin typeface="Courier New" panose="02070309020205020404" pitchFamily="49" charset="0"/>
+                <a:cs typeface="Courier New" panose="02070309020205020404" pitchFamily="49" charset="0"/>
+              </a:rPr>
+              <a:t>data  = </a:t>
+            </a:r>
+            <a:r>
+              <a:rPr lang="en-GB" b="1" dirty="0" err="1">
+                <a:latin typeface="Courier New" panose="02070309020205020404" pitchFamily="49" charset="0"/>
+                <a:cs typeface="Courier New" panose="02070309020205020404" pitchFamily="49" charset="0"/>
+              </a:rPr>
+              <a:t>pageop_obj</a:t>
+            </a:r>
+            <a:r>
+              <a:rPr lang="en-GB" dirty="0" err="1">
+                <a:latin typeface="Courier New" panose="02070309020205020404" pitchFamily="49" charset="0"/>
+                <a:cs typeface="Courier New" panose="02070309020205020404" pitchFamily="49" charset="0"/>
+              </a:rPr>
+              <a:t>.page_data</a:t>
+            </a:r>
+            <a:r>
+              <a:rPr lang="en-GB" dirty="0">
+                <a:latin typeface="Courier New" panose="02070309020205020404" pitchFamily="49" charset="0"/>
+                <a:cs typeface="Courier New" panose="02070309020205020404" pitchFamily="49" charset="0"/>
+              </a:rPr>
+              <a:t>;</a:t>
+            </a:r>
+          </a:p>
+          <a:p>
+            <a:endParaRPr lang="en-GB" dirty="0">
+              <a:latin typeface="Courier New" panose="02070309020205020404" pitchFamily="49" charset="0"/>
+              <a:cs typeface="Courier New" panose="02070309020205020404" pitchFamily="49" charset="0"/>
+            </a:endParaRPr>
+          </a:p>
+          <a:p>
+            <a:r>
+              <a:rPr lang="en-GB" dirty="0">
+                <a:solidFill>
+                  <a:srgbClr val="00B050"/>
+                </a:solidFill>
+                <a:latin typeface="Courier New" panose="02070309020205020404" pitchFamily="49" charset="0"/>
+                <a:cs typeface="Courier New" panose="02070309020205020404" pitchFamily="49" charset="0"/>
+              </a:rPr>
+              <a:t>% 2D background</a:t>
+            </a:r>
+          </a:p>
+          <a:p>
+            <a:r>
+              <a:rPr lang="en-GB" dirty="0" err="1">
+                <a:latin typeface="Courier New" panose="02070309020205020404" pitchFamily="49" charset="0"/>
+                <a:cs typeface="Courier New" panose="02070309020205020404" pitchFamily="49" charset="0"/>
+              </a:rPr>
+              <a:t>pix</a:t>
+            </a:r>
+            <a:r>
+              <a:rPr lang="en-GB" dirty="0">
+                <a:latin typeface="Courier New" panose="02070309020205020404" pitchFamily="49" charset="0"/>
+                <a:cs typeface="Courier New" panose="02070309020205020404" pitchFamily="49" charset="0"/>
+              </a:rPr>
+              <a:t>   = </a:t>
+            </a:r>
+            <a:r>
+              <a:rPr lang="en-GB" dirty="0" err="1">
+                <a:latin typeface="Courier New" panose="02070309020205020404" pitchFamily="49" charset="0"/>
+                <a:cs typeface="Courier New" panose="02070309020205020404" pitchFamily="49" charset="0"/>
+              </a:rPr>
+              <a:t>bg_data.</a:t>
+            </a:r>
+            <a:r>
+              <a:rPr lang="en-GB" b="1" dirty="0" err="1">
+                <a:latin typeface="Courier New" panose="02070309020205020404" pitchFamily="49" charset="0"/>
+                <a:cs typeface="Courier New" panose="02070309020205020404" pitchFamily="49" charset="0"/>
+              </a:rPr>
+              <a:t>proj</a:t>
+            </a:r>
+            <a:r>
+              <a:rPr lang="en-GB" dirty="0" err="1">
+                <a:latin typeface="Courier New" panose="02070309020205020404" pitchFamily="49" charset="0"/>
+                <a:cs typeface="Courier New" panose="02070309020205020404" pitchFamily="49" charset="0"/>
+              </a:rPr>
+              <a:t>.transform_pix_to_img</a:t>
+            </a:r>
+            <a:r>
+              <a:rPr lang="en-GB" dirty="0">
+                <a:latin typeface="Courier New" panose="02070309020205020404" pitchFamily="49" charset="0"/>
+                <a:cs typeface="Courier New" panose="02070309020205020404" pitchFamily="49" charset="0"/>
+              </a:rPr>
+              <a:t>(data(1:5,:));</a:t>
+            </a:r>
+          </a:p>
+          <a:p>
+            <a:r>
+              <a:rPr lang="en-GB" dirty="0" err="1">
+                <a:latin typeface="Courier New" panose="02070309020205020404" pitchFamily="49" charset="0"/>
+                <a:cs typeface="Courier New" panose="02070309020205020404" pitchFamily="49" charset="0"/>
+              </a:rPr>
+              <a:t>bg_signal</a:t>
+            </a:r>
+            <a:r>
+              <a:rPr lang="en-GB" dirty="0">
+                <a:latin typeface="Courier New" panose="02070309020205020404" pitchFamily="49" charset="0"/>
+                <a:cs typeface="Courier New" panose="02070309020205020404" pitchFamily="49" charset="0"/>
+              </a:rPr>
+              <a:t> = </a:t>
+            </a:r>
+            <a:r>
+              <a:rPr lang="en-GB" dirty="0" err="1">
+                <a:latin typeface="Courier New" panose="02070309020205020404" pitchFamily="49" charset="0"/>
+                <a:cs typeface="Courier New" panose="02070309020205020404" pitchFamily="49" charset="0"/>
+              </a:rPr>
+              <a:t>bg_model</a:t>
+            </a:r>
+            <a:r>
+              <a:rPr lang="en-GB" dirty="0">
+                <a:latin typeface="Courier New" panose="02070309020205020404" pitchFamily="49" charset="0"/>
+                <a:cs typeface="Courier New" panose="02070309020205020404" pitchFamily="49" charset="0"/>
+              </a:rPr>
+              <a:t>(</a:t>
+            </a:r>
+            <a:r>
+              <a:rPr lang="en-GB" dirty="0" err="1">
+                <a:latin typeface="Courier New" panose="02070309020205020404" pitchFamily="49" charset="0"/>
+                <a:cs typeface="Courier New" panose="02070309020205020404" pitchFamily="49" charset="0"/>
+              </a:rPr>
+              <a:t>pix</a:t>
+            </a:r>
+            <a:r>
+              <a:rPr lang="en-GB" dirty="0">
+                <a:latin typeface="Courier New" panose="02070309020205020404" pitchFamily="49" charset="0"/>
+                <a:cs typeface="Courier New" panose="02070309020205020404" pitchFamily="49" charset="0"/>
+              </a:rPr>
+              <a:t>(2,:),data(4,:));</a:t>
+            </a:r>
+          </a:p>
+          <a:p>
+            <a:r>
+              <a:rPr lang="en-GB" dirty="0" err="1">
+                <a:latin typeface="Courier New" panose="02070309020205020404" pitchFamily="49" charset="0"/>
+                <a:cs typeface="Courier New" panose="02070309020205020404" pitchFamily="49" charset="0"/>
+              </a:rPr>
+              <a:t>sig_var</a:t>
+            </a:r>
+            <a:r>
+              <a:rPr lang="en-GB" dirty="0">
+                <a:latin typeface="Courier New" panose="02070309020205020404" pitchFamily="49" charset="0"/>
+                <a:cs typeface="Courier New" panose="02070309020205020404" pitchFamily="49" charset="0"/>
+              </a:rPr>
+              <a:t> = data([8,9],:);</a:t>
+            </a:r>
+          </a:p>
+          <a:p>
+            <a:r>
+              <a:rPr lang="en-GB" dirty="0" err="1">
+                <a:latin typeface="Courier New" panose="02070309020205020404" pitchFamily="49" charset="0"/>
+                <a:cs typeface="Courier New" panose="02070309020205020404" pitchFamily="49" charset="0"/>
+              </a:rPr>
+              <a:t>sig_var</a:t>
+            </a:r>
+            <a:r>
+              <a:rPr lang="en-GB" dirty="0">
+                <a:latin typeface="Courier New" panose="02070309020205020404" pitchFamily="49" charset="0"/>
+                <a:cs typeface="Courier New" panose="02070309020205020404" pitchFamily="49" charset="0"/>
+              </a:rPr>
+              <a:t>(1,:) = data(8,:)-</a:t>
+            </a:r>
+            <a:r>
+              <a:rPr lang="en-GB" dirty="0" err="1">
+                <a:latin typeface="Courier New" panose="02070309020205020404" pitchFamily="49" charset="0"/>
+                <a:cs typeface="Courier New" panose="02070309020205020404" pitchFamily="49" charset="0"/>
+              </a:rPr>
+              <a:t>bg_signal</a:t>
+            </a:r>
+            <a:r>
+              <a:rPr lang="en-GB" dirty="0">
+                <a:latin typeface="Courier New" panose="02070309020205020404" pitchFamily="49" charset="0"/>
+                <a:cs typeface="Courier New" panose="02070309020205020404" pitchFamily="49" charset="0"/>
+              </a:rPr>
+              <a:t>;</a:t>
+            </a:r>
+          </a:p>
+          <a:p>
+            <a:r>
+              <a:rPr lang="en-GB" dirty="0" err="1">
+                <a:latin typeface="Courier New" panose="02070309020205020404" pitchFamily="49" charset="0"/>
+                <a:cs typeface="Courier New" panose="02070309020205020404" pitchFamily="49" charset="0"/>
+              </a:rPr>
+              <a:t>over_compensated</a:t>
+            </a:r>
+            <a:r>
+              <a:rPr lang="en-GB" dirty="0">
+                <a:latin typeface="Courier New" panose="02070309020205020404" pitchFamily="49" charset="0"/>
+                <a:cs typeface="Courier New" panose="02070309020205020404" pitchFamily="49" charset="0"/>
+              </a:rPr>
+              <a:t> = </a:t>
+            </a:r>
+            <a:r>
+              <a:rPr lang="en-GB" dirty="0" err="1">
+                <a:latin typeface="Courier New" panose="02070309020205020404" pitchFamily="49" charset="0"/>
+                <a:cs typeface="Courier New" panose="02070309020205020404" pitchFamily="49" charset="0"/>
+              </a:rPr>
+              <a:t>sig_var</a:t>
+            </a:r>
+            <a:r>
+              <a:rPr lang="en-GB" dirty="0">
+                <a:latin typeface="Courier New" panose="02070309020205020404" pitchFamily="49" charset="0"/>
+                <a:cs typeface="Courier New" panose="02070309020205020404" pitchFamily="49" charset="0"/>
+              </a:rPr>
+              <a:t>(1,:)&lt;0;</a:t>
+            </a:r>
+          </a:p>
+          <a:p>
+            <a:r>
+              <a:rPr lang="en-GB" dirty="0" err="1">
+                <a:latin typeface="Courier New" panose="02070309020205020404" pitchFamily="49" charset="0"/>
+                <a:cs typeface="Courier New" panose="02070309020205020404" pitchFamily="49" charset="0"/>
+              </a:rPr>
+              <a:t>sig_var</a:t>
+            </a:r>
+            <a:r>
+              <a:rPr lang="en-GB" dirty="0">
+                <a:latin typeface="Courier New" panose="02070309020205020404" pitchFamily="49" charset="0"/>
+                <a:cs typeface="Courier New" panose="02070309020205020404" pitchFamily="49" charset="0"/>
+              </a:rPr>
+              <a:t>(2,over_compensated) = 0;</a:t>
+            </a:r>
+          </a:p>
+        </p:txBody>
+      </p:sp>
+      <p:sp>
+        <p:nvSpPr>
+          <p:cNvPr id="13" name="Rectangle 12">
+            <a:extLst>
+              <a:ext uri="{FF2B5EF4-FFF2-40B4-BE49-F238E27FC236}">
+                <a16:creationId xmlns:a16="http://schemas.microsoft.com/office/drawing/2014/main" id="{AF47865A-753A-7646-39D3-61EB7647179A}"/>
+              </a:ext>
+            </a:extLst>
+          </p:cNvPr>
+          <p:cNvSpPr/>
+          <p:nvPr/>
+        </p:nvSpPr>
+        <p:spPr>
+          <a:xfrm>
+            <a:off x="8504942" y="1147394"/>
+            <a:ext cx="2566467" cy="584248"/>
+          </a:xfrm>
+          <a:prstGeom prst="rect">
+            <a:avLst/>
+          </a:prstGeom>
+        </p:spPr>
+        <p:style>
+          <a:lnRef idx="2">
+            <a:schemeClr val="accent1">
+              <a:shade val="15000"/>
+            </a:schemeClr>
+          </a:lnRef>
+          <a:fillRef idx="1">
+            <a:schemeClr val="accent1"/>
+          </a:fillRef>
+          <a:effectRef idx="0">
+            <a:schemeClr val="accent1"/>
+          </a:effectRef>
+          <a:fontRef idx="minor">
+            <a:schemeClr val="lt1"/>
+          </a:fontRef>
+        </p:style>
+        <p:txBody>
+          <a:bodyPr rtlCol="0" anchor="ctr"/>
+          <a:lstStyle/>
+          <a:p>
+            <a:pPr algn="ctr"/>
+            <a:r>
+              <a:rPr lang="en-GB" dirty="0"/>
+              <a:t>Background data</a:t>
+            </a:r>
+          </a:p>
+        </p:txBody>
+      </p:sp>
+      <p:cxnSp>
+        <p:nvCxnSpPr>
+          <p:cNvPr id="17" name="Straight Arrow Connector 16">
+            <a:extLst>
+              <a:ext uri="{FF2B5EF4-FFF2-40B4-BE49-F238E27FC236}">
+                <a16:creationId xmlns:a16="http://schemas.microsoft.com/office/drawing/2014/main" id="{3CF63529-F6D0-1326-CCAB-4A07F249755D}"/>
+              </a:ext>
+            </a:extLst>
+          </p:cNvPr>
+          <p:cNvCxnSpPr/>
+          <p:nvPr/>
+        </p:nvCxnSpPr>
+        <p:spPr>
+          <a:xfrm flipH="1">
+            <a:off x="1114185" y="1448214"/>
+            <a:ext cx="7315200" cy="150065"/>
+          </a:xfrm>
+          <a:prstGeom prst="straightConnector1">
+            <a:avLst/>
+          </a:prstGeom>
+          <a:ln>
+            <a:tailEnd type="triangle"/>
+          </a:ln>
+        </p:spPr>
+        <p:style>
+          <a:lnRef idx="2">
+            <a:schemeClr val="accent1"/>
+          </a:lnRef>
+          <a:fillRef idx="0">
+            <a:schemeClr val="accent1"/>
+          </a:fillRef>
+          <a:effectRef idx="1">
+            <a:schemeClr val="accent1"/>
+          </a:effectRef>
+          <a:fontRef idx="minor">
+            <a:schemeClr val="tx1"/>
+          </a:fontRef>
+        </p:style>
+      </p:cxnSp>
+      <p:cxnSp>
+        <p:nvCxnSpPr>
+          <p:cNvPr id="22" name="Straight Arrow Connector 21">
+            <a:extLst>
+              <a:ext uri="{FF2B5EF4-FFF2-40B4-BE49-F238E27FC236}">
+                <a16:creationId xmlns:a16="http://schemas.microsoft.com/office/drawing/2014/main" id="{EAED5A4A-D518-35AC-1CFA-8E164E080491}"/>
+              </a:ext>
+            </a:extLst>
+          </p:cNvPr>
+          <p:cNvCxnSpPr/>
+          <p:nvPr/>
+        </p:nvCxnSpPr>
+        <p:spPr>
+          <a:xfrm flipH="1">
+            <a:off x="7276780" y="1731642"/>
+            <a:ext cx="2566467" cy="2125743"/>
+          </a:xfrm>
+          <a:prstGeom prst="straightConnector1">
+            <a:avLst/>
+          </a:prstGeom>
+          <a:ln>
+            <a:tailEnd type="triangle"/>
+          </a:ln>
+        </p:spPr>
+        <p:style>
+          <a:lnRef idx="2">
+            <a:schemeClr val="accent1"/>
+          </a:lnRef>
+          <a:fillRef idx="0">
+            <a:schemeClr val="accent1"/>
+          </a:fillRef>
+          <a:effectRef idx="1">
+            <a:schemeClr val="accent1"/>
+          </a:effectRef>
+          <a:fontRef idx="minor">
+            <a:schemeClr val="tx1"/>
+          </a:fontRef>
+        </p:style>
+      </p:cxnSp>
+      <p:cxnSp>
+        <p:nvCxnSpPr>
+          <p:cNvPr id="6" name="Straight Arrow Connector 5">
+            <a:extLst>
+              <a:ext uri="{FF2B5EF4-FFF2-40B4-BE49-F238E27FC236}">
+                <a16:creationId xmlns:a16="http://schemas.microsoft.com/office/drawing/2014/main" id="{BA02B8D7-3D24-932B-840A-FBC2D2DCD3BD}"/>
+              </a:ext>
+            </a:extLst>
+          </p:cNvPr>
+          <p:cNvCxnSpPr/>
+          <p:nvPr/>
+        </p:nvCxnSpPr>
+        <p:spPr>
+          <a:xfrm flipH="1">
+            <a:off x="2231756" y="1731642"/>
+            <a:ext cx="7611491" cy="3475789"/>
+          </a:xfrm>
+          <a:prstGeom prst="straightConnector1">
+            <a:avLst/>
+          </a:prstGeom>
+          <a:ln>
+            <a:tailEnd type="triangle"/>
+          </a:ln>
+        </p:spPr>
+        <p:style>
+          <a:lnRef idx="2">
+            <a:schemeClr val="accent1"/>
+          </a:lnRef>
+          <a:fillRef idx="0">
+            <a:schemeClr val="accent1"/>
+          </a:fillRef>
+          <a:effectRef idx="1">
+            <a:schemeClr val="accent1"/>
+          </a:effectRef>
+          <a:fontRef idx="minor">
+            <a:schemeClr val="tx1"/>
+          </a:fontRef>
+        </p:style>
+      </p:cxnSp>
+    </p:spTree>
+    <p:extLst>
+      <p:ext uri="{BB962C8B-B14F-4D97-AF65-F5344CB8AC3E}">
+        <p14:creationId xmlns:p14="http://schemas.microsoft.com/office/powerpoint/2010/main" val="37505248"/>
+      </p:ext>
+    </p:extLst>
+  </p:cSld>
+  <p:clrMapOvr>
+    <a:masterClrMapping/>
+  </p:clrMapOvr>
+</p:sld>
+</file>
+
+<file path=ppt/slides/slide8.xml><?xml version="1.0" encoding="utf-8"?>
+<p:sld xmlns:a="http://schemas.openxmlformats.org/drawingml/2006/main" xmlns:r="http://schemas.openxmlformats.org/officeDocument/2006/relationships" xmlns:p="http://schemas.openxmlformats.org/presentationml/2006/main">
+  <p:cSld>
+    <p:spTree>
+      <p:nvGrpSpPr>
+        <p:cNvPr id="1" name="">
+          <a:extLst>
+            <a:ext uri="{FF2B5EF4-FFF2-40B4-BE49-F238E27FC236}">
+              <a16:creationId xmlns:a16="http://schemas.microsoft.com/office/drawing/2014/main" id="{EE991998-857C-526D-1841-6119BE2131A3}"/>
+            </a:ext>
+          </a:extLst>
+        </p:cNvPr>
+        <p:cNvGrpSpPr/>
+        <p:nvPr/>
+      </p:nvGrpSpPr>
+      <p:grpSpPr>
+        <a:xfrm>
+          <a:off x="0" y="0"/>
+          <a:ext cx="0" cy="0"/>
+          <a:chOff x="0" y="0"/>
+          <a:chExt cx="0" cy="0"/>
+        </a:xfrm>
+      </p:grpSpPr>
+      <p:sp>
+        <p:nvSpPr>
+          <p:cNvPr id="3" name="Subtitle 2">
+            <a:extLst>
+              <a:ext uri="{FF2B5EF4-FFF2-40B4-BE49-F238E27FC236}">
+                <a16:creationId xmlns:a16="http://schemas.microsoft.com/office/drawing/2014/main" id="{91C9ED61-5BFA-4737-04A4-9E538B3E9366}"/>
+              </a:ext>
+            </a:extLst>
+          </p:cNvPr>
+          <p:cNvSpPr>
+            <a:spLocks noGrp="1"/>
+          </p:cNvSpPr>
+          <p:nvPr>
+            <p:ph type="subTitle" idx="1"/>
+          </p:nvPr>
+        </p:nvSpPr>
+        <p:spPr>
+          <a:xfrm>
+            <a:off x="624874" y="119847"/>
+            <a:ext cx="10290313" cy="757927"/>
+          </a:xfrm>
+        </p:spPr>
+        <p:txBody>
+          <a:bodyPr>
+            <a:noAutofit/>
+          </a:bodyPr>
+          <a:lstStyle/>
+          <a:p>
+            <a:r>
+              <a:rPr lang="en-GB" sz="2800" dirty="0"/>
+              <a:t>Horace 4 issues from user experience and Horace 4.1 highlights</a:t>
+            </a:r>
+          </a:p>
+        </p:txBody>
+      </p:sp>
+      <p:sp>
+        <p:nvSpPr>
+          <p:cNvPr id="4" name="Subtitle 2">
+            <a:extLst>
+              <a:ext uri="{FF2B5EF4-FFF2-40B4-BE49-F238E27FC236}">
+                <a16:creationId xmlns:a16="http://schemas.microsoft.com/office/drawing/2014/main" id="{D9CCEFCF-D4B3-DB40-F727-A87BB9A95506}"/>
+              </a:ext>
+            </a:extLst>
+          </p:cNvPr>
+          <p:cNvSpPr txBox="1">
+            <a:spLocks/>
+          </p:cNvSpPr>
+          <p:nvPr/>
+        </p:nvSpPr>
+        <p:spPr>
+          <a:xfrm>
+            <a:off x="313596" y="720904"/>
+            <a:ext cx="11427868" cy="516835"/>
+          </a:xfrm>
+          <a:prstGeom prst="rect">
+            <a:avLst/>
+          </a:prstGeom>
+        </p:spPr>
+        <p:txBody>
+          <a:bodyPr vert="horz" lIns="91440" tIns="45720" rIns="91440" bIns="45720" rtlCol="0">
+            <a:noAutofit/>
+          </a:bodyPr>
+          <a:lstStyle>
+            <a:lvl1pPr marL="0" indent="0" algn="ctr" defTabSz="914400" rtl="0" eaLnBrk="1" latinLnBrk="0" hangingPunct="1">
+              <a:lnSpc>
+                <a:spcPct val="90000"/>
+              </a:lnSpc>
+              <a:spcBef>
+                <a:spcPts val="1000"/>
+              </a:spcBef>
+              <a:buFont typeface="Arial" panose="020B0604020202020204" pitchFamily="34" charset="0"/>
+              <a:buNone/>
+              <a:defRPr sz="2400" kern="1200">
+                <a:solidFill>
+                  <a:schemeClr val="tx1"/>
+                </a:solidFill>
+                <a:latin typeface="+mn-lt"/>
+                <a:ea typeface="+mn-ea"/>
+                <a:cs typeface="+mn-cs"/>
+              </a:defRPr>
+            </a:lvl1pPr>
+            <a:lvl2pPr marL="457200" indent="0" algn="ctr" defTabSz="914400" rtl="0" eaLnBrk="1" latinLnBrk="0" hangingPunct="1">
+              <a:lnSpc>
+                <a:spcPct val="90000"/>
+              </a:lnSpc>
+              <a:spcBef>
+                <a:spcPts val="500"/>
+              </a:spcBef>
+              <a:buFont typeface="Arial" panose="020B0604020202020204" pitchFamily="34" charset="0"/>
+              <a:buNone/>
+              <a:defRPr sz="2000" kern="1200">
+                <a:solidFill>
+                  <a:schemeClr val="tx1"/>
+                </a:solidFill>
+                <a:latin typeface="+mn-lt"/>
+                <a:ea typeface="+mn-ea"/>
+                <a:cs typeface="+mn-cs"/>
+              </a:defRPr>
+            </a:lvl2pPr>
+            <a:lvl3pPr marL="914400" indent="0" algn="ctr" defTabSz="914400" rtl="0" eaLnBrk="1" latinLnBrk="0" hangingPunct="1">
+              <a:lnSpc>
+                <a:spcPct val="90000"/>
+              </a:lnSpc>
+              <a:spcBef>
+                <a:spcPts val="500"/>
+              </a:spcBef>
+              <a:buFont typeface="Arial" panose="020B0604020202020204" pitchFamily="34" charset="0"/>
+              <a:buNone/>
+              <a:defRPr sz="1800" kern="1200">
+                <a:solidFill>
+                  <a:schemeClr val="tx1"/>
+                </a:solidFill>
+                <a:latin typeface="+mn-lt"/>
+                <a:ea typeface="+mn-ea"/>
+                <a:cs typeface="+mn-cs"/>
+              </a:defRPr>
+            </a:lvl3pPr>
+            <a:lvl4pPr marL="1371600" indent="0" algn="ctr" defTabSz="914400" rtl="0" eaLnBrk="1" latinLnBrk="0" hangingPunct="1">
+              <a:lnSpc>
+                <a:spcPct val="90000"/>
+              </a:lnSpc>
+              <a:spcBef>
+                <a:spcPts val="500"/>
+              </a:spcBef>
+              <a:buFont typeface="Arial" panose="020B0604020202020204" pitchFamily="34" charset="0"/>
+              <a:buNone/>
+              <a:defRPr sz="1600" kern="1200">
+                <a:solidFill>
+                  <a:schemeClr val="tx1"/>
+                </a:solidFill>
+                <a:latin typeface="+mn-lt"/>
+                <a:ea typeface="+mn-ea"/>
+                <a:cs typeface="+mn-cs"/>
+              </a:defRPr>
+            </a:lvl4pPr>
+            <a:lvl5pPr marL="1828800" indent="0" algn="ctr" defTabSz="914400" rtl="0" eaLnBrk="1" latinLnBrk="0" hangingPunct="1">
+              <a:lnSpc>
+                <a:spcPct val="90000"/>
+              </a:lnSpc>
+              <a:spcBef>
+                <a:spcPts val="500"/>
+              </a:spcBef>
+              <a:buFont typeface="Arial" panose="020B0604020202020204" pitchFamily="34" charset="0"/>
+              <a:buNone/>
+              <a:defRPr sz="1600" kern="1200">
+                <a:solidFill>
+                  <a:schemeClr val="tx1"/>
+                </a:solidFill>
+                <a:latin typeface="+mn-lt"/>
+                <a:ea typeface="+mn-ea"/>
+                <a:cs typeface="+mn-cs"/>
+              </a:defRPr>
+            </a:lvl5pPr>
+            <a:lvl6pPr marL="2286000" indent="0" algn="ctr" defTabSz="914400" rtl="0" eaLnBrk="1" latinLnBrk="0" hangingPunct="1">
+              <a:lnSpc>
+                <a:spcPct val="90000"/>
+              </a:lnSpc>
+              <a:spcBef>
+                <a:spcPts val="500"/>
+              </a:spcBef>
+              <a:buFont typeface="Arial" panose="020B0604020202020204" pitchFamily="34" charset="0"/>
+              <a:buNone/>
+              <a:defRPr sz="1600" kern="1200">
+                <a:solidFill>
+                  <a:schemeClr val="tx1"/>
+                </a:solidFill>
+                <a:latin typeface="+mn-lt"/>
+                <a:ea typeface="+mn-ea"/>
+                <a:cs typeface="+mn-cs"/>
+              </a:defRPr>
+            </a:lvl6pPr>
+            <a:lvl7pPr marL="2743200" indent="0" algn="ctr" defTabSz="914400" rtl="0" eaLnBrk="1" latinLnBrk="0" hangingPunct="1">
+              <a:lnSpc>
+                <a:spcPct val="90000"/>
+              </a:lnSpc>
+              <a:spcBef>
+                <a:spcPts val="500"/>
+              </a:spcBef>
+              <a:buFont typeface="Arial" panose="020B0604020202020204" pitchFamily="34" charset="0"/>
+              <a:buNone/>
+              <a:defRPr sz="1600" kern="1200">
+                <a:solidFill>
+                  <a:schemeClr val="tx1"/>
+                </a:solidFill>
+                <a:latin typeface="+mn-lt"/>
+                <a:ea typeface="+mn-ea"/>
+                <a:cs typeface="+mn-cs"/>
+              </a:defRPr>
+            </a:lvl7pPr>
+            <a:lvl8pPr marL="3200400" indent="0" algn="ctr" defTabSz="914400" rtl="0" eaLnBrk="1" latinLnBrk="0" hangingPunct="1">
+              <a:lnSpc>
+                <a:spcPct val="90000"/>
+              </a:lnSpc>
+              <a:spcBef>
+                <a:spcPts val="500"/>
+              </a:spcBef>
+              <a:buFont typeface="Arial" panose="020B0604020202020204" pitchFamily="34" charset="0"/>
+              <a:buNone/>
+              <a:defRPr sz="1600" kern="1200">
+                <a:solidFill>
+                  <a:schemeClr val="tx1"/>
+                </a:solidFill>
+                <a:latin typeface="+mn-lt"/>
+                <a:ea typeface="+mn-ea"/>
+                <a:cs typeface="+mn-cs"/>
+              </a:defRPr>
+            </a:lvl8pPr>
+            <a:lvl9pPr marL="3657600" indent="0" algn="ctr" defTabSz="914400" rtl="0" eaLnBrk="1" latinLnBrk="0" hangingPunct="1">
+              <a:lnSpc>
+                <a:spcPct val="90000"/>
+              </a:lnSpc>
+              <a:spcBef>
+                <a:spcPts val="500"/>
+              </a:spcBef>
+              <a:buFont typeface="Arial" panose="020B0604020202020204" pitchFamily="34" charset="0"/>
+              <a:buNone/>
+              <a:defRPr sz="1600" kern="1200">
+                <a:solidFill>
+                  <a:schemeClr val="tx1"/>
+                </a:solidFill>
+                <a:latin typeface="+mn-lt"/>
+                <a:ea typeface="+mn-ea"/>
+                <a:cs typeface="+mn-cs"/>
+              </a:defRPr>
+            </a:lvl9pPr>
+          </a:lstStyle>
+          <a:p>
+            <a:pPr algn="l"/>
+            <a:r>
+              <a:rPr lang="en-GB" sz="2800" b="1" dirty="0" err="1">
+                <a:solidFill>
+                  <a:schemeClr val="accent6">
+                    <a:lumMod val="50000"/>
+                  </a:schemeClr>
+                </a:solidFill>
+                <a:latin typeface="Courier New" panose="02070309020205020404" pitchFamily="49" charset="0"/>
+                <a:cs typeface="Courier New" panose="02070309020205020404" pitchFamily="49" charset="0"/>
+              </a:rPr>
+              <a:t>sqw_op</a:t>
+            </a:r>
+            <a:r>
+              <a:rPr lang="en-GB" sz="2800" b="1" dirty="0">
+                <a:solidFill>
+                  <a:schemeClr val="accent6">
+                    <a:lumMod val="50000"/>
+                  </a:schemeClr>
+                </a:solidFill>
+                <a:latin typeface="Courier New" panose="02070309020205020404" pitchFamily="49" charset="0"/>
+                <a:cs typeface="Courier New" panose="02070309020205020404" pitchFamily="49" charset="0"/>
+              </a:rPr>
+              <a:t> :-&gt; </a:t>
+            </a:r>
+            <a:r>
+              <a:rPr lang="en-GB" sz="2800" b="1" dirty="0">
+                <a:cs typeface="Courier New" panose="02070309020205020404" pitchFamily="49" charset="0"/>
+              </a:rPr>
+              <a:t>gateway for unary operations overs sqw files</a:t>
+            </a:r>
+            <a:endParaRPr lang="en-GB" sz="2800" dirty="0">
+              <a:solidFill>
+                <a:schemeClr val="accent6">
+                  <a:lumMod val="50000"/>
+                </a:schemeClr>
+              </a:solidFill>
+              <a:latin typeface="Courier New" panose="02070309020205020404" pitchFamily="49" charset="0"/>
+              <a:cs typeface="Courier New" panose="02070309020205020404" pitchFamily="49" charset="0"/>
+            </a:endParaRPr>
+          </a:p>
+        </p:txBody>
+      </p:sp>
+      <p:sp>
+        <p:nvSpPr>
+          <p:cNvPr id="5" name="Rectangle 4">
+            <a:extLst>
+              <a:ext uri="{FF2B5EF4-FFF2-40B4-BE49-F238E27FC236}">
+                <a16:creationId xmlns:a16="http://schemas.microsoft.com/office/drawing/2014/main" id="{02AF0005-B087-1570-618A-774EA40051DC}"/>
+              </a:ext>
+            </a:extLst>
+          </p:cNvPr>
+          <p:cNvSpPr/>
+          <p:nvPr/>
+        </p:nvSpPr>
+        <p:spPr>
+          <a:xfrm rot="5400000">
+            <a:off x="10355762" y="1060190"/>
+            <a:ext cx="2896428" cy="776048"/>
+          </a:xfrm>
+          <a:prstGeom prst="rect">
+            <a:avLst/>
+          </a:prstGeom>
+          <a:solidFill>
+            <a:srgbClr val="F15B69"/>
+          </a:solidFill>
+        </p:spPr>
+        <p:style>
+          <a:lnRef idx="2">
+            <a:schemeClr val="accent1">
+              <a:shade val="15000"/>
+            </a:schemeClr>
+          </a:lnRef>
+          <a:fillRef idx="1">
+            <a:schemeClr val="accent1"/>
+          </a:fillRef>
+          <a:effectRef idx="0">
+            <a:schemeClr val="accent1"/>
+          </a:effectRef>
+          <a:fontRef idx="minor">
+            <a:schemeClr val="lt1"/>
+          </a:fontRef>
+        </p:style>
+        <p:txBody>
+          <a:bodyPr rtlCol="0" anchor="ctr"/>
+          <a:lstStyle/>
+          <a:p>
+            <a:pPr algn="ctr"/>
+            <a:r>
+              <a:rPr lang="en-GB" dirty="0">
+                <a:solidFill>
+                  <a:schemeClr val="tx1"/>
+                </a:solidFill>
+              </a:rPr>
+              <a:t>ADVANCED!!!</a:t>
+            </a:r>
+          </a:p>
+          <a:p>
+            <a:pPr algn="ctr"/>
+            <a:r>
+              <a:rPr lang="en-GB" dirty="0">
+                <a:solidFill>
+                  <a:schemeClr val="tx1"/>
+                </a:solidFill>
+              </a:rPr>
+              <a:t>Full SQW object operation</a:t>
+            </a:r>
+          </a:p>
+        </p:txBody>
+      </p:sp>
+      <p:sp>
+        <p:nvSpPr>
+          <p:cNvPr id="8" name="TextBox 7">
+            <a:extLst>
+              <a:ext uri="{FF2B5EF4-FFF2-40B4-BE49-F238E27FC236}">
+                <a16:creationId xmlns:a16="http://schemas.microsoft.com/office/drawing/2014/main" id="{B81E39FC-989E-4400-23E9-61A60AA96AF8}"/>
+              </a:ext>
+            </a:extLst>
+          </p:cNvPr>
+          <p:cNvSpPr txBox="1"/>
+          <p:nvPr/>
+        </p:nvSpPr>
+        <p:spPr>
+          <a:xfrm>
+            <a:off x="313596" y="1479560"/>
+            <a:ext cx="11047119" cy="2308324"/>
+          </a:xfrm>
+          <a:prstGeom prst="rect">
+            <a:avLst/>
+          </a:prstGeom>
+          <a:noFill/>
+        </p:spPr>
+        <p:txBody>
+          <a:bodyPr wrap="square">
+            <a:spAutoFit/>
+          </a:bodyPr>
+          <a:lstStyle/>
+          <a:p>
+            <a:r>
+              <a:rPr lang="en-GB" sz="1800" b="0" i="0" u="none" strike="noStrike" baseline="0" dirty="0">
+                <a:solidFill>
+                  <a:srgbClr val="0070C0"/>
+                </a:solidFill>
+                <a:latin typeface="Courier New" panose="02070309020205020404" pitchFamily="49" charset="0"/>
+                <a:cs typeface="Courier New" panose="02070309020205020404" pitchFamily="49" charset="0"/>
+              </a:rPr>
+              <a:t>w2_14</a:t>
+            </a:r>
+            <a:r>
+              <a:rPr lang="en-GB" sz="1800" b="0" i="0" u="none" strike="noStrike" baseline="0" dirty="0">
+                <a:solidFill>
+                  <a:schemeClr val="accent6">
+                    <a:lumMod val="50000"/>
+                  </a:schemeClr>
+                </a:solidFill>
+                <a:latin typeface="Courier New" panose="02070309020205020404" pitchFamily="49" charset="0"/>
+                <a:cs typeface="Courier New" panose="02070309020205020404" pitchFamily="49" charset="0"/>
+              </a:rPr>
+              <a:t> = </a:t>
+            </a:r>
+            <a:r>
+              <a:rPr lang="en-GB" sz="1800" b="0" i="0" u="none" strike="noStrike" baseline="0" dirty="0" err="1">
+                <a:solidFill>
+                  <a:schemeClr val="accent6">
+                    <a:lumMod val="50000"/>
+                  </a:schemeClr>
+                </a:solidFill>
+                <a:latin typeface="Courier New" panose="02070309020205020404" pitchFamily="49" charset="0"/>
+                <a:cs typeface="Courier New" panose="02070309020205020404" pitchFamily="49" charset="0"/>
+              </a:rPr>
+              <a:t>instrument_view_cut</a:t>
+            </a:r>
+            <a:r>
+              <a:rPr lang="en-GB" sz="1800" b="0" i="0" u="none" strike="noStrike" baseline="0" dirty="0">
+                <a:solidFill>
+                  <a:schemeClr val="accent6">
+                    <a:lumMod val="50000"/>
+                  </a:schemeClr>
+                </a:solidFill>
+                <a:latin typeface="Courier New" panose="02070309020205020404" pitchFamily="49" charset="0"/>
+                <a:cs typeface="Courier New" panose="02070309020205020404" pitchFamily="49" charset="0"/>
+              </a:rPr>
+              <a:t>(</a:t>
+            </a:r>
+            <a:r>
+              <a:rPr lang="en-GB" sz="1800" b="0" i="0" u="none" strike="noStrike" baseline="0" dirty="0" err="1">
+                <a:solidFill>
+                  <a:schemeClr val="accent2">
+                    <a:lumMod val="50000"/>
+                  </a:schemeClr>
+                </a:solidFill>
+                <a:latin typeface="Courier New" panose="02070309020205020404" pitchFamily="49" charset="0"/>
+                <a:cs typeface="Courier New" panose="02070309020205020404" pitchFamily="49" charset="0"/>
+              </a:rPr>
+              <a:t>sqw_file_or_obj</a:t>
+            </a:r>
+            <a:r>
+              <a:rPr lang="en-GB" sz="1800" b="0" i="0" u="none" strike="noStrike" baseline="0" dirty="0">
+                <a:solidFill>
+                  <a:srgbClr val="0070C0"/>
+                </a:solidFill>
+                <a:latin typeface="Courier New" panose="02070309020205020404" pitchFamily="49" charset="0"/>
+                <a:cs typeface="Courier New" panose="02070309020205020404" pitchFamily="49" charset="0"/>
+              </a:rPr>
+              <a:t>,[0,0.2,70],4</a:t>
+            </a:r>
+            <a:r>
+              <a:rPr lang="en-GB" sz="1800" b="0" i="0" u="none" strike="noStrike" baseline="0" dirty="0">
+                <a:solidFill>
+                  <a:schemeClr val="accent6">
+                    <a:lumMod val="50000"/>
+                  </a:schemeClr>
+                </a:solidFill>
+                <a:latin typeface="Courier New" panose="02070309020205020404" pitchFamily="49" charset="0"/>
+                <a:cs typeface="Courier New" panose="02070309020205020404" pitchFamily="49" charset="0"/>
+              </a:rPr>
+              <a:t>);</a:t>
+            </a:r>
+          </a:p>
+          <a:p>
+            <a:r>
+              <a:rPr lang="en-GB" sz="1800" b="0" i="0" u="none" strike="noStrike" baseline="0" dirty="0">
+                <a:solidFill>
+                  <a:schemeClr val="accent6">
+                    <a:lumMod val="50000"/>
+                  </a:schemeClr>
+                </a:solidFill>
+                <a:latin typeface="Courier New" panose="02070309020205020404" pitchFamily="49" charset="0"/>
+                <a:cs typeface="Courier New" panose="02070309020205020404" pitchFamily="49" charset="0"/>
+              </a:rPr>
+              <a:t>x1 = </a:t>
+            </a:r>
+            <a:r>
+              <a:rPr lang="en-GB" sz="1800" b="0" i="0" u="none" strike="noStrike" baseline="0" dirty="0">
+                <a:solidFill>
+                  <a:srgbClr val="0070C0"/>
+                </a:solidFill>
+                <a:latin typeface="Courier New" panose="02070309020205020404" pitchFamily="49" charset="0"/>
+                <a:cs typeface="Courier New" panose="02070309020205020404" pitchFamily="49" charset="0"/>
+              </a:rPr>
+              <a:t>w2_14</a:t>
+            </a:r>
+            <a:r>
+              <a:rPr lang="en-GB" sz="1800" b="0" i="0" u="none" strike="noStrike" baseline="0" dirty="0">
+                <a:solidFill>
+                  <a:schemeClr val="accent6">
+                    <a:lumMod val="50000"/>
+                  </a:schemeClr>
+                </a:solidFill>
+                <a:latin typeface="Courier New" panose="02070309020205020404" pitchFamily="49" charset="0"/>
+                <a:cs typeface="Courier New" panose="02070309020205020404" pitchFamily="49" charset="0"/>
+              </a:rPr>
+              <a:t>.p{1};</a:t>
+            </a:r>
+          </a:p>
+          <a:p>
+            <a:r>
+              <a:rPr lang="en-GB" sz="1800" b="0" i="0" u="none" strike="noStrike" baseline="0" dirty="0">
+                <a:solidFill>
+                  <a:schemeClr val="accent6">
+                    <a:lumMod val="50000"/>
+                  </a:schemeClr>
+                </a:solidFill>
+                <a:latin typeface="Courier New" panose="02070309020205020404" pitchFamily="49" charset="0"/>
+                <a:cs typeface="Courier New" panose="02070309020205020404" pitchFamily="49" charset="0"/>
+              </a:rPr>
+              <a:t>x2 = </a:t>
+            </a:r>
+            <a:r>
+              <a:rPr lang="en-GB" sz="1800" b="0" i="0" u="none" strike="noStrike" baseline="0" dirty="0">
+                <a:solidFill>
+                  <a:srgbClr val="0070C0"/>
+                </a:solidFill>
+                <a:latin typeface="Courier New" panose="02070309020205020404" pitchFamily="49" charset="0"/>
+                <a:cs typeface="Courier New" panose="02070309020205020404" pitchFamily="49" charset="0"/>
+              </a:rPr>
+              <a:t>w2_14</a:t>
+            </a:r>
+            <a:r>
+              <a:rPr lang="en-GB" sz="1800" b="0" i="0" u="none" strike="noStrike" baseline="0" dirty="0">
+                <a:solidFill>
+                  <a:schemeClr val="accent6">
+                    <a:lumMod val="50000"/>
+                  </a:schemeClr>
+                </a:solidFill>
+                <a:latin typeface="Courier New" panose="02070309020205020404" pitchFamily="49" charset="0"/>
+                <a:cs typeface="Courier New" panose="02070309020205020404" pitchFamily="49" charset="0"/>
+              </a:rPr>
+              <a:t>.p{2};</a:t>
+            </a:r>
+          </a:p>
+          <a:p>
+            <a:endParaRPr lang="en-GB" sz="1800" b="0" i="0" u="none" strike="noStrike" baseline="0" dirty="0">
+              <a:solidFill>
+                <a:schemeClr val="accent6">
+                  <a:lumMod val="50000"/>
+                </a:schemeClr>
+              </a:solidFill>
+              <a:latin typeface="Courier New" panose="02070309020205020404" pitchFamily="49" charset="0"/>
+              <a:cs typeface="Courier New" panose="02070309020205020404" pitchFamily="49" charset="0"/>
+            </a:endParaRPr>
+          </a:p>
+          <a:p>
+            <a:r>
+              <a:rPr lang="en-GB" sz="1800" b="0" i="0" u="none" strike="noStrike" baseline="0" dirty="0">
+                <a:solidFill>
+                  <a:srgbClr val="0070C0"/>
+                </a:solidFill>
+                <a:latin typeface="Courier New" panose="02070309020205020404" pitchFamily="49" charset="0"/>
+                <a:cs typeface="Courier New" panose="02070309020205020404" pitchFamily="49" charset="0"/>
+              </a:rPr>
+              <a:t>F </a:t>
+            </a:r>
+            <a:r>
+              <a:rPr lang="en-GB" sz="1800" b="0" i="0" u="none" strike="noStrike" baseline="0" dirty="0">
+                <a:solidFill>
+                  <a:schemeClr val="accent6">
+                    <a:lumMod val="50000"/>
+                  </a:schemeClr>
+                </a:solidFill>
+                <a:latin typeface="Courier New" panose="02070309020205020404" pitchFamily="49" charset="0"/>
+                <a:cs typeface="Courier New" panose="02070309020205020404" pitchFamily="49" charset="0"/>
+              </a:rPr>
+              <a:t>= </a:t>
+            </a:r>
+            <a:r>
+              <a:rPr lang="en-GB" sz="1800" b="0" i="0" u="none" strike="noStrike" baseline="0" dirty="0" err="1">
+                <a:solidFill>
+                  <a:schemeClr val="accent6">
+                    <a:lumMod val="50000"/>
+                  </a:schemeClr>
+                </a:solidFill>
+                <a:latin typeface="Courier New" panose="02070309020205020404" pitchFamily="49" charset="0"/>
+                <a:cs typeface="Courier New" panose="02070309020205020404" pitchFamily="49" charset="0"/>
+              </a:rPr>
+              <a:t>griddedInterpolant</a:t>
+            </a:r>
+            <a:r>
+              <a:rPr lang="en-GB" sz="1800" b="0" i="0" u="none" strike="noStrike" baseline="0" dirty="0">
+                <a:solidFill>
+                  <a:schemeClr val="accent6">
+                    <a:lumMod val="50000"/>
+                  </a:schemeClr>
+                </a:solidFill>
+                <a:latin typeface="Courier New" panose="02070309020205020404" pitchFamily="49" charset="0"/>
+                <a:cs typeface="Courier New" panose="02070309020205020404" pitchFamily="49" charset="0"/>
+              </a:rPr>
+              <a:t>({x1,x2},w2_14.s);</a:t>
+            </a:r>
+          </a:p>
+          <a:p>
+            <a:r>
+              <a:rPr lang="en-GB" sz="1800" b="0" i="0" u="none" strike="noStrike" baseline="0" dirty="0">
+                <a:solidFill>
+                  <a:schemeClr val="accent6">
+                    <a:lumMod val="50000"/>
+                  </a:schemeClr>
+                </a:solidFill>
+                <a:latin typeface="Courier New" panose="02070309020205020404" pitchFamily="49" charset="0"/>
+                <a:cs typeface="Courier New" panose="02070309020205020404" pitchFamily="49" charset="0"/>
+              </a:rPr>
+              <a:t>sqw1400_no_bg = </a:t>
+            </a:r>
+            <a:r>
+              <a:rPr lang="en-GB" sz="1800" b="0" i="0" u="none" strike="noStrike" baseline="0" dirty="0" err="1">
+                <a:solidFill>
+                  <a:schemeClr val="accent6">
+                    <a:lumMod val="50000"/>
+                  </a:schemeClr>
+                </a:solidFill>
+                <a:latin typeface="Courier New" panose="02070309020205020404" pitchFamily="49" charset="0"/>
+                <a:cs typeface="Courier New" panose="02070309020205020404" pitchFamily="49" charset="0"/>
+              </a:rPr>
+              <a:t>sqw_op</a:t>
+            </a:r>
+            <a:r>
+              <a:rPr lang="en-GB" sz="1800" b="0" i="0" u="none" strike="noStrike" baseline="0" dirty="0">
+                <a:solidFill>
+                  <a:schemeClr val="accent6">
+                    <a:lumMod val="50000"/>
+                  </a:schemeClr>
+                </a:solidFill>
+                <a:latin typeface="Courier New" panose="02070309020205020404" pitchFamily="49" charset="0"/>
+                <a:cs typeface="Courier New" panose="02070309020205020404" pitchFamily="49" charset="0"/>
+              </a:rPr>
+              <a:t>(</a:t>
+            </a:r>
+            <a:r>
+              <a:rPr lang="en-GB" sz="1800" b="0" i="0" u="none" strike="noStrike" baseline="0" dirty="0">
+                <a:solidFill>
+                  <a:schemeClr val="accent2">
+                    <a:lumMod val="50000"/>
+                  </a:schemeClr>
+                </a:solidFill>
+                <a:latin typeface="Courier New" panose="02070309020205020404" pitchFamily="49" charset="0"/>
+                <a:cs typeface="Courier New" panose="02070309020205020404" pitchFamily="49" charset="0"/>
+              </a:rPr>
+              <a:t>sqw_file_or_</a:t>
+            </a:r>
+            <a:r>
+              <a:rPr lang="en-GB" sz="1800" b="0" i="0" u="none" strike="noStrike" baseline="0" dirty="0" err="1">
+                <a:solidFill>
+                  <a:schemeClr val="accent2">
+                    <a:lumMod val="50000"/>
+                  </a:schemeClr>
+                </a:solidFill>
+                <a:latin typeface="Courier New" panose="02070309020205020404" pitchFamily="49" charset="0"/>
+                <a:cs typeface="Courier New" panose="02070309020205020404" pitchFamily="49" charset="0"/>
+              </a:rPr>
+              <a:t>obj</a:t>
+            </a:r>
+            <a:r>
+              <a:rPr lang="en-GB" sz="1800" b="1" i="0" u="none" strike="noStrike" baseline="0" dirty="0">
+                <a:solidFill>
+                  <a:schemeClr val="accent6">
+                    <a:lumMod val="50000"/>
+                  </a:schemeClr>
+                </a:solidFill>
+                <a:latin typeface="Courier New" panose="02070309020205020404" pitchFamily="49" charset="0"/>
+                <a:cs typeface="Courier New" panose="02070309020205020404" pitchFamily="49" charset="0"/>
+              </a:rPr>
+              <a:t>,@remove_background</a:t>
+            </a:r>
+            <a:r>
+              <a:rPr lang="en-GB" sz="1800" b="0" i="0" u="none" strike="noStrike" baseline="0" dirty="0">
+                <a:solidFill>
+                  <a:schemeClr val="accent6">
+                    <a:lumMod val="50000"/>
+                  </a:schemeClr>
+                </a:solidFill>
+                <a:latin typeface="Courier New" panose="02070309020205020404" pitchFamily="49" charset="0"/>
+                <a:cs typeface="Courier New" panose="02070309020205020404" pitchFamily="49" charset="0"/>
+              </a:rPr>
+              <a:t>,{</a:t>
+            </a:r>
+            <a:r>
+              <a:rPr lang="en-GB" sz="1800" b="0" i="0" u="none" strike="noStrike" baseline="0" dirty="0">
+                <a:solidFill>
+                  <a:srgbClr val="0070C0"/>
+                </a:solidFill>
+                <a:latin typeface="Courier New" panose="02070309020205020404" pitchFamily="49" charset="0"/>
+                <a:cs typeface="Courier New" panose="02070309020205020404" pitchFamily="49" charset="0"/>
+              </a:rPr>
+              <a:t>w2_14,F</a:t>
+            </a:r>
+            <a:r>
+              <a:rPr lang="en-GB" sz="1800" b="0" i="0" u="none" strike="noStrike" baseline="0" dirty="0">
+                <a:solidFill>
+                  <a:schemeClr val="accent6">
+                    <a:lumMod val="50000"/>
+                  </a:schemeClr>
+                </a:solidFill>
+                <a:latin typeface="Courier New" panose="02070309020205020404" pitchFamily="49" charset="0"/>
+                <a:cs typeface="Courier New" panose="02070309020205020404" pitchFamily="49" charset="0"/>
+              </a:rPr>
+              <a:t>},'</a:t>
+            </a:r>
+            <a:r>
+              <a:rPr lang="en-GB" sz="1800" b="0" i="0" u="none" strike="noStrike" baseline="0" dirty="0" err="1">
+                <a:solidFill>
+                  <a:schemeClr val="accent6">
+                    <a:lumMod val="50000"/>
+                  </a:schemeClr>
+                </a:solidFill>
+                <a:latin typeface="Courier New" panose="02070309020205020404" pitchFamily="49" charset="0"/>
+                <a:cs typeface="Courier New" panose="02070309020205020404" pitchFamily="49" charset="0"/>
+              </a:rPr>
+              <a:t>outfile</a:t>
+            </a:r>
+            <a:r>
+              <a:rPr lang="en-GB" sz="1800" b="0" i="0" u="none" strike="noStrike" baseline="0" dirty="0">
+                <a:solidFill>
+                  <a:schemeClr val="accent6">
+                    <a:lumMod val="50000"/>
+                  </a:schemeClr>
+                </a:solidFill>
+                <a:latin typeface="Courier New" panose="02070309020205020404" pitchFamily="49" charset="0"/>
+                <a:cs typeface="Courier New" panose="02070309020205020404" pitchFamily="49" charset="0"/>
+              </a:rPr>
+              <a:t>',</a:t>
+            </a:r>
+            <a:r>
+              <a:rPr lang="en-GB" sz="1800" b="0" i="0" u="none" strike="noStrike" baseline="0" dirty="0" err="1">
+                <a:solidFill>
+                  <a:schemeClr val="accent2">
+                    <a:lumMod val="50000"/>
+                  </a:schemeClr>
+                </a:solidFill>
+                <a:latin typeface="Courier New" panose="02070309020205020404" pitchFamily="49" charset="0"/>
+                <a:cs typeface="Courier New" panose="02070309020205020404" pitchFamily="49" charset="0"/>
+              </a:rPr>
+              <a:t>target_filename</a:t>
+            </a:r>
+            <a:r>
+              <a:rPr lang="en-GB" sz="1800" b="0" i="0" u="none" strike="noStrike" baseline="0" dirty="0">
+                <a:solidFill>
+                  <a:schemeClr val="accent6">
+                    <a:lumMod val="50000"/>
+                  </a:schemeClr>
+                </a:solidFill>
+                <a:latin typeface="Courier New" panose="02070309020205020404" pitchFamily="49" charset="0"/>
+                <a:cs typeface="Courier New" panose="02070309020205020404" pitchFamily="49" charset="0"/>
+              </a:rPr>
+              <a:t>);</a:t>
+            </a:r>
+          </a:p>
+          <a:p>
+            <a:endParaRPr lang="en-GB" sz="1800" b="0" i="0" u="none" strike="noStrike" baseline="0" dirty="0">
+              <a:solidFill>
+                <a:srgbClr val="000000"/>
+              </a:solidFill>
+              <a:latin typeface="Consolas Courier"/>
+            </a:endParaRPr>
+          </a:p>
+        </p:txBody>
+      </p:sp>
+      <p:sp>
+        <p:nvSpPr>
+          <p:cNvPr id="11" name="TextBox 10">
+            <a:extLst>
+              <a:ext uri="{FF2B5EF4-FFF2-40B4-BE49-F238E27FC236}">
+                <a16:creationId xmlns:a16="http://schemas.microsoft.com/office/drawing/2014/main" id="{95B31642-34CF-D142-96A0-2F57874C906E}"/>
+              </a:ext>
+            </a:extLst>
+          </p:cNvPr>
+          <p:cNvSpPr txBox="1"/>
+          <p:nvPr/>
+        </p:nvSpPr>
+        <p:spPr>
+          <a:xfrm>
+            <a:off x="313596" y="3718334"/>
+            <a:ext cx="11118797" cy="3139321"/>
+          </a:xfrm>
+          <a:prstGeom prst="rect">
+            <a:avLst/>
+          </a:prstGeom>
+          <a:noFill/>
+        </p:spPr>
+        <p:txBody>
+          <a:bodyPr wrap="square">
+            <a:spAutoFit/>
+          </a:bodyPr>
+          <a:lstStyle/>
+          <a:p>
+            <a:r>
+              <a:rPr lang="en-GB" dirty="0">
+                <a:solidFill>
+                  <a:schemeClr val="tx2">
+                    <a:lumMod val="75000"/>
+                    <a:lumOff val="25000"/>
+                  </a:schemeClr>
+                </a:solidFill>
+                <a:latin typeface="Courier New" panose="02070309020205020404" pitchFamily="49" charset="0"/>
+                <a:cs typeface="Courier New" panose="02070309020205020404" pitchFamily="49" charset="0"/>
+              </a:rPr>
+              <a:t>function</a:t>
+            </a:r>
+            <a:r>
+              <a:rPr lang="en-GB" dirty="0">
+                <a:latin typeface="Courier New" panose="02070309020205020404" pitchFamily="49" charset="0"/>
+                <a:cs typeface="Courier New" panose="02070309020205020404" pitchFamily="49" charset="0"/>
+              </a:rPr>
+              <a:t> </a:t>
+            </a:r>
+            <a:r>
+              <a:rPr lang="en-GB" dirty="0" err="1">
+                <a:latin typeface="Courier New" panose="02070309020205020404" pitchFamily="49" charset="0"/>
+                <a:cs typeface="Courier New" panose="02070309020205020404" pitchFamily="49" charset="0"/>
+              </a:rPr>
+              <a:t>sig_var</a:t>
+            </a:r>
+            <a:r>
+              <a:rPr lang="en-GB" dirty="0">
+                <a:latin typeface="Courier New" panose="02070309020205020404" pitchFamily="49" charset="0"/>
+                <a:cs typeface="Courier New" panose="02070309020205020404" pitchFamily="49" charset="0"/>
+              </a:rPr>
+              <a:t> = </a:t>
+            </a:r>
+            <a:r>
+              <a:rPr lang="en-GB" b="1" dirty="0" err="1">
+                <a:solidFill>
+                  <a:schemeClr val="accent6">
+                    <a:lumMod val="50000"/>
+                  </a:schemeClr>
+                </a:solidFill>
+                <a:latin typeface="Courier New" panose="02070309020205020404" pitchFamily="49" charset="0"/>
+                <a:cs typeface="Courier New" panose="02070309020205020404" pitchFamily="49" charset="0"/>
+              </a:rPr>
+              <a:t>remove_background</a:t>
+            </a:r>
+            <a:r>
+              <a:rPr lang="en-GB" dirty="0">
+                <a:latin typeface="Courier New" panose="02070309020205020404" pitchFamily="49" charset="0"/>
+                <a:cs typeface="Courier New" panose="02070309020205020404" pitchFamily="49" charset="0"/>
+              </a:rPr>
+              <a:t>(</a:t>
+            </a:r>
+            <a:r>
+              <a:rPr lang="en-GB" b="1" dirty="0" err="1">
+                <a:latin typeface="Courier New" panose="02070309020205020404" pitchFamily="49" charset="0"/>
+                <a:cs typeface="Courier New" panose="02070309020205020404" pitchFamily="49" charset="0"/>
+              </a:rPr>
+              <a:t>pageop_obj</a:t>
+            </a:r>
+            <a:r>
+              <a:rPr lang="en-GB" dirty="0" err="1">
+                <a:latin typeface="Courier New" panose="02070309020205020404" pitchFamily="49" charset="0"/>
+                <a:cs typeface="Courier New" panose="02070309020205020404" pitchFamily="49" charset="0"/>
+              </a:rPr>
+              <a:t>,bg_data,bg_model,rlu</a:t>
+            </a:r>
+            <a:r>
+              <a:rPr lang="en-GB" dirty="0">
+                <a:latin typeface="Courier New" panose="02070309020205020404" pitchFamily="49" charset="0"/>
+                <a:cs typeface="Courier New" panose="02070309020205020404" pitchFamily="49" charset="0"/>
+              </a:rPr>
+              <a:t>)</a:t>
+            </a:r>
+          </a:p>
+          <a:p>
+            <a:r>
+              <a:rPr lang="en-GB" dirty="0">
+                <a:solidFill>
+                  <a:srgbClr val="00B050"/>
+                </a:solidFill>
+                <a:latin typeface="Courier New" panose="02070309020205020404" pitchFamily="49" charset="0"/>
+                <a:cs typeface="Courier New" panose="02070309020205020404" pitchFamily="49" charset="0"/>
+              </a:rPr>
+              <a:t>% retrieve page of pixel data in Crystal Cartesian coordinate system</a:t>
+            </a:r>
+          </a:p>
+          <a:p>
+            <a:r>
+              <a:rPr lang="en-GB" dirty="0">
+                <a:latin typeface="Courier New" panose="02070309020205020404" pitchFamily="49" charset="0"/>
+                <a:cs typeface="Courier New" panose="02070309020205020404" pitchFamily="49" charset="0"/>
+              </a:rPr>
+              <a:t>data  = </a:t>
+            </a:r>
+            <a:r>
+              <a:rPr lang="en-GB" b="1" dirty="0" err="1">
+                <a:latin typeface="Courier New" panose="02070309020205020404" pitchFamily="49" charset="0"/>
+                <a:cs typeface="Courier New" panose="02070309020205020404" pitchFamily="49" charset="0"/>
+              </a:rPr>
+              <a:t>pageop_obj</a:t>
+            </a:r>
+            <a:r>
+              <a:rPr lang="en-GB" dirty="0" err="1">
+                <a:latin typeface="Courier New" panose="02070309020205020404" pitchFamily="49" charset="0"/>
+                <a:cs typeface="Courier New" panose="02070309020205020404" pitchFamily="49" charset="0"/>
+              </a:rPr>
+              <a:t>.page_data</a:t>
+            </a:r>
+            <a:r>
+              <a:rPr lang="en-GB" dirty="0">
+                <a:latin typeface="Courier New" panose="02070309020205020404" pitchFamily="49" charset="0"/>
+                <a:cs typeface="Courier New" panose="02070309020205020404" pitchFamily="49" charset="0"/>
+              </a:rPr>
+              <a:t>;</a:t>
+            </a:r>
+          </a:p>
+          <a:p>
+            <a:endParaRPr lang="en-GB" dirty="0">
+              <a:latin typeface="Courier New" panose="02070309020205020404" pitchFamily="49" charset="0"/>
+              <a:cs typeface="Courier New" panose="02070309020205020404" pitchFamily="49" charset="0"/>
+            </a:endParaRPr>
+          </a:p>
+          <a:p>
+            <a:r>
+              <a:rPr lang="en-GB" dirty="0">
+                <a:solidFill>
+                  <a:srgbClr val="00B050"/>
+                </a:solidFill>
+                <a:latin typeface="Courier New" panose="02070309020205020404" pitchFamily="49" charset="0"/>
+                <a:cs typeface="Courier New" panose="02070309020205020404" pitchFamily="49" charset="0"/>
+              </a:rPr>
+              <a:t>% 2D background</a:t>
+            </a:r>
+          </a:p>
+          <a:p>
+            <a:r>
+              <a:rPr lang="en-GB" dirty="0" err="1">
+                <a:latin typeface="Courier New" panose="02070309020205020404" pitchFamily="49" charset="0"/>
+                <a:cs typeface="Courier New" panose="02070309020205020404" pitchFamily="49" charset="0"/>
+              </a:rPr>
+              <a:t>pix</a:t>
+            </a:r>
+            <a:r>
+              <a:rPr lang="en-GB" dirty="0">
+                <a:latin typeface="Courier New" panose="02070309020205020404" pitchFamily="49" charset="0"/>
+                <a:cs typeface="Courier New" panose="02070309020205020404" pitchFamily="49" charset="0"/>
+              </a:rPr>
+              <a:t>   = </a:t>
+            </a:r>
+            <a:r>
+              <a:rPr lang="en-GB" dirty="0" err="1">
+                <a:latin typeface="Courier New" panose="02070309020205020404" pitchFamily="49" charset="0"/>
+                <a:cs typeface="Courier New" panose="02070309020205020404" pitchFamily="49" charset="0"/>
+              </a:rPr>
+              <a:t>bg_data.proj.transform_pix_to_img</a:t>
+            </a:r>
+            <a:r>
+              <a:rPr lang="en-GB" dirty="0">
+                <a:latin typeface="Courier New" panose="02070309020205020404" pitchFamily="49" charset="0"/>
+                <a:cs typeface="Courier New" panose="02070309020205020404" pitchFamily="49" charset="0"/>
+              </a:rPr>
+              <a:t>(data(1:5,:));</a:t>
+            </a:r>
+          </a:p>
+          <a:p>
+            <a:r>
+              <a:rPr lang="en-GB" dirty="0" err="1">
+                <a:latin typeface="Courier New" panose="02070309020205020404" pitchFamily="49" charset="0"/>
+                <a:cs typeface="Courier New" panose="02070309020205020404" pitchFamily="49" charset="0"/>
+              </a:rPr>
+              <a:t>bg_signal</a:t>
+            </a:r>
+            <a:r>
+              <a:rPr lang="en-GB" dirty="0">
+                <a:latin typeface="Courier New" panose="02070309020205020404" pitchFamily="49" charset="0"/>
+                <a:cs typeface="Courier New" panose="02070309020205020404" pitchFamily="49" charset="0"/>
+              </a:rPr>
+              <a:t> = </a:t>
+            </a:r>
+            <a:r>
+              <a:rPr lang="en-GB" b="1" dirty="0" err="1">
+                <a:latin typeface="Courier New" panose="02070309020205020404" pitchFamily="49" charset="0"/>
+                <a:cs typeface="Courier New" panose="02070309020205020404" pitchFamily="49" charset="0"/>
+              </a:rPr>
+              <a:t>bg_model</a:t>
+            </a:r>
+            <a:r>
+              <a:rPr lang="en-GB" dirty="0">
+                <a:latin typeface="Courier New" panose="02070309020205020404" pitchFamily="49" charset="0"/>
+                <a:cs typeface="Courier New" panose="02070309020205020404" pitchFamily="49" charset="0"/>
+              </a:rPr>
+              <a:t>(</a:t>
+            </a:r>
+            <a:r>
+              <a:rPr lang="en-GB" dirty="0" err="1">
+                <a:latin typeface="Courier New" panose="02070309020205020404" pitchFamily="49" charset="0"/>
+                <a:cs typeface="Courier New" panose="02070309020205020404" pitchFamily="49" charset="0"/>
+              </a:rPr>
+              <a:t>pix</a:t>
+            </a:r>
+            <a:r>
+              <a:rPr lang="en-GB" dirty="0">
+                <a:latin typeface="Courier New" panose="02070309020205020404" pitchFamily="49" charset="0"/>
+                <a:cs typeface="Courier New" panose="02070309020205020404" pitchFamily="49" charset="0"/>
+              </a:rPr>
+              <a:t>(2,:),data(4,:));</a:t>
+            </a:r>
+          </a:p>
+          <a:p>
+            <a:r>
+              <a:rPr lang="en-GB" dirty="0" err="1">
+                <a:latin typeface="Courier New" panose="02070309020205020404" pitchFamily="49" charset="0"/>
+                <a:cs typeface="Courier New" panose="02070309020205020404" pitchFamily="49" charset="0"/>
+              </a:rPr>
+              <a:t>sig_var</a:t>
+            </a:r>
+            <a:r>
+              <a:rPr lang="en-GB" dirty="0">
+                <a:latin typeface="Courier New" panose="02070309020205020404" pitchFamily="49" charset="0"/>
+                <a:cs typeface="Courier New" panose="02070309020205020404" pitchFamily="49" charset="0"/>
+              </a:rPr>
+              <a:t> = data([8,9],:);</a:t>
+            </a:r>
+          </a:p>
+          <a:p>
+            <a:r>
+              <a:rPr lang="en-GB" dirty="0" err="1">
+                <a:latin typeface="Courier New" panose="02070309020205020404" pitchFamily="49" charset="0"/>
+                <a:cs typeface="Courier New" panose="02070309020205020404" pitchFamily="49" charset="0"/>
+              </a:rPr>
+              <a:t>sig_var</a:t>
+            </a:r>
+            <a:r>
+              <a:rPr lang="en-GB" dirty="0">
+                <a:latin typeface="Courier New" panose="02070309020205020404" pitchFamily="49" charset="0"/>
+                <a:cs typeface="Courier New" panose="02070309020205020404" pitchFamily="49" charset="0"/>
+              </a:rPr>
+              <a:t>(1,:) = data(8,:)-</a:t>
+            </a:r>
+            <a:r>
+              <a:rPr lang="en-GB" dirty="0" err="1">
+                <a:latin typeface="Courier New" panose="02070309020205020404" pitchFamily="49" charset="0"/>
+                <a:cs typeface="Courier New" panose="02070309020205020404" pitchFamily="49" charset="0"/>
+              </a:rPr>
+              <a:t>bg_signal</a:t>
+            </a:r>
+            <a:r>
+              <a:rPr lang="en-GB" dirty="0">
+                <a:latin typeface="Courier New" panose="02070309020205020404" pitchFamily="49" charset="0"/>
+                <a:cs typeface="Courier New" panose="02070309020205020404" pitchFamily="49" charset="0"/>
+              </a:rPr>
+              <a:t>;</a:t>
+            </a:r>
+          </a:p>
+          <a:p>
+            <a:r>
+              <a:rPr lang="en-GB" dirty="0" err="1">
+                <a:latin typeface="Courier New" panose="02070309020205020404" pitchFamily="49" charset="0"/>
+                <a:cs typeface="Courier New" panose="02070309020205020404" pitchFamily="49" charset="0"/>
+              </a:rPr>
+              <a:t>over_compensated</a:t>
+            </a:r>
+            <a:r>
+              <a:rPr lang="en-GB" dirty="0">
+                <a:latin typeface="Courier New" panose="02070309020205020404" pitchFamily="49" charset="0"/>
+                <a:cs typeface="Courier New" panose="02070309020205020404" pitchFamily="49" charset="0"/>
+              </a:rPr>
+              <a:t> = </a:t>
+            </a:r>
+            <a:r>
+              <a:rPr lang="en-GB" dirty="0" err="1">
+                <a:latin typeface="Courier New" panose="02070309020205020404" pitchFamily="49" charset="0"/>
+                <a:cs typeface="Courier New" panose="02070309020205020404" pitchFamily="49" charset="0"/>
+              </a:rPr>
+              <a:t>sig_var</a:t>
+            </a:r>
+            <a:r>
+              <a:rPr lang="en-GB" dirty="0">
+                <a:latin typeface="Courier New" panose="02070309020205020404" pitchFamily="49" charset="0"/>
+                <a:cs typeface="Courier New" panose="02070309020205020404" pitchFamily="49" charset="0"/>
+              </a:rPr>
+              <a:t>(1,:)&lt;0;</a:t>
+            </a:r>
+          </a:p>
+          <a:p>
+            <a:r>
+              <a:rPr lang="en-GB" dirty="0" err="1">
+                <a:latin typeface="Courier New" panose="02070309020205020404" pitchFamily="49" charset="0"/>
+                <a:cs typeface="Courier New" panose="02070309020205020404" pitchFamily="49" charset="0"/>
+              </a:rPr>
+              <a:t>sig_var</a:t>
+            </a:r>
+            <a:r>
+              <a:rPr lang="en-GB" dirty="0">
+                <a:latin typeface="Courier New" panose="02070309020205020404" pitchFamily="49" charset="0"/>
+                <a:cs typeface="Courier New" panose="02070309020205020404" pitchFamily="49" charset="0"/>
+              </a:rPr>
+              <a:t>(2,over_compensated) = 0;</a:t>
+            </a:r>
+          </a:p>
+        </p:txBody>
+      </p:sp>
+      <p:sp>
+        <p:nvSpPr>
+          <p:cNvPr id="12" name="Rectangle 11">
+            <a:extLst>
+              <a:ext uri="{FF2B5EF4-FFF2-40B4-BE49-F238E27FC236}">
+                <a16:creationId xmlns:a16="http://schemas.microsoft.com/office/drawing/2014/main" id="{4BCF549B-C907-11F1-D977-F714B607454E}"/>
+              </a:ext>
+            </a:extLst>
+          </p:cNvPr>
+          <p:cNvSpPr/>
+          <p:nvPr/>
+        </p:nvSpPr>
+        <p:spPr>
+          <a:xfrm>
+            <a:off x="6270170" y="2014699"/>
+            <a:ext cx="2566467" cy="584248"/>
+          </a:xfrm>
+          <a:prstGeom prst="rect">
+            <a:avLst/>
+          </a:prstGeom>
+        </p:spPr>
+        <p:style>
+          <a:lnRef idx="2">
+            <a:schemeClr val="accent1">
+              <a:shade val="15000"/>
+            </a:schemeClr>
+          </a:lnRef>
+          <a:fillRef idx="1">
+            <a:schemeClr val="accent1"/>
+          </a:fillRef>
+          <a:effectRef idx="0">
+            <a:schemeClr val="accent1"/>
+          </a:effectRef>
+          <a:fontRef idx="minor">
+            <a:schemeClr val="lt1"/>
+          </a:fontRef>
+        </p:style>
+        <p:txBody>
+          <a:bodyPr rtlCol="0" anchor="ctr"/>
+          <a:lstStyle/>
+          <a:p>
+            <a:pPr algn="ctr"/>
+            <a:r>
+              <a:rPr lang="en-GB" dirty="0"/>
+              <a:t>Background model</a:t>
+            </a:r>
+          </a:p>
+        </p:txBody>
+      </p:sp>
+      <p:cxnSp>
+        <p:nvCxnSpPr>
+          <p:cNvPr id="15" name="Straight Arrow Connector 14">
+            <a:extLst>
+              <a:ext uri="{FF2B5EF4-FFF2-40B4-BE49-F238E27FC236}">
+                <a16:creationId xmlns:a16="http://schemas.microsoft.com/office/drawing/2014/main" id="{9C0C7500-CEC7-B994-B78E-80F3A950F61E}"/>
+              </a:ext>
+            </a:extLst>
+          </p:cNvPr>
+          <p:cNvCxnSpPr/>
+          <p:nvPr/>
+        </p:nvCxnSpPr>
+        <p:spPr>
+          <a:xfrm flipH="1">
+            <a:off x="624874" y="2320578"/>
+            <a:ext cx="5606877" cy="313144"/>
+          </a:xfrm>
+          <a:prstGeom prst="straightConnector1">
+            <a:avLst/>
+          </a:prstGeom>
+          <a:ln>
+            <a:tailEnd type="triangle"/>
+          </a:ln>
+        </p:spPr>
+        <p:style>
+          <a:lnRef idx="2">
+            <a:schemeClr val="accent1"/>
+          </a:lnRef>
+          <a:fillRef idx="0">
+            <a:schemeClr val="accent1"/>
+          </a:fillRef>
+          <a:effectRef idx="1">
+            <a:schemeClr val="accent1"/>
+          </a:effectRef>
+          <a:fontRef idx="minor">
+            <a:schemeClr val="tx1"/>
+          </a:fontRef>
+        </p:style>
+      </p:cxnSp>
+      <p:cxnSp>
+        <p:nvCxnSpPr>
+          <p:cNvPr id="19" name="Straight Arrow Connector 18">
+            <a:extLst>
+              <a:ext uri="{FF2B5EF4-FFF2-40B4-BE49-F238E27FC236}">
+                <a16:creationId xmlns:a16="http://schemas.microsoft.com/office/drawing/2014/main" id="{CB900AC6-FA97-5A04-4859-F66CD67A167D}"/>
+              </a:ext>
+            </a:extLst>
+          </p:cNvPr>
+          <p:cNvCxnSpPr>
+            <a:cxnSpLocks/>
+          </p:cNvCxnSpPr>
+          <p:nvPr/>
+        </p:nvCxnSpPr>
+        <p:spPr>
+          <a:xfrm>
+            <a:off x="7553403" y="2598947"/>
+            <a:ext cx="951539" cy="1188937"/>
+          </a:xfrm>
+          <a:prstGeom prst="straightConnector1">
+            <a:avLst/>
+          </a:prstGeom>
+          <a:ln>
+            <a:tailEnd type="triangle"/>
+          </a:ln>
+        </p:spPr>
+        <p:style>
+          <a:lnRef idx="2">
+            <a:schemeClr val="accent1"/>
+          </a:lnRef>
+          <a:fillRef idx="0">
+            <a:schemeClr val="accent1"/>
+          </a:fillRef>
+          <a:effectRef idx="1">
+            <a:schemeClr val="accent1"/>
+          </a:effectRef>
+          <a:fontRef idx="minor">
+            <a:schemeClr val="tx1"/>
+          </a:fontRef>
+        </p:style>
+      </p:cxnSp>
+      <p:cxnSp>
+        <p:nvCxnSpPr>
+          <p:cNvPr id="6" name="Straight Arrow Connector 5">
+            <a:extLst>
+              <a:ext uri="{FF2B5EF4-FFF2-40B4-BE49-F238E27FC236}">
+                <a16:creationId xmlns:a16="http://schemas.microsoft.com/office/drawing/2014/main" id="{5A49AE48-73D5-98C2-8C72-C18585D54FA5}"/>
+              </a:ext>
+            </a:extLst>
+          </p:cNvPr>
+          <p:cNvCxnSpPr/>
+          <p:nvPr/>
+        </p:nvCxnSpPr>
+        <p:spPr>
+          <a:xfrm flipH="1">
+            <a:off x="2882685" y="2633722"/>
+            <a:ext cx="4670718" cy="2782936"/>
+          </a:xfrm>
+          <a:prstGeom prst="straightConnector1">
+            <a:avLst/>
+          </a:prstGeom>
+          <a:ln>
+            <a:tailEnd type="triangle"/>
+          </a:ln>
+        </p:spPr>
+        <p:style>
+          <a:lnRef idx="2">
+            <a:schemeClr val="accent1"/>
+          </a:lnRef>
+          <a:fillRef idx="0">
+            <a:schemeClr val="accent1"/>
+          </a:fillRef>
+          <a:effectRef idx="1">
+            <a:schemeClr val="accent1"/>
+          </a:effectRef>
+          <a:fontRef idx="minor">
+            <a:schemeClr val="tx1"/>
+          </a:fontRef>
+        </p:style>
+      </p:cxnSp>
+    </p:spTree>
+    <p:extLst>
+      <p:ext uri="{BB962C8B-B14F-4D97-AF65-F5344CB8AC3E}">
+        <p14:creationId xmlns:p14="http://schemas.microsoft.com/office/powerpoint/2010/main" val="3967767996"/>
+      </p:ext>
+    </p:extLst>
+  </p:cSld>
+  <p:clrMapOvr>
+    <a:masterClrMapping/>
+  </p:clrMapOvr>
+</p:sld>
+</file>
+
+<file path=ppt/slides/slide9.xml><?xml version="1.0" encoding="utf-8"?>
+<p:sld xmlns:a="http://schemas.openxmlformats.org/drawingml/2006/main" xmlns:r="http://schemas.openxmlformats.org/officeDocument/2006/relationships" xmlns:p="http://schemas.openxmlformats.org/presentationml/2006/main">
+  <p:cSld>
+    <p:spTree>
+      <p:nvGrpSpPr>
+        <p:cNvPr id="1" name="">
+          <a:extLst>
+            <a:ext uri="{FF2B5EF4-FFF2-40B4-BE49-F238E27FC236}">
+              <a16:creationId xmlns:a16="http://schemas.microsoft.com/office/drawing/2014/main" id="{F2484CAD-78CB-7381-C026-BF75D425C9EF}"/>
+            </a:ext>
+          </a:extLst>
+        </p:cNvPr>
+        <p:cNvGrpSpPr/>
+        <p:nvPr/>
+      </p:nvGrpSpPr>
+      <p:grpSpPr>
+        <a:xfrm>
+          <a:off x="0" y="0"/>
+          <a:ext cx="0" cy="0"/>
+          <a:chOff x="0" y="0"/>
+          <a:chExt cx="0" cy="0"/>
+        </a:xfrm>
+      </p:grpSpPr>
+      <p:sp>
+        <p:nvSpPr>
+          <p:cNvPr id="3" name="Subtitle 2">
+            <a:extLst>
+              <a:ext uri="{FF2B5EF4-FFF2-40B4-BE49-F238E27FC236}">
+                <a16:creationId xmlns:a16="http://schemas.microsoft.com/office/drawing/2014/main" id="{C43599AD-2514-DF8B-4997-D85547CD3D6B}"/>
+              </a:ext>
+            </a:extLst>
+          </p:cNvPr>
+          <p:cNvSpPr>
+            <a:spLocks noGrp="1"/>
+          </p:cNvSpPr>
+          <p:nvPr>
+            <p:ph type="subTitle" idx="1"/>
+          </p:nvPr>
+        </p:nvSpPr>
+        <p:spPr>
+          <a:xfrm>
+            <a:off x="624874" y="119847"/>
+            <a:ext cx="10290313" cy="757927"/>
+          </a:xfrm>
+        </p:spPr>
+        <p:txBody>
+          <a:bodyPr>
+            <a:noAutofit/>
+          </a:bodyPr>
+          <a:lstStyle/>
+          <a:p>
+            <a:r>
+              <a:rPr lang="en-GB" sz="2800" dirty="0"/>
+              <a:t>Horace 4 issues from user experience and Horace 4.1 highlights</a:t>
+            </a:r>
+          </a:p>
+        </p:txBody>
+      </p:sp>
+      <p:sp>
+        <p:nvSpPr>
+          <p:cNvPr id="4" name="Subtitle 2">
+            <a:extLst>
+              <a:ext uri="{FF2B5EF4-FFF2-40B4-BE49-F238E27FC236}">
+                <a16:creationId xmlns:a16="http://schemas.microsoft.com/office/drawing/2014/main" id="{8BEC73F6-DE3A-B340-DC80-561945B7BA71}"/>
+              </a:ext>
+            </a:extLst>
+          </p:cNvPr>
+          <p:cNvSpPr txBox="1">
+            <a:spLocks/>
+          </p:cNvSpPr>
+          <p:nvPr/>
+        </p:nvSpPr>
+        <p:spPr>
+          <a:xfrm>
+            <a:off x="313596" y="720904"/>
+            <a:ext cx="11427868" cy="516835"/>
+          </a:xfrm>
+          <a:prstGeom prst="rect">
+            <a:avLst/>
+          </a:prstGeom>
+        </p:spPr>
+        <p:txBody>
+          <a:bodyPr vert="horz" lIns="91440" tIns="45720" rIns="91440" bIns="45720" rtlCol="0">
+            <a:noAutofit/>
+          </a:bodyPr>
+          <a:lstStyle>
+            <a:lvl1pPr marL="0" indent="0" algn="ctr" defTabSz="914400" rtl="0" eaLnBrk="1" latinLnBrk="0" hangingPunct="1">
+              <a:lnSpc>
+                <a:spcPct val="90000"/>
+              </a:lnSpc>
+              <a:spcBef>
+                <a:spcPts val="1000"/>
+              </a:spcBef>
+              <a:buFont typeface="Arial" panose="020B0604020202020204" pitchFamily="34" charset="0"/>
+              <a:buNone/>
+              <a:defRPr sz="2400" kern="1200">
+                <a:solidFill>
+                  <a:schemeClr val="tx1"/>
+                </a:solidFill>
+                <a:latin typeface="+mn-lt"/>
+                <a:ea typeface="+mn-ea"/>
+                <a:cs typeface="+mn-cs"/>
+              </a:defRPr>
+            </a:lvl1pPr>
+            <a:lvl2pPr marL="457200" indent="0" algn="ctr" defTabSz="914400" rtl="0" eaLnBrk="1" latinLnBrk="0" hangingPunct="1">
+              <a:lnSpc>
+                <a:spcPct val="90000"/>
+              </a:lnSpc>
+              <a:spcBef>
+                <a:spcPts val="500"/>
+              </a:spcBef>
+              <a:buFont typeface="Arial" panose="020B0604020202020204" pitchFamily="34" charset="0"/>
+              <a:buNone/>
+              <a:defRPr sz="2000" kern="1200">
+                <a:solidFill>
+                  <a:schemeClr val="tx1"/>
+                </a:solidFill>
+                <a:latin typeface="+mn-lt"/>
+                <a:ea typeface="+mn-ea"/>
+                <a:cs typeface="+mn-cs"/>
+              </a:defRPr>
+            </a:lvl2pPr>
+            <a:lvl3pPr marL="914400" indent="0" algn="ctr" defTabSz="914400" rtl="0" eaLnBrk="1" latinLnBrk="0" hangingPunct="1">
+              <a:lnSpc>
+                <a:spcPct val="90000"/>
+              </a:lnSpc>
+              <a:spcBef>
+                <a:spcPts val="500"/>
+              </a:spcBef>
+              <a:buFont typeface="Arial" panose="020B0604020202020204" pitchFamily="34" charset="0"/>
+              <a:buNone/>
+              <a:defRPr sz="1800" kern="1200">
+                <a:solidFill>
+                  <a:schemeClr val="tx1"/>
+                </a:solidFill>
+                <a:latin typeface="+mn-lt"/>
+                <a:ea typeface="+mn-ea"/>
+                <a:cs typeface="+mn-cs"/>
+              </a:defRPr>
+            </a:lvl3pPr>
+            <a:lvl4pPr marL="1371600" indent="0" algn="ctr" defTabSz="914400" rtl="0" eaLnBrk="1" latinLnBrk="0" hangingPunct="1">
+              <a:lnSpc>
+                <a:spcPct val="90000"/>
+              </a:lnSpc>
+              <a:spcBef>
+                <a:spcPts val="500"/>
+              </a:spcBef>
+              <a:buFont typeface="Arial" panose="020B0604020202020204" pitchFamily="34" charset="0"/>
+              <a:buNone/>
+              <a:defRPr sz="1600" kern="1200">
+                <a:solidFill>
+                  <a:schemeClr val="tx1"/>
+                </a:solidFill>
+                <a:latin typeface="+mn-lt"/>
+                <a:ea typeface="+mn-ea"/>
+                <a:cs typeface="+mn-cs"/>
+              </a:defRPr>
+            </a:lvl4pPr>
+            <a:lvl5pPr marL="1828800" indent="0" algn="ctr" defTabSz="914400" rtl="0" eaLnBrk="1" latinLnBrk="0" hangingPunct="1">
+              <a:lnSpc>
+                <a:spcPct val="90000"/>
+              </a:lnSpc>
+              <a:spcBef>
+                <a:spcPts val="500"/>
+              </a:spcBef>
+              <a:buFont typeface="Arial" panose="020B0604020202020204" pitchFamily="34" charset="0"/>
+              <a:buNone/>
+              <a:defRPr sz="1600" kern="1200">
+                <a:solidFill>
+                  <a:schemeClr val="tx1"/>
+                </a:solidFill>
+                <a:latin typeface="+mn-lt"/>
+                <a:ea typeface="+mn-ea"/>
+                <a:cs typeface="+mn-cs"/>
+              </a:defRPr>
+            </a:lvl5pPr>
+            <a:lvl6pPr marL="2286000" indent="0" algn="ctr" defTabSz="914400" rtl="0" eaLnBrk="1" latinLnBrk="0" hangingPunct="1">
+              <a:lnSpc>
+                <a:spcPct val="90000"/>
+              </a:lnSpc>
+              <a:spcBef>
+                <a:spcPts val="500"/>
+              </a:spcBef>
+              <a:buFont typeface="Arial" panose="020B0604020202020204" pitchFamily="34" charset="0"/>
+              <a:buNone/>
+              <a:defRPr sz="1600" kern="1200">
+                <a:solidFill>
+                  <a:schemeClr val="tx1"/>
+                </a:solidFill>
+                <a:latin typeface="+mn-lt"/>
+                <a:ea typeface="+mn-ea"/>
+                <a:cs typeface="+mn-cs"/>
+              </a:defRPr>
+            </a:lvl6pPr>
+            <a:lvl7pPr marL="2743200" indent="0" algn="ctr" defTabSz="914400" rtl="0" eaLnBrk="1" latinLnBrk="0" hangingPunct="1">
+              <a:lnSpc>
+                <a:spcPct val="90000"/>
+              </a:lnSpc>
+              <a:spcBef>
+                <a:spcPts val="500"/>
+              </a:spcBef>
+              <a:buFont typeface="Arial" panose="020B0604020202020204" pitchFamily="34" charset="0"/>
+              <a:buNone/>
+              <a:defRPr sz="1600" kern="1200">
+                <a:solidFill>
+                  <a:schemeClr val="tx1"/>
+                </a:solidFill>
+                <a:latin typeface="+mn-lt"/>
+                <a:ea typeface="+mn-ea"/>
+                <a:cs typeface="+mn-cs"/>
+              </a:defRPr>
+            </a:lvl7pPr>
+            <a:lvl8pPr marL="3200400" indent="0" algn="ctr" defTabSz="914400" rtl="0" eaLnBrk="1" latinLnBrk="0" hangingPunct="1">
+              <a:lnSpc>
+                <a:spcPct val="90000"/>
+              </a:lnSpc>
+              <a:spcBef>
+                <a:spcPts val="500"/>
+              </a:spcBef>
+              <a:buFont typeface="Arial" panose="020B0604020202020204" pitchFamily="34" charset="0"/>
+              <a:buNone/>
+              <a:defRPr sz="1600" kern="1200">
+                <a:solidFill>
+                  <a:schemeClr val="tx1"/>
+                </a:solidFill>
+                <a:latin typeface="+mn-lt"/>
+                <a:ea typeface="+mn-ea"/>
+                <a:cs typeface="+mn-cs"/>
+              </a:defRPr>
+            </a:lvl8pPr>
+            <a:lvl9pPr marL="3657600" indent="0" algn="ctr" defTabSz="914400" rtl="0" eaLnBrk="1" latinLnBrk="0" hangingPunct="1">
+              <a:lnSpc>
+                <a:spcPct val="90000"/>
+              </a:lnSpc>
+              <a:spcBef>
+                <a:spcPts val="500"/>
+              </a:spcBef>
+              <a:buFont typeface="Arial" panose="020B0604020202020204" pitchFamily="34" charset="0"/>
+              <a:buNone/>
+              <a:defRPr sz="1600" kern="1200">
+                <a:solidFill>
+                  <a:schemeClr val="tx1"/>
+                </a:solidFill>
+                <a:latin typeface="+mn-lt"/>
+                <a:ea typeface="+mn-ea"/>
+                <a:cs typeface="+mn-cs"/>
+              </a:defRPr>
+            </a:lvl9pPr>
+          </a:lstStyle>
+          <a:p>
+            <a:pPr algn="l"/>
+            <a:r>
+              <a:rPr lang="en-GB" sz="2800" b="1" dirty="0" err="1">
+                <a:solidFill>
+                  <a:schemeClr val="accent6">
+                    <a:lumMod val="50000"/>
+                  </a:schemeClr>
+                </a:solidFill>
+                <a:latin typeface="Courier New" panose="02070309020205020404" pitchFamily="49" charset="0"/>
+                <a:cs typeface="Courier New" panose="02070309020205020404" pitchFamily="49" charset="0"/>
+              </a:rPr>
+              <a:t>sqw_op</a:t>
+            </a:r>
+            <a:r>
+              <a:rPr lang="en-GB" sz="2800" b="1" dirty="0">
+                <a:solidFill>
+                  <a:schemeClr val="accent6">
+                    <a:lumMod val="50000"/>
+                  </a:schemeClr>
+                </a:solidFill>
+                <a:latin typeface="Courier New" panose="02070309020205020404" pitchFamily="49" charset="0"/>
+                <a:cs typeface="Courier New" panose="02070309020205020404" pitchFamily="49" charset="0"/>
+              </a:rPr>
+              <a:t> :-&gt; </a:t>
+            </a:r>
+            <a:r>
+              <a:rPr lang="en-GB" sz="2800" b="1" dirty="0">
+                <a:cs typeface="Courier New" panose="02070309020205020404" pitchFamily="49" charset="0"/>
+              </a:rPr>
+              <a:t>gateway for unary operations overs sqw files</a:t>
+            </a:r>
+            <a:endParaRPr lang="en-GB" sz="2800" dirty="0">
+              <a:solidFill>
+                <a:schemeClr val="accent6">
+                  <a:lumMod val="50000"/>
+                </a:schemeClr>
+              </a:solidFill>
+              <a:latin typeface="Courier New" panose="02070309020205020404" pitchFamily="49" charset="0"/>
+              <a:cs typeface="Courier New" panose="02070309020205020404" pitchFamily="49" charset="0"/>
+            </a:endParaRPr>
+          </a:p>
+        </p:txBody>
+      </p:sp>
+      <p:sp>
+        <p:nvSpPr>
+          <p:cNvPr id="5" name="Rectangle 4">
+            <a:extLst>
+              <a:ext uri="{FF2B5EF4-FFF2-40B4-BE49-F238E27FC236}">
+                <a16:creationId xmlns:a16="http://schemas.microsoft.com/office/drawing/2014/main" id="{07176E81-524E-4D71-1281-7F3703F7A3FB}"/>
+              </a:ext>
+            </a:extLst>
+          </p:cNvPr>
+          <p:cNvSpPr/>
+          <p:nvPr/>
+        </p:nvSpPr>
+        <p:spPr>
+          <a:xfrm rot="5400000">
+            <a:off x="10355762" y="1060190"/>
+            <a:ext cx="2896428" cy="776048"/>
+          </a:xfrm>
+          <a:prstGeom prst="rect">
+            <a:avLst/>
+          </a:prstGeom>
+          <a:solidFill>
+            <a:srgbClr val="F15B69"/>
+          </a:solidFill>
+        </p:spPr>
+        <p:style>
+          <a:lnRef idx="2">
+            <a:schemeClr val="accent1">
+              <a:shade val="15000"/>
+            </a:schemeClr>
+          </a:lnRef>
+          <a:fillRef idx="1">
+            <a:schemeClr val="accent1"/>
+          </a:fillRef>
+          <a:effectRef idx="0">
+            <a:schemeClr val="accent1"/>
+          </a:effectRef>
+          <a:fontRef idx="minor">
+            <a:schemeClr val="lt1"/>
+          </a:fontRef>
+        </p:style>
+        <p:txBody>
+          <a:bodyPr rtlCol="0" anchor="ctr"/>
+          <a:lstStyle/>
+          <a:p>
+            <a:pPr algn="ctr"/>
+            <a:r>
+              <a:rPr lang="en-GB" dirty="0">
+                <a:solidFill>
+                  <a:schemeClr val="tx1"/>
+                </a:solidFill>
+              </a:rPr>
+              <a:t>ADVANCED!!!</a:t>
+            </a:r>
+          </a:p>
+          <a:p>
+            <a:pPr algn="ctr"/>
+            <a:r>
+              <a:rPr lang="en-GB" dirty="0">
+                <a:solidFill>
+                  <a:schemeClr val="tx1"/>
+                </a:solidFill>
+              </a:rPr>
+              <a:t>Full SQW object operation</a:t>
+            </a:r>
+          </a:p>
+        </p:txBody>
+      </p:sp>
+      <p:pic>
+        <p:nvPicPr>
+          <p:cNvPr id="2" name="Picture 1">
+            <a:extLst>
+              <a:ext uri="{FF2B5EF4-FFF2-40B4-BE49-F238E27FC236}">
+                <a16:creationId xmlns:a16="http://schemas.microsoft.com/office/drawing/2014/main" id="{FD077A58-87AA-B850-FBB1-C5551A2D04FB}"/>
+              </a:ext>
+            </a:extLst>
+          </p:cNvPr>
+          <p:cNvPicPr>
+            <a:picLocks noChangeAspect="1"/>
+          </p:cNvPicPr>
+          <p:nvPr/>
+        </p:nvPicPr>
+        <p:blipFill>
+          <a:blip r:embed="rId2"/>
+          <a:stretch>
+            <a:fillRect/>
+          </a:stretch>
+        </p:blipFill>
+        <p:spPr>
+          <a:xfrm>
+            <a:off x="258158" y="2111054"/>
+            <a:ext cx="5705661" cy="4320000"/>
+          </a:xfrm>
+          <a:prstGeom prst="rect">
+            <a:avLst/>
+          </a:prstGeom>
+        </p:spPr>
+      </p:pic>
+      <p:pic>
+        <p:nvPicPr>
+          <p:cNvPr id="7" name="Picture 6">
+            <a:extLst>
+              <a:ext uri="{FF2B5EF4-FFF2-40B4-BE49-F238E27FC236}">
+                <a16:creationId xmlns:a16="http://schemas.microsoft.com/office/drawing/2014/main" id="{7A68D7AF-BAF0-2826-44FB-350F40680B6E}"/>
+              </a:ext>
+            </a:extLst>
+          </p:cNvPr>
+          <p:cNvPicPr>
+            <a:picLocks noChangeAspect="1"/>
+          </p:cNvPicPr>
+          <p:nvPr/>
+        </p:nvPicPr>
+        <p:blipFill>
+          <a:blip r:embed="rId3"/>
+          <a:stretch>
+            <a:fillRect/>
+          </a:stretch>
+        </p:blipFill>
+        <p:spPr>
+          <a:xfrm>
+            <a:off x="5530916" y="2111054"/>
+            <a:ext cx="5759999" cy="4320000"/>
+          </a:xfrm>
+          <a:prstGeom prst="rect">
+            <a:avLst/>
+          </a:prstGeom>
+        </p:spPr>
+      </p:pic>
+    </p:spTree>
+    <p:extLst>
+      <p:ext uri="{BB962C8B-B14F-4D97-AF65-F5344CB8AC3E}">
+        <p14:creationId xmlns:p14="http://schemas.microsoft.com/office/powerpoint/2010/main" val="3222263567"/>
       </p:ext>
     </p:extLst>
   </p:cSld>
